--- a/自动化安装包/移动互联网事业部测试自动化实施方案介绍_张修海.pptx
+++ b/自动化安装包/移动互联网事业部测试自动化实施方案介绍_张修海.pptx
@@ -5,24 +5,28 @@
     <p:sldMasterId id="2147483732" r:id="rId1"/>
   </p:sldMasterIdLst>
   <p:notesMasterIdLst>
-    <p:notesMasterId r:id="rId17"/>
+    <p:notesMasterId r:id="rId21"/>
   </p:notesMasterIdLst>
   <p:sldIdLst>
     <p:sldId id="256" r:id="rId2"/>
     <p:sldId id="257" r:id="rId3"/>
-    <p:sldId id="285" r:id="rId4"/>
-    <p:sldId id="279" r:id="rId5"/>
-    <p:sldId id="281" r:id="rId6"/>
-    <p:sldId id="265" r:id="rId7"/>
-    <p:sldId id="261" r:id="rId8"/>
-    <p:sldId id="267" r:id="rId9"/>
-    <p:sldId id="268" r:id="rId10"/>
-    <p:sldId id="282" r:id="rId11"/>
-    <p:sldId id="284" r:id="rId12"/>
-    <p:sldId id="283" r:id="rId13"/>
-    <p:sldId id="272" r:id="rId14"/>
-    <p:sldId id="276" r:id="rId15"/>
-    <p:sldId id="269" r:id="rId16"/>
+    <p:sldId id="289" r:id="rId4"/>
+    <p:sldId id="288" r:id="rId5"/>
+    <p:sldId id="287" r:id="rId6"/>
+    <p:sldId id="285" r:id="rId7"/>
+    <p:sldId id="279" r:id="rId8"/>
+    <p:sldId id="281" r:id="rId9"/>
+    <p:sldId id="265" r:id="rId10"/>
+    <p:sldId id="261" r:id="rId11"/>
+    <p:sldId id="267" r:id="rId12"/>
+    <p:sldId id="268" r:id="rId13"/>
+    <p:sldId id="282" r:id="rId14"/>
+    <p:sldId id="284" r:id="rId15"/>
+    <p:sldId id="283" r:id="rId16"/>
+    <p:sldId id="272" r:id="rId17"/>
+    <p:sldId id="276" r:id="rId18"/>
+    <p:sldId id="269" r:id="rId19"/>
+    <p:sldId id="286" r:id="rId20"/>
   </p:sldIdLst>
   <p:sldSz cx="9144000" cy="6858000" type="screen4x3"/>
   <p:notesSz cx="6858000" cy="9144000"/>
@@ -223,7 +227,7 @@
             <a:fld id="{1ABDA899-DA1E-4A5B-8256-113826469DC4}" type="datetimeFigureOut">
               <a:rPr lang="zh-CN" altLang="en-US" smtClean="0"/>
               <a:pPr/>
-              <a:t>2015/8/12</a:t>
+              <a:t>2016/3/24</a:t>
             </a:fld>
             <a:endParaRPr lang="zh-CN" altLang="en-US"/>
           </a:p>
@@ -647,7 +651,7 @@
             <a:fld id="{5A5B4808-CDAC-43AF-98FD-47C50C392658}" type="slidenum">
               <a:rPr lang="zh-CN" altLang="en-US" smtClean="0"/>
               <a:pPr/>
-              <a:t>15</a:t>
+              <a:t>18</a:t>
             </a:fld>
             <a:endParaRPr lang="zh-CN" altLang="en-US"/>
           </a:p>
@@ -778,7 +782,7 @@
             <a:fld id="{530820CF-B880-4189-942D-D702A7CBA730}" type="datetimeFigureOut">
               <a:rPr lang="zh-CN" altLang="en-US" smtClean="0"/>
               <a:pPr/>
-              <a:t>2015/8/12</a:t>
+              <a:t>2016/3/24</a:t>
             </a:fld>
             <a:endParaRPr lang="zh-CN" altLang="en-US"/>
           </a:p>
@@ -1006,7 +1010,7 @@
             <a:fld id="{530820CF-B880-4189-942D-D702A7CBA730}" type="datetimeFigureOut">
               <a:rPr lang="zh-CN" altLang="en-US" smtClean="0"/>
               <a:pPr/>
-              <a:t>2015/8/12</a:t>
+              <a:t>2016/3/24</a:t>
             </a:fld>
             <a:endParaRPr lang="zh-CN" altLang="en-US"/>
           </a:p>
@@ -1183,7 +1187,7 @@
             <a:fld id="{530820CF-B880-4189-942D-D702A7CBA730}" type="datetimeFigureOut">
               <a:rPr lang="zh-CN" altLang="en-US" smtClean="0"/>
               <a:pPr/>
-              <a:t>2015/8/12</a:t>
+              <a:t>2016/3/24</a:t>
             </a:fld>
             <a:endParaRPr lang="zh-CN" altLang="en-US"/>
           </a:p>
@@ -1350,7 +1354,7 @@
             <a:fld id="{530820CF-B880-4189-942D-D702A7CBA730}" type="datetimeFigureOut">
               <a:rPr lang="zh-CN" altLang="en-US" smtClean="0"/>
               <a:pPr/>
-              <a:t>2015/8/12</a:t>
+              <a:t>2016/3/24</a:t>
             </a:fld>
             <a:endParaRPr lang="zh-CN" altLang="en-US"/>
           </a:p>
@@ -1596,7 +1600,7 @@
             <a:fld id="{530820CF-B880-4189-942D-D702A7CBA730}" type="datetimeFigureOut">
               <a:rPr lang="zh-CN" altLang="en-US" smtClean="0"/>
               <a:pPr/>
-              <a:t>2015/8/12</a:t>
+              <a:t>2016/3/24</a:t>
             </a:fld>
             <a:endParaRPr lang="zh-CN" altLang="en-US"/>
           </a:p>
@@ -1862,7 +1866,7 @@
             <a:fld id="{530820CF-B880-4189-942D-D702A7CBA730}" type="datetimeFigureOut">
               <a:rPr lang="zh-CN" altLang="en-US" smtClean="0"/>
               <a:pPr/>
-              <a:t>2015/8/12</a:t>
+              <a:t>2016/3/24</a:t>
             </a:fld>
             <a:endParaRPr lang="zh-CN" altLang="en-US"/>
           </a:p>
@@ -2238,7 +2242,7 @@
             <a:fld id="{530820CF-B880-4189-942D-D702A7CBA730}" type="datetimeFigureOut">
               <a:rPr lang="zh-CN" altLang="en-US" smtClean="0"/>
               <a:pPr/>
-              <a:t>2015/8/12</a:t>
+              <a:t>2016/3/24</a:t>
             </a:fld>
             <a:endParaRPr lang="zh-CN" altLang="en-US"/>
           </a:p>
@@ -2353,7 +2357,7 @@
             <a:fld id="{530820CF-B880-4189-942D-D702A7CBA730}" type="datetimeFigureOut">
               <a:rPr lang="zh-CN" altLang="en-US" smtClean="0"/>
               <a:pPr/>
-              <a:t>2015/8/12</a:t>
+              <a:t>2016/3/24</a:t>
             </a:fld>
             <a:endParaRPr lang="zh-CN" altLang="en-US"/>
           </a:p>
@@ -2445,7 +2449,7 @@
             <a:fld id="{530820CF-B880-4189-942D-D702A7CBA730}" type="datetimeFigureOut">
               <a:rPr lang="zh-CN" altLang="en-US" smtClean="0"/>
               <a:pPr/>
-              <a:t>2015/8/12</a:t>
+              <a:t>2016/3/24</a:t>
             </a:fld>
             <a:endParaRPr lang="zh-CN" altLang="en-US"/>
           </a:p>
@@ -2705,7 +2709,7 @@
             <a:fld id="{530820CF-B880-4189-942D-D702A7CBA730}" type="datetimeFigureOut">
               <a:rPr lang="zh-CN" altLang="en-US" smtClean="0"/>
               <a:pPr/>
-              <a:t>2015/8/12</a:t>
+              <a:t>2016/3/24</a:t>
             </a:fld>
             <a:endParaRPr lang="zh-CN" altLang="en-US"/>
           </a:p>
@@ -2971,7 +2975,7 @@
             <a:fld id="{530820CF-B880-4189-942D-D702A7CBA730}" type="datetimeFigureOut">
               <a:rPr lang="zh-CN" altLang="en-US" smtClean="0"/>
               <a:pPr/>
-              <a:t>2015/8/12</a:t>
+              <a:t>2016/3/24</a:t>
             </a:fld>
             <a:endParaRPr lang="zh-CN" altLang="en-US"/>
           </a:p>
@@ -3190,7 +3194,7 @@
             <a:fld id="{530820CF-B880-4189-942D-D702A7CBA730}" type="datetimeFigureOut">
               <a:rPr lang="zh-CN" altLang="en-US" smtClean="0"/>
               <a:pPr/>
-              <a:t>2015/8/12</a:t>
+              <a:t>2016/3/24</a:t>
             </a:fld>
             <a:endParaRPr lang="zh-CN" altLang="en-US"/>
           </a:p>
@@ -3689,7 +3693,7 @@
                   </a:outerShdw>
                 </a:effectLst>
               </a:rPr>
-              <a:t>项</a:t>
+              <a:t>测试</a:t>
             </a:r>
             <a:r>
               <a:rPr lang="zh-CN" altLang="en-US" b="0" cap="none" dirty="0" smtClean="0">
@@ -3705,7 +3709,39 @@
                   </a:outerShdw>
                 </a:effectLst>
               </a:rPr>
-              <a:t>目自动化实施方案介绍</a:t>
+              <a:t>自</a:t>
+            </a:r>
+            <a:r>
+              <a:rPr lang="zh-CN" altLang="en-US" b="0" cap="none" dirty="0" smtClean="0">
+                <a:ln w="0"/>
+                <a:solidFill>
+                  <a:schemeClr val="accent1"/>
+                </a:solidFill>
+                <a:effectLst>
+                  <a:outerShdw blurRad="38100" dist="25400" dir="5400000" algn="ctr" rotWithShape="0">
+                    <a:srgbClr val="6E747A">
+                      <a:alpha val="43000"/>
+                    </a:srgbClr>
+                  </a:outerShdw>
+                </a:effectLst>
+              </a:rPr>
+              <a:t>动</a:t>
+            </a:r>
+            <a:r>
+              <a:rPr lang="zh-CN" altLang="en-US" b="0" cap="none" dirty="0" smtClean="0">
+                <a:ln w="0"/>
+                <a:solidFill>
+                  <a:schemeClr val="accent1"/>
+                </a:solidFill>
+                <a:effectLst>
+                  <a:outerShdw blurRad="38100" dist="25400" dir="5400000" algn="ctr" rotWithShape="0">
+                    <a:srgbClr val="6E747A">
+                      <a:alpha val="43000"/>
+                    </a:srgbClr>
+                  </a:outerShdw>
+                </a:effectLst>
+              </a:rPr>
+              <a:t>化讲解</a:t>
             </a:r>
             <a:endParaRPr lang="zh-CN" altLang="en-US" b="0" cap="none" dirty="0">
               <a:ln w="0"/>
@@ -3748,7 +3784,7 @@
             <a:fld id="{B37D8F23-327E-46DC-A199-86A8645481D3}" type="datetime1">
               <a:rPr lang="zh-CN" altLang="en-US" smtClean="0"/>
               <a:pPr/>
-              <a:t>2015/8/12</a:t>
+              <a:t>2016/3/24</a:t>
             </a:fld>
             <a:endParaRPr lang="zh-CN" altLang="en-US" dirty="0"/>
           </a:p>
@@ -3762,8 +3798,8 @@
         </p:nvSpPr>
         <p:spPr>
           <a:xfrm>
-            <a:off x="3905888" y="3835516"/>
-            <a:ext cx="1261884" cy="523220"/>
+            <a:off x="4716016" y="3856184"/>
+            <a:ext cx="1314184" cy="523220"/>
           </a:xfrm>
           <a:prstGeom prst="rect">
             <a:avLst/>
@@ -3771,7 +3807,7 @@
           <a:noFill/>
         </p:spPr>
         <p:txBody>
-          <a:bodyPr wrap="none" rtlCol="0">
+          <a:bodyPr wrap="square" rtlCol="0">
             <a:spAutoFit/>
           </a:bodyPr>
           <a:lstStyle/>
@@ -3800,2043 +3836,6 @@
 </file>
 
 <file path=ppt/slides/slide10.xml><?xml version="1.0" encoding="utf-8"?>
-<p:sld xmlns:a="http://schemas.openxmlformats.org/drawingml/2006/main" xmlns:r="http://schemas.openxmlformats.org/officeDocument/2006/relationships" xmlns:p="http://schemas.openxmlformats.org/presentationml/2006/main">
-  <p:cSld>
-    <p:spTree>
-      <p:nvGrpSpPr>
-        <p:cNvPr id="1" name=""/>
-        <p:cNvGrpSpPr/>
-        <p:nvPr/>
-      </p:nvGrpSpPr>
-      <p:grpSpPr>
-        <a:xfrm>
-          <a:off x="0" y="0"/>
-          <a:ext cx="0" cy="0"/>
-          <a:chOff x="0" y="0"/>
-          <a:chExt cx="0" cy="0"/>
-        </a:xfrm>
-      </p:grpSpPr>
-      <p:sp>
-        <p:nvSpPr>
-          <p:cNvPr id="2" name="标题 1"/>
-          <p:cNvSpPr>
-            <a:spLocks noGrp="1"/>
-          </p:cNvSpPr>
-          <p:nvPr>
-            <p:ph type="title"/>
-          </p:nvPr>
-        </p:nvSpPr>
-        <p:spPr/>
-        <p:txBody>
-          <a:bodyPr/>
-          <a:lstStyle/>
-          <a:p>
-            <a:r>
-              <a:rPr lang="zh-CN" altLang="en-US" dirty="0" smtClean="0"/>
-              <a:t>测试库介绍</a:t>
-            </a:r>
-            <a:endParaRPr lang="zh-CN" altLang="en-US" dirty="0"/>
-          </a:p>
-        </p:txBody>
-      </p:sp>
-      <p:sp>
-        <p:nvSpPr>
-          <p:cNvPr id="3" name="内容占位符 2"/>
-          <p:cNvSpPr>
-            <a:spLocks noGrp="1"/>
-          </p:cNvSpPr>
-          <p:nvPr>
-            <p:ph idx="1"/>
-          </p:nvPr>
-        </p:nvSpPr>
-        <p:spPr/>
-        <p:txBody>
-          <a:bodyPr/>
-          <a:lstStyle/>
-          <a:p>
-            <a:r>
-              <a:rPr lang="zh-CN" altLang="en-US" dirty="0" smtClean="0"/>
-              <a:t>测试人员可以使用</a:t>
-            </a:r>
-            <a:r>
-              <a:rPr lang="en-US" altLang="zh-CN" dirty="0" smtClean="0"/>
-              <a:t>Python</a:t>
-            </a:r>
-            <a:r>
-              <a:rPr lang="zh-CN" altLang="en-US" dirty="0" smtClean="0"/>
-              <a:t>和</a:t>
-            </a:r>
-            <a:r>
-              <a:rPr lang="en-US" altLang="zh-CN" dirty="0" smtClean="0"/>
-              <a:t>Java</a:t>
-            </a:r>
-            <a:r>
-              <a:rPr lang="zh-CN" altLang="en-US" dirty="0" smtClean="0"/>
-              <a:t>创建自己需要的测试库。</a:t>
-            </a:r>
-          </a:p>
-          <a:p>
-            <a:r>
-              <a:rPr lang="zh-CN" altLang="en-US" dirty="0" smtClean="0"/>
-              <a:t>提供了远程测试执行接口。可以进行分布式测试执行。</a:t>
-            </a:r>
-          </a:p>
-          <a:p>
-            <a:r>
-              <a:rPr lang="zh-CN" altLang="en-US" dirty="0" smtClean="0"/>
-              <a:t>它将测试用例、关键字、测试数据等定义都封装到了</a:t>
-            </a:r>
-            <a:r>
-              <a:rPr lang="en-US" altLang="zh-CN" dirty="0" smtClean="0"/>
-              <a:t>HTML</a:t>
-            </a:r>
-            <a:r>
-              <a:rPr lang="zh-CN" altLang="en-US" dirty="0" smtClean="0"/>
-              <a:t>或者</a:t>
-            </a:r>
-            <a:r>
-              <a:rPr lang="en-US" altLang="zh-CN" dirty="0" smtClean="0"/>
-              <a:t>TSV(tab</a:t>
-            </a:r>
-            <a:r>
-              <a:rPr lang="zh-CN" altLang="en-US" dirty="0" smtClean="0"/>
-              <a:t>分隔</a:t>
-            </a:r>
-            <a:r>
-              <a:rPr lang="en-US" altLang="zh-CN" dirty="0" smtClean="0"/>
-              <a:t>)</a:t>
-            </a:r>
-            <a:r>
-              <a:rPr lang="zh-CN" altLang="en-US" dirty="0" smtClean="0"/>
-              <a:t>文件中。 </a:t>
-            </a:r>
-          </a:p>
-          <a:p>
-            <a:endParaRPr lang="zh-CN" altLang="en-US" dirty="0"/>
-          </a:p>
-        </p:txBody>
-      </p:sp>
-    </p:spTree>
-  </p:cSld>
-  <p:clrMapOvr>
-    <a:masterClrMapping/>
-  </p:clrMapOvr>
-  <p:timing>
-    <p:tnLst>
-      <p:par>
-        <p:cTn id="1" dur="indefinite" restart="never" nodeType="tmRoot"/>
-      </p:par>
-    </p:tnLst>
-  </p:timing>
-</p:sld>
-</file>
-
-<file path=ppt/slides/slide11.xml><?xml version="1.0" encoding="utf-8"?>
-<p:sld xmlns:a="http://schemas.openxmlformats.org/drawingml/2006/main" xmlns:r="http://schemas.openxmlformats.org/officeDocument/2006/relationships" xmlns:p="http://schemas.openxmlformats.org/presentationml/2006/main">
-  <p:cSld>
-    <p:spTree>
-      <p:nvGrpSpPr>
-        <p:cNvPr id="1" name=""/>
-        <p:cNvGrpSpPr/>
-        <p:nvPr/>
-      </p:nvGrpSpPr>
-      <p:grpSpPr>
-        <a:xfrm>
-          <a:off x="0" y="0"/>
-          <a:ext cx="0" cy="0"/>
-          <a:chOff x="0" y="0"/>
-          <a:chExt cx="0" cy="0"/>
-        </a:xfrm>
-      </p:grpSpPr>
-      <p:sp>
-        <p:nvSpPr>
-          <p:cNvPr id="2" name="标题 1"/>
-          <p:cNvSpPr>
-            <a:spLocks noGrp="1"/>
-          </p:cNvSpPr>
-          <p:nvPr>
-            <p:ph type="title"/>
-          </p:nvPr>
-        </p:nvSpPr>
-        <p:spPr/>
-        <p:txBody>
-          <a:bodyPr/>
-          <a:lstStyle/>
-          <a:p>
-            <a:r>
-              <a:rPr lang="zh-CN" altLang="en-US" dirty="0" smtClean="0"/>
-              <a:t>测试库类别</a:t>
-            </a:r>
-            <a:endParaRPr lang="zh-CN" altLang="en-US" dirty="0"/>
-          </a:p>
-        </p:txBody>
-      </p:sp>
-      <p:sp>
-        <p:nvSpPr>
-          <p:cNvPr id="4" name="Rectangle 3"/>
-          <p:cNvSpPr>
-            <a:spLocks noGrp="1" noChangeArrowheads="1"/>
-          </p:cNvSpPr>
-          <p:nvPr>
-            <p:ph idx="1"/>
-          </p:nvPr>
-        </p:nvSpPr>
-        <p:spPr>
-          <a:xfrm>
-            <a:off x="457200" y="1600200"/>
-            <a:ext cx="8229600" cy="2476872"/>
-          </a:xfrm>
-        </p:spPr>
-        <p:txBody>
-          <a:bodyPr>
-            <a:normAutofit fontScale="62500" lnSpcReduction="20000"/>
-          </a:bodyPr>
-          <a:lstStyle/>
-          <a:p>
-            <a:pPr>
-              <a:lnSpc>
-                <a:spcPct val="90000"/>
-              </a:lnSpc>
-            </a:pPr>
-            <a:r>
-              <a:rPr lang="zh-CN" altLang="en-US" sz="2800" dirty="0"/>
-              <a:t>测试库</a:t>
-            </a:r>
-          </a:p>
-          <a:p>
-            <a:pPr>
-              <a:lnSpc>
-                <a:spcPct val="90000"/>
-              </a:lnSpc>
-            </a:pPr>
-            <a:r>
-              <a:rPr lang="zh-CN" altLang="en-US" sz="2800" dirty="0"/>
-              <a:t>有</a:t>
-            </a:r>
-            <a:r>
-              <a:rPr lang="en-US" sz="2800" dirty="0"/>
-              <a:t>8</a:t>
-            </a:r>
-            <a:r>
-              <a:rPr lang="zh-CN" altLang="en-US" sz="2800" dirty="0"/>
-              <a:t>个标准库，可以直接导入：</a:t>
-            </a:r>
-          </a:p>
-          <a:p>
-            <a:pPr>
-              <a:lnSpc>
-                <a:spcPct val="90000"/>
-              </a:lnSpc>
-            </a:pPr>
-            <a:r>
-              <a:rPr lang="en-US" sz="2800" dirty="0"/>
-              <a:t>Builtln</a:t>
-            </a:r>
-          </a:p>
-          <a:p>
-            <a:pPr>
-              <a:lnSpc>
-                <a:spcPct val="90000"/>
-              </a:lnSpc>
-            </a:pPr>
-            <a:r>
-              <a:rPr lang="en-US" sz="2800" dirty="0"/>
-              <a:t>operatingSystem</a:t>
-            </a:r>
-          </a:p>
-          <a:p>
-            <a:pPr>
-              <a:lnSpc>
-                <a:spcPct val="90000"/>
-              </a:lnSpc>
-            </a:pPr>
-            <a:r>
-              <a:rPr lang="en-US" sz="2800" dirty="0"/>
-              <a:t>telnet</a:t>
-            </a:r>
-          </a:p>
-          <a:p>
-            <a:pPr>
-              <a:lnSpc>
-                <a:spcPct val="90000"/>
-              </a:lnSpc>
-            </a:pPr>
-            <a:r>
-              <a:rPr lang="en-US" sz="2800" dirty="0"/>
-              <a:t>Collections</a:t>
-            </a:r>
-          </a:p>
-          <a:p>
-            <a:pPr>
-              <a:lnSpc>
-                <a:spcPct val="90000"/>
-              </a:lnSpc>
-            </a:pPr>
-            <a:r>
-              <a:rPr lang="en-US" sz="2800" dirty="0"/>
-              <a:t>String</a:t>
-            </a:r>
-          </a:p>
-          <a:p>
-            <a:pPr>
-              <a:lnSpc>
-                <a:spcPct val="90000"/>
-              </a:lnSpc>
-            </a:pPr>
-            <a:r>
-              <a:rPr lang="en-US" sz="2800" dirty="0"/>
-              <a:t>Dialogs</a:t>
-            </a:r>
-          </a:p>
-          <a:p>
-            <a:pPr>
-              <a:lnSpc>
-                <a:spcPct val="90000"/>
-              </a:lnSpc>
-            </a:pPr>
-            <a:r>
-              <a:rPr lang="en-US" sz="2800" dirty="0"/>
-              <a:t>Remote</a:t>
-            </a:r>
-          </a:p>
-        </p:txBody>
-      </p:sp>
-      <p:sp>
-        <p:nvSpPr>
-          <p:cNvPr id="5" name="矩形 4"/>
-          <p:cNvSpPr/>
-          <p:nvPr/>
-        </p:nvSpPr>
-        <p:spPr>
-          <a:xfrm>
-            <a:off x="755576" y="4005064"/>
-            <a:ext cx="7776864" cy="1754326"/>
-          </a:xfrm>
-          <a:prstGeom prst="rect">
-            <a:avLst/>
-          </a:prstGeom>
-        </p:spPr>
-        <p:txBody>
-          <a:bodyPr wrap="square">
-            <a:spAutoFit/>
-          </a:bodyPr>
-          <a:lstStyle/>
-          <a:p>
-            <a:r>
-              <a:rPr lang="zh-CN" altLang="en-US" dirty="0" smtClean="0"/>
-              <a:t>扩展库，需要下载安装后才能使用。</a:t>
-            </a:r>
-          </a:p>
-          <a:p>
-            <a:r>
-              <a:rPr lang="en-US" altLang="zh-CN" dirty="0" smtClean="0"/>
-              <a:t>Selenimlibrary</a:t>
-            </a:r>
-            <a:r>
-              <a:rPr lang="zh-CN" altLang="en-US" dirty="0" smtClean="0"/>
-              <a:t>：</a:t>
-            </a:r>
-            <a:r>
-              <a:rPr lang="en-US" altLang="zh-CN" dirty="0" smtClean="0"/>
-              <a:t>web</a:t>
-            </a:r>
-            <a:r>
-              <a:rPr lang="zh-CN" altLang="en-US" dirty="0" smtClean="0"/>
-              <a:t>方面测试的扩展库</a:t>
-            </a:r>
-          </a:p>
-          <a:p>
-            <a:r>
-              <a:rPr lang="en-US" altLang="zh-CN" dirty="0" smtClean="0"/>
-              <a:t>SwingLisrary</a:t>
-            </a:r>
-          </a:p>
-          <a:p>
-            <a:r>
-              <a:rPr lang="en-US" altLang="zh-CN" dirty="0"/>
-              <a:t>*</a:t>
-            </a:r>
-            <a:r>
-              <a:rPr lang="zh-CN" altLang="en-US" dirty="0"/>
-              <a:t>自定义测试库：</a:t>
-            </a:r>
-            <a:r>
-              <a:rPr lang="en-US" altLang="zh-CN" dirty="0"/>
-              <a:t>CustomLibrary</a:t>
-            </a:r>
-            <a:endParaRPr lang="zh-CN" altLang="en-US" dirty="0"/>
-          </a:p>
-          <a:p>
-            <a:r>
-              <a:rPr lang="zh-CN" altLang="en-US" dirty="0" smtClean="0"/>
-              <a:t>这个库文件是将待测程序的所有接口函数提出来，使用</a:t>
-            </a:r>
-            <a:r>
-              <a:rPr lang="en-US" altLang="zh-CN" dirty="0" smtClean="0"/>
-              <a:t>python</a:t>
-            </a:r>
-            <a:r>
-              <a:rPr lang="zh-CN" altLang="en-US" dirty="0" smtClean="0"/>
-              <a:t>写的一个</a:t>
-            </a:r>
-            <a:r>
-              <a:rPr lang="en-US" altLang="zh-CN" dirty="0" smtClean="0"/>
-              <a:t>library</a:t>
-            </a:r>
-            <a:r>
-              <a:rPr lang="zh-CN" altLang="en-US" dirty="0" smtClean="0"/>
-              <a:t>文件。</a:t>
-            </a:r>
-            <a:endParaRPr lang="en-US" altLang="zh-CN" dirty="0" smtClean="0"/>
-          </a:p>
-        </p:txBody>
-      </p:sp>
-    </p:spTree>
-  </p:cSld>
-  <p:clrMapOvr>
-    <a:masterClrMapping/>
-  </p:clrMapOvr>
-  <p:timing>
-    <p:tnLst>
-      <p:par>
-        <p:cTn id="1" dur="indefinite" restart="never" nodeType="tmRoot"/>
-      </p:par>
-    </p:tnLst>
-  </p:timing>
-</p:sld>
-</file>
-
-<file path=ppt/slides/slide12.xml><?xml version="1.0" encoding="utf-8"?>
-<p:sld xmlns:a="http://schemas.openxmlformats.org/drawingml/2006/main" xmlns:r="http://schemas.openxmlformats.org/officeDocument/2006/relationships" xmlns:p="http://schemas.openxmlformats.org/presentationml/2006/main">
-  <p:cSld>
-    <p:spTree>
-      <p:nvGrpSpPr>
-        <p:cNvPr id="1" name=""/>
-        <p:cNvGrpSpPr/>
-        <p:nvPr/>
-      </p:nvGrpSpPr>
-      <p:grpSpPr>
-        <a:xfrm>
-          <a:off x="0" y="0"/>
-          <a:ext cx="0" cy="0"/>
-          <a:chOff x="0" y="0"/>
-          <a:chExt cx="0" cy="0"/>
-        </a:xfrm>
-      </p:grpSpPr>
-      <p:sp>
-        <p:nvSpPr>
-          <p:cNvPr id="2" name="标题 1"/>
-          <p:cNvSpPr>
-            <a:spLocks noGrp="1"/>
-          </p:cNvSpPr>
-          <p:nvPr>
-            <p:ph type="title"/>
-          </p:nvPr>
-        </p:nvSpPr>
-        <p:spPr/>
-        <p:txBody>
-          <a:bodyPr/>
-          <a:lstStyle/>
-          <a:p>
-            <a:r>
-              <a:rPr lang="zh-CN" altLang="en-US" dirty="0" smtClean="0"/>
-              <a:t>测试用例脚本化</a:t>
-            </a:r>
-            <a:endParaRPr lang="zh-CN" altLang="en-US" dirty="0"/>
-          </a:p>
-        </p:txBody>
-      </p:sp>
-      <p:sp>
-        <p:nvSpPr>
-          <p:cNvPr id="3" name="内容占位符 2"/>
-          <p:cNvSpPr>
-            <a:spLocks noGrp="1"/>
-          </p:cNvSpPr>
-          <p:nvPr>
-            <p:ph idx="1"/>
-          </p:nvPr>
-        </p:nvSpPr>
-        <p:spPr/>
-        <p:txBody>
-          <a:bodyPr/>
-          <a:lstStyle/>
-          <a:p>
-            <a:r>
-              <a:rPr lang="en-US" altLang="zh-CN" dirty="0" smtClean="0"/>
-              <a:t>RIDE</a:t>
-            </a:r>
-            <a:r>
-              <a:rPr lang="zh-CN" altLang="en-US" dirty="0" smtClean="0"/>
-              <a:t>是一款专门用来编辑</a:t>
-            </a:r>
-            <a:r>
-              <a:rPr lang="en-US" altLang="zh-CN" dirty="0" smtClean="0"/>
-              <a:t>Robot Framework</a:t>
-            </a:r>
-            <a:r>
-              <a:rPr lang="zh-CN" altLang="en-US" dirty="0" smtClean="0"/>
-              <a:t>用例的软件，用</a:t>
-            </a:r>
-            <a:r>
-              <a:rPr lang="en-US" altLang="zh-CN" dirty="0" smtClean="0"/>
-              <a:t>Python</a:t>
-            </a:r>
-            <a:r>
-              <a:rPr lang="zh-CN" altLang="en-US" dirty="0" smtClean="0"/>
-              <a:t>编写并且开源。</a:t>
-            </a:r>
-          </a:p>
-          <a:p>
-            <a:endParaRPr lang="zh-CN" altLang="en-US" dirty="0"/>
-          </a:p>
-        </p:txBody>
-      </p:sp>
-    </p:spTree>
-  </p:cSld>
-  <p:clrMapOvr>
-    <a:masterClrMapping/>
-  </p:clrMapOvr>
-  <p:timing>
-    <p:tnLst>
-      <p:par>
-        <p:cTn id="1" dur="indefinite" restart="never" nodeType="tmRoot"/>
-      </p:par>
-    </p:tnLst>
-  </p:timing>
-</p:sld>
-</file>
-
-<file path=ppt/slides/slide13.xml><?xml version="1.0" encoding="utf-8"?>
-<p:sld xmlns:a="http://schemas.openxmlformats.org/drawingml/2006/main" xmlns:r="http://schemas.openxmlformats.org/officeDocument/2006/relationships" xmlns:p="http://schemas.openxmlformats.org/presentationml/2006/main">
-  <p:cSld>
-    <p:spTree>
-      <p:nvGrpSpPr>
-        <p:cNvPr id="1" name=""/>
-        <p:cNvGrpSpPr/>
-        <p:nvPr/>
-      </p:nvGrpSpPr>
-      <p:grpSpPr>
-        <a:xfrm>
-          <a:off x="0" y="0"/>
-          <a:ext cx="0" cy="0"/>
-          <a:chOff x="0" y="0"/>
-          <a:chExt cx="0" cy="0"/>
-        </a:xfrm>
-      </p:grpSpPr>
-      <p:sp>
-        <p:nvSpPr>
-          <p:cNvPr id="2" name="标题 1"/>
-          <p:cNvSpPr>
-            <a:spLocks noGrp="1"/>
-          </p:cNvSpPr>
-          <p:nvPr>
-            <p:ph type="title"/>
-          </p:nvPr>
-        </p:nvSpPr>
-        <p:spPr/>
-        <p:txBody>
-          <a:bodyPr/>
-          <a:lstStyle/>
-          <a:p>
-            <a:r>
-              <a:rPr lang="en-US" altLang="zh-CN" dirty="0" smtClean="0"/>
-              <a:t>Android</a:t>
-            </a:r>
-            <a:r>
-              <a:rPr lang="zh-CN" altLang="en-US" dirty="0" smtClean="0"/>
-              <a:t>元素定位</a:t>
-            </a:r>
-            <a:endParaRPr lang="zh-CN" altLang="en-US" dirty="0"/>
-          </a:p>
-        </p:txBody>
-      </p:sp>
-      <p:sp>
-        <p:nvSpPr>
-          <p:cNvPr id="3" name="内容占位符 2"/>
-          <p:cNvSpPr>
-            <a:spLocks noGrp="1"/>
-          </p:cNvSpPr>
-          <p:nvPr>
-            <p:ph idx="1"/>
-          </p:nvPr>
-        </p:nvSpPr>
-        <p:spPr/>
-        <p:txBody>
-          <a:bodyPr/>
-          <a:lstStyle/>
-          <a:p>
-            <a:r>
-              <a:rPr lang="zh-CN" altLang="en-US" dirty="0" smtClean="0"/>
-              <a:t>双击打开</a:t>
-            </a:r>
-            <a:r>
-              <a:rPr lang="en-US" altLang="zh-CN" dirty="0" smtClean="0"/>
-              <a:t>ANDROID_HOME/tools</a:t>
-            </a:r>
-            <a:r>
-              <a:rPr lang="zh-CN" altLang="en-US" dirty="0" smtClean="0"/>
-              <a:t>下的</a:t>
-            </a:r>
-            <a:r>
-              <a:rPr lang="en-US" altLang="zh-CN" dirty="0" smtClean="0"/>
-              <a:t>uiautomatorviewer.bat</a:t>
-            </a:r>
-          </a:p>
-          <a:p>
-            <a:r>
-              <a:rPr lang="zh-CN" altLang="en-US" dirty="0" smtClean="0"/>
-              <a:t>点击</a:t>
-            </a:r>
-            <a:r>
-              <a:rPr lang="en-US" altLang="zh-CN" dirty="0" smtClean="0"/>
-              <a:t>Device Screenshot</a:t>
-            </a:r>
-            <a:endParaRPr lang="zh-CN" altLang="en-US" dirty="0"/>
-          </a:p>
-        </p:txBody>
-      </p:sp>
-    </p:spTree>
-  </p:cSld>
-  <p:clrMapOvr>
-    <a:masterClrMapping/>
-  </p:clrMapOvr>
-  <p:timing>
-    <p:tnLst>
-      <p:par>
-        <p:cTn id="1" dur="indefinite" restart="never" nodeType="tmRoot"/>
-      </p:par>
-    </p:tnLst>
-  </p:timing>
-</p:sld>
-</file>
-
-<file path=ppt/slides/slide14.xml><?xml version="1.0" encoding="utf-8"?>
-<p:sld xmlns:a="http://schemas.openxmlformats.org/drawingml/2006/main" xmlns:r="http://schemas.openxmlformats.org/officeDocument/2006/relationships" xmlns:p="http://schemas.openxmlformats.org/presentationml/2006/main">
-  <p:cSld>
-    <p:spTree>
-      <p:nvGrpSpPr>
-        <p:cNvPr id="1" name=""/>
-        <p:cNvGrpSpPr/>
-        <p:nvPr/>
-      </p:nvGrpSpPr>
-      <p:grpSpPr>
-        <a:xfrm>
-          <a:off x="0" y="0"/>
-          <a:ext cx="0" cy="0"/>
-          <a:chOff x="0" y="0"/>
-          <a:chExt cx="0" cy="0"/>
-        </a:xfrm>
-      </p:grpSpPr>
-      <p:sp>
-        <p:nvSpPr>
-          <p:cNvPr id="2" name="标题 1"/>
-          <p:cNvSpPr>
-            <a:spLocks noGrp="1"/>
-          </p:cNvSpPr>
-          <p:nvPr>
-            <p:ph type="title"/>
-          </p:nvPr>
-        </p:nvSpPr>
-        <p:spPr/>
-        <p:txBody>
-          <a:bodyPr/>
-          <a:lstStyle/>
-          <a:p>
-            <a:r>
-              <a:rPr lang="en-US" altLang="zh-CN" dirty="0" smtClean="0"/>
-              <a:t>android</a:t>
-            </a:r>
-            <a:r>
-              <a:rPr lang="zh-CN" altLang="en-US" dirty="0" smtClean="0"/>
-              <a:t>元素定位</a:t>
-            </a:r>
-            <a:endParaRPr lang="zh-CN" altLang="en-US" dirty="0"/>
-          </a:p>
-        </p:txBody>
-      </p:sp>
-      <p:sp>
-        <p:nvSpPr>
-          <p:cNvPr id="3" name="内容占位符 2"/>
-          <p:cNvSpPr>
-            <a:spLocks noGrp="1"/>
-          </p:cNvSpPr>
-          <p:nvPr>
-            <p:ph idx="1"/>
-          </p:nvPr>
-        </p:nvSpPr>
-        <p:spPr/>
-        <p:txBody>
-          <a:bodyPr>
-            <a:normAutofit/>
-          </a:bodyPr>
-          <a:lstStyle/>
-          <a:p>
-            <a:r>
-              <a:rPr lang="en-US" altLang="zh-CN" i="1" dirty="0" smtClean="0"/>
-              <a:t>findElementByXPath("//android.widget.TextView[10]")</a:t>
-            </a:r>
-          </a:p>
-          <a:p>
-            <a:pPr>
-              <a:buNone/>
-            </a:pPr>
-            <a:r>
-              <a:rPr lang="en-US" altLang="zh-CN" i="1" dirty="0" smtClean="0"/>
-              <a:t>xpath</a:t>
-            </a:r>
-            <a:r>
-              <a:rPr lang="zh-CN" altLang="en-US" i="1" dirty="0" smtClean="0"/>
-              <a:t>下标从</a:t>
-            </a:r>
-            <a:r>
-              <a:rPr lang="en-US" altLang="zh-CN" i="1" dirty="0" smtClean="0"/>
-              <a:t>1</a:t>
-            </a:r>
-            <a:r>
-              <a:rPr lang="zh-CN" altLang="en-US" i="1" dirty="0" smtClean="0"/>
-              <a:t>开始，使用完整的</a:t>
-            </a:r>
-            <a:r>
-              <a:rPr lang="en-US" altLang="zh-CN" i="1" dirty="0" smtClean="0"/>
-              <a:t>classname</a:t>
-            </a:r>
-          </a:p>
-          <a:p>
-            <a:r>
-              <a:rPr lang="en-US" altLang="zh-CN" i="1" dirty="0" smtClean="0"/>
-              <a:t>findElementById(</a:t>
-            </a:r>
-            <a:r>
-              <a:rPr lang="en-US" altLang="zh-CN" dirty="0" smtClean="0"/>
-              <a:t>"</a:t>
-            </a:r>
-            <a:r>
-              <a:rPr lang="en-US" altLang="zh-CN" i="1" dirty="0" smtClean="0"/>
-              <a:t>com.xwtec.zhy.xwlottery:id/grid_item_tv_red</a:t>
-            </a:r>
-            <a:r>
-              <a:rPr lang="en-US" altLang="zh-CN" dirty="0" smtClean="0"/>
-              <a:t>"</a:t>
-            </a:r>
-            <a:r>
-              <a:rPr lang="en-US" altLang="zh-CN" i="1" dirty="0" smtClean="0"/>
-              <a:t>); </a:t>
-            </a:r>
-          </a:p>
-          <a:p>
-            <a:pPr>
-              <a:buNone/>
-            </a:pPr>
-            <a:r>
-              <a:rPr lang="en-US" altLang="zh-CN" i="1" dirty="0" smtClean="0"/>
-              <a:t>Id</a:t>
-            </a:r>
-            <a:r>
-              <a:rPr lang="zh-CN" altLang="en-US" i="1" dirty="0" smtClean="0"/>
-              <a:t>的方式需要注意，</a:t>
-            </a:r>
-            <a:r>
-              <a:rPr lang="en-US" altLang="zh-CN" i="1" dirty="0" smtClean="0"/>
-              <a:t>android4.3</a:t>
-            </a:r>
-            <a:r>
-              <a:rPr lang="zh-CN" altLang="en-US" i="1" dirty="0" smtClean="0"/>
-              <a:t>以上支持</a:t>
-            </a:r>
-            <a:endParaRPr lang="en-US" altLang="zh-CN" i="1" dirty="0" smtClean="0"/>
-          </a:p>
-          <a:p>
-            <a:r>
-              <a:rPr lang="en-US" altLang="zh-CN" dirty="0" smtClean="0"/>
-              <a:t>findElementsByAndroidUIAutomator("new UiSelector().className(\" android.widget.TextView \").text(\" 24 \") ")</a:t>
-            </a:r>
-          </a:p>
-        </p:txBody>
-      </p:sp>
-    </p:spTree>
-  </p:cSld>
-  <p:clrMapOvr>
-    <a:masterClrMapping/>
-  </p:clrMapOvr>
-  <p:timing>
-    <p:tnLst>
-      <p:par>
-        <p:cTn id="1" dur="indefinite" restart="never" nodeType="tmRoot"/>
-      </p:par>
-    </p:tnLst>
-  </p:timing>
-</p:sld>
-</file>
-
-<file path=ppt/slides/slide15.xml><?xml version="1.0" encoding="utf-8"?>
-<p:sld xmlns:a="http://schemas.openxmlformats.org/drawingml/2006/main" xmlns:r="http://schemas.openxmlformats.org/officeDocument/2006/relationships" xmlns:p="http://schemas.openxmlformats.org/presentationml/2006/main">
-  <p:cSld>
-    <p:spTree>
-      <p:nvGrpSpPr>
-        <p:cNvPr id="1" name=""/>
-        <p:cNvGrpSpPr/>
-        <p:nvPr/>
-      </p:nvGrpSpPr>
-      <p:grpSpPr>
-        <a:xfrm>
-          <a:off x="0" y="0"/>
-          <a:ext cx="0" cy="0"/>
-          <a:chOff x="0" y="0"/>
-          <a:chExt cx="0" cy="0"/>
-        </a:xfrm>
-      </p:grpSpPr>
-      <p:sp>
-        <p:nvSpPr>
-          <p:cNvPr id="2" name="标题 1"/>
-          <p:cNvSpPr>
-            <a:spLocks noGrp="1"/>
-          </p:cNvSpPr>
-          <p:nvPr>
-            <p:ph type="title"/>
-          </p:nvPr>
-        </p:nvSpPr>
-        <p:spPr/>
-        <p:txBody>
-          <a:bodyPr/>
-          <a:lstStyle/>
-          <a:p>
-            <a:r>
-              <a:rPr lang="zh-CN" altLang="en-US" dirty="0" smtClean="0"/>
-              <a:t>相关网站</a:t>
-            </a:r>
-            <a:endParaRPr lang="zh-CN" altLang="en-US" dirty="0"/>
-          </a:p>
-        </p:txBody>
-      </p:sp>
-      <p:sp>
-        <p:nvSpPr>
-          <p:cNvPr id="3" name="内容占位符 2"/>
-          <p:cNvSpPr>
-            <a:spLocks noGrp="1"/>
-          </p:cNvSpPr>
-          <p:nvPr>
-            <p:ph idx="1"/>
-          </p:nvPr>
-        </p:nvSpPr>
-        <p:spPr/>
-        <p:txBody>
-          <a:bodyPr/>
-          <a:lstStyle/>
-          <a:p>
-            <a:r>
-              <a:rPr lang="zh-CN" altLang="en-US" dirty="0" smtClean="0"/>
-              <a:t>官网</a:t>
-            </a:r>
-            <a:endParaRPr lang="en-US" altLang="zh-CN" dirty="0" smtClean="0"/>
-          </a:p>
-          <a:p>
-            <a:pPr marL="137160" indent="0">
-              <a:buNone/>
-            </a:pPr>
-            <a:r>
-              <a:rPr lang="en-US" altLang="zh-CN" dirty="0"/>
-              <a:t>http://robotframework.org/</a:t>
-            </a:r>
-            <a:endParaRPr lang="en-US" altLang="zh-CN" dirty="0" smtClean="0"/>
-          </a:p>
-          <a:p>
-            <a:pPr>
-              <a:buNone/>
-            </a:pPr>
-            <a:r>
-              <a:rPr lang="en-US" altLang="zh-CN" dirty="0" smtClean="0"/>
-              <a:t>http://appium.io/</a:t>
-            </a:r>
-          </a:p>
-          <a:p>
-            <a:pPr>
-              <a:buNone/>
-            </a:pPr>
-            <a:r>
-              <a:rPr lang="en-US" altLang="zh-CN" dirty="0" smtClean="0"/>
-              <a:t>https://github.com/appium</a:t>
-            </a:r>
-          </a:p>
-          <a:p>
-            <a:pPr>
-              <a:buNone/>
-            </a:pPr>
-            <a:r>
-              <a:rPr lang="en-US" altLang="zh-CN" dirty="0" smtClean="0"/>
-              <a:t>http://appium.io/slate/en/v1.2.0/</a:t>
-            </a:r>
-          </a:p>
-          <a:p>
-            <a:r>
-              <a:rPr lang="zh-CN" altLang="en-US" dirty="0" smtClean="0"/>
-              <a:t>论坛</a:t>
-            </a:r>
-            <a:endParaRPr lang="en-US" altLang="zh-CN" dirty="0" smtClean="0"/>
-          </a:p>
-          <a:p>
-            <a:pPr>
-              <a:buNone/>
-            </a:pPr>
-            <a:r>
-              <a:rPr lang="en-US" altLang="zh-CN" dirty="0" smtClean="0"/>
-              <a:t>http://testerhome.com/</a:t>
-            </a:r>
-          </a:p>
-          <a:p>
-            <a:r>
-              <a:rPr lang="en-US" altLang="zh-CN" dirty="0" smtClean="0"/>
-              <a:t>Appium</a:t>
-            </a:r>
-            <a:r>
-              <a:rPr lang="zh-CN" altLang="en-US" dirty="0" smtClean="0"/>
-              <a:t>下载</a:t>
-            </a:r>
-            <a:endParaRPr lang="en-US" altLang="zh-CN" dirty="0" smtClean="0"/>
-          </a:p>
-          <a:p>
-            <a:pPr>
-              <a:buNone/>
-            </a:pPr>
-            <a:r>
-              <a:rPr lang="en-US" altLang="zh-CN" dirty="0" smtClean="0"/>
-              <a:t>http://pan.baidu.com/s/1jGvAISu</a:t>
-            </a:r>
-            <a:endParaRPr lang="zh-CN" altLang="en-US" dirty="0"/>
-          </a:p>
-        </p:txBody>
-      </p:sp>
-    </p:spTree>
-  </p:cSld>
-  <p:clrMapOvr>
-    <a:masterClrMapping/>
-  </p:clrMapOvr>
-  <p:timing>
-    <p:tnLst>
-      <p:par>
-        <p:cTn id="1" dur="indefinite" restart="never" nodeType="tmRoot"/>
-      </p:par>
-    </p:tnLst>
-  </p:timing>
-</p:sld>
-</file>
-
-<file path=ppt/slides/slide2.xml><?xml version="1.0" encoding="utf-8"?>
-<p:sld xmlns:a="http://schemas.openxmlformats.org/drawingml/2006/main" xmlns:r="http://schemas.openxmlformats.org/officeDocument/2006/relationships" xmlns:p="http://schemas.openxmlformats.org/presentationml/2006/main">
-  <p:cSld>
-    <p:spTree>
-      <p:nvGrpSpPr>
-        <p:cNvPr id="1" name=""/>
-        <p:cNvGrpSpPr/>
-        <p:nvPr/>
-      </p:nvGrpSpPr>
-      <p:grpSpPr>
-        <a:xfrm>
-          <a:off x="0" y="0"/>
-          <a:ext cx="0" cy="0"/>
-          <a:chOff x="0" y="0"/>
-          <a:chExt cx="0" cy="0"/>
-        </a:xfrm>
-      </p:grpSpPr>
-      <p:sp>
-        <p:nvSpPr>
-          <p:cNvPr id="2" name="标题 1"/>
-          <p:cNvSpPr>
-            <a:spLocks noGrp="1"/>
-          </p:cNvSpPr>
-          <p:nvPr>
-            <p:ph type="title"/>
-          </p:nvPr>
-        </p:nvSpPr>
-        <p:spPr>
-          <a:xfrm>
-            <a:off x="1115616" y="24938"/>
-            <a:ext cx="7086600" cy="1828800"/>
-          </a:xfrm>
-        </p:spPr>
-        <p:txBody>
-          <a:bodyPr/>
-          <a:lstStyle/>
-          <a:p>
-            <a:pPr algn="ctr"/>
-            <a:r>
-              <a:rPr lang="zh-CN" altLang="en-US" dirty="0" smtClean="0"/>
-              <a:t>目    录</a:t>
-            </a:r>
-            <a:endParaRPr lang="zh-CN" altLang="en-US" dirty="0"/>
-          </a:p>
-        </p:txBody>
-      </p:sp>
-      <p:sp>
-        <p:nvSpPr>
-          <p:cNvPr id="3" name="文本占位符 2"/>
-          <p:cNvSpPr>
-            <a:spLocks noGrp="1"/>
-          </p:cNvSpPr>
-          <p:nvPr>
-            <p:ph type="body" idx="1"/>
-          </p:nvPr>
-        </p:nvSpPr>
-        <p:spPr>
-          <a:xfrm>
-            <a:off x="1331640" y="2348880"/>
-            <a:ext cx="7086600" cy="3135792"/>
-          </a:xfrm>
-        </p:spPr>
-        <p:txBody>
-          <a:bodyPr>
-            <a:normAutofit/>
-          </a:bodyPr>
-          <a:lstStyle/>
-          <a:p>
-            <a:r>
-              <a:rPr lang="en-US" altLang="zh-CN" sz="2800" dirty="0" smtClean="0"/>
-              <a:t>1.</a:t>
-            </a:r>
-            <a:r>
-              <a:rPr lang="zh-CN" altLang="en-US" sz="2800" dirty="0" smtClean="0"/>
-              <a:t>自动化框架介绍</a:t>
-            </a:r>
-            <a:endParaRPr lang="en-US" altLang="zh-CN" sz="2800" dirty="0" smtClean="0"/>
-          </a:p>
-          <a:p>
-            <a:r>
-              <a:rPr lang="en-US" altLang="zh-CN" sz="2800" dirty="0" smtClean="0"/>
-              <a:t>2.RF</a:t>
-            </a:r>
-            <a:r>
-              <a:rPr lang="zh-CN" altLang="en-US" sz="2800" dirty="0" smtClean="0"/>
-              <a:t>与</a:t>
-            </a:r>
-            <a:r>
-              <a:rPr lang="en-US" altLang="zh-CN" sz="2800" dirty="0" smtClean="0"/>
-              <a:t>Appium</a:t>
-            </a:r>
-            <a:r>
-              <a:rPr lang="zh-CN" altLang="en-US" sz="2800" dirty="0" smtClean="0"/>
-              <a:t>工具介绍</a:t>
-            </a:r>
-            <a:endParaRPr lang="en-US" altLang="zh-CN" sz="2800" dirty="0" smtClean="0"/>
-          </a:p>
-          <a:p>
-            <a:r>
-              <a:rPr lang="en-US" altLang="zh-CN" sz="2800" dirty="0" smtClean="0"/>
-              <a:t>3.RF</a:t>
-            </a:r>
-            <a:r>
-              <a:rPr lang="zh-CN" altLang="en-US" sz="2800" dirty="0" smtClean="0"/>
-              <a:t>与</a:t>
-            </a:r>
-            <a:r>
-              <a:rPr lang="en-US" altLang="zh-CN" sz="2800" dirty="0"/>
-              <a:t>A</a:t>
-            </a:r>
-            <a:r>
-              <a:rPr lang="en-US" altLang="zh-CN" sz="2800" dirty="0" smtClean="0"/>
-              <a:t>ppium</a:t>
-            </a:r>
-            <a:r>
-              <a:rPr lang="zh-CN" altLang="en-US" sz="2800" dirty="0" smtClean="0"/>
-              <a:t>安装</a:t>
-            </a:r>
-            <a:endParaRPr lang="en-US" altLang="zh-CN" sz="2800" dirty="0" smtClean="0"/>
-          </a:p>
-          <a:p>
-            <a:r>
-              <a:rPr lang="en-US" altLang="zh-CN" sz="2800" dirty="0" smtClean="0"/>
-              <a:t>4.</a:t>
-            </a:r>
-            <a:r>
-              <a:rPr lang="zh-CN" altLang="en-US" sz="2800" dirty="0" smtClean="0"/>
-              <a:t>测试库介绍</a:t>
-            </a:r>
-            <a:endParaRPr lang="en-US" altLang="zh-CN" sz="2800" dirty="0" smtClean="0"/>
-          </a:p>
-          <a:p>
-            <a:r>
-              <a:rPr lang="en-US" altLang="zh-CN" sz="2800" dirty="0" smtClean="0"/>
-              <a:t>5.</a:t>
-            </a:r>
-            <a:r>
-              <a:rPr lang="zh-CN" altLang="en-US" sz="2800" dirty="0" smtClean="0"/>
-              <a:t>测试脚本实例讲解</a:t>
-            </a:r>
-            <a:endParaRPr lang="zh-CN" altLang="en-US" sz="2800" dirty="0"/>
-          </a:p>
-        </p:txBody>
-      </p:sp>
-    </p:spTree>
-  </p:cSld>
-  <p:clrMapOvr>
-    <a:masterClrMapping/>
-  </p:clrMapOvr>
-  <p:timing>
-    <p:tnLst>
-      <p:par>
-        <p:cTn id="1" dur="indefinite" restart="never" nodeType="tmRoot"/>
-      </p:par>
-    </p:tnLst>
-  </p:timing>
-</p:sld>
-</file>
-
-<file path=ppt/slides/slide3.xml><?xml version="1.0" encoding="utf-8"?>
-<p:sld xmlns:a="http://schemas.openxmlformats.org/drawingml/2006/main" xmlns:r="http://schemas.openxmlformats.org/officeDocument/2006/relationships" xmlns:p="http://schemas.openxmlformats.org/presentationml/2006/main">
-  <p:cSld>
-    <p:spTree>
-      <p:nvGrpSpPr>
-        <p:cNvPr id="1" name=""/>
-        <p:cNvGrpSpPr/>
-        <p:nvPr/>
-      </p:nvGrpSpPr>
-      <p:grpSpPr>
-        <a:xfrm>
-          <a:off x="0" y="0"/>
-          <a:ext cx="0" cy="0"/>
-          <a:chOff x="0" y="0"/>
-          <a:chExt cx="0" cy="0"/>
-        </a:xfrm>
-      </p:grpSpPr>
-      <p:sp>
-        <p:nvSpPr>
-          <p:cNvPr id="5" name="标题 4"/>
-          <p:cNvSpPr>
-            <a:spLocks noGrp="1"/>
-          </p:cNvSpPr>
-          <p:nvPr>
-            <p:ph type="title"/>
-          </p:nvPr>
-        </p:nvSpPr>
-        <p:spPr>
-          <a:xfrm>
-            <a:off x="1907704" y="1226641"/>
-            <a:ext cx="5486400" cy="522288"/>
-          </a:xfrm>
-        </p:spPr>
-        <p:txBody>
-          <a:bodyPr>
-            <a:noAutofit/>
-          </a:bodyPr>
-          <a:lstStyle/>
-          <a:p>
-            <a:r>
-              <a:rPr lang="zh-CN" altLang="en-US" sz="4800" dirty="0"/>
-              <a:t>自动化框架介</a:t>
-            </a:r>
-            <a:r>
-              <a:rPr lang="zh-CN" altLang="en-US" sz="4800" dirty="0" smtClean="0"/>
-              <a:t>绍</a:t>
-            </a:r>
-            <a:r>
-              <a:rPr lang="en-US" altLang="zh-CN" sz="4800" dirty="0"/>
-              <a:t/>
-            </a:r>
-            <a:br>
-              <a:rPr lang="en-US" altLang="zh-CN" sz="4800" dirty="0"/>
-            </a:br>
-            <a:r>
-              <a:rPr lang="en-US" altLang="zh-CN" sz="4800" dirty="0" smtClean="0"/>
-              <a:t> </a:t>
-            </a:r>
-            <a:r>
-              <a:rPr lang="en-US" altLang="zh-CN" dirty="0" smtClean="0"/>
-              <a:t>Main</a:t>
-            </a:r>
-            <a:r>
-              <a:rPr lang="en-US" altLang="zh-CN" sz="4800" dirty="0" smtClean="0"/>
-              <a:t> </a:t>
-            </a:r>
-            <a:r>
-              <a:rPr lang="en-US" altLang="zh-CN" dirty="0" smtClean="0"/>
-              <a:t>Architecture</a:t>
-            </a:r>
-            <a:endParaRPr lang="zh-CN" altLang="en-US" dirty="0"/>
-          </a:p>
-        </p:txBody>
-      </p:sp>
-      <p:pic>
-        <p:nvPicPr>
-          <p:cNvPr id="18" name="图片 17"/>
-          <p:cNvPicPr>
-            <a:picLocks noChangeAspect="1"/>
-          </p:cNvPicPr>
-          <p:nvPr/>
-        </p:nvPicPr>
-        <p:blipFill>
-          <a:blip r:embed="rId2">
-            <a:extLst>
-              <a:ext uri="{28A0092B-C50C-407E-A947-70E740481C1C}">
-                <a14:useLocalDpi xmlns:a14="http://schemas.microsoft.com/office/drawing/2010/main" val="0"/>
-              </a:ext>
-            </a:extLst>
-          </a:blip>
-          <a:stretch>
-            <a:fillRect/>
-          </a:stretch>
-        </p:blipFill>
-        <p:spPr>
-          <a:xfrm>
-            <a:off x="1264411" y="1988840"/>
-            <a:ext cx="6772986" cy="3792537"/>
-          </a:xfrm>
-          <a:prstGeom prst="rect">
-            <a:avLst/>
-          </a:prstGeom>
-        </p:spPr>
-      </p:pic>
-      <p:sp>
-        <p:nvSpPr>
-          <p:cNvPr id="19" name="文本框 18"/>
-          <p:cNvSpPr txBox="1"/>
-          <p:nvPr/>
-        </p:nvSpPr>
-        <p:spPr>
-          <a:xfrm>
-            <a:off x="1264411" y="6021288"/>
-            <a:ext cx="5904656" cy="646331"/>
-          </a:xfrm>
-          <a:prstGeom prst="rect">
-            <a:avLst/>
-          </a:prstGeom>
-          <a:noFill/>
-        </p:spPr>
-        <p:txBody>
-          <a:bodyPr wrap="square" rtlCol="0">
-            <a:spAutoFit/>
-          </a:bodyPr>
-          <a:lstStyle/>
-          <a:p>
-            <a:r>
-              <a:rPr lang="en-US" altLang="zh-CN" dirty="0" smtClean="0"/>
-              <a:t>Test Libraries: appiumLibrary, CustomLibrary.</a:t>
-            </a:r>
-          </a:p>
-          <a:p>
-            <a:r>
-              <a:rPr lang="en-US" altLang="zh-CN" dirty="0" smtClean="0"/>
-              <a:t>Test Tools: appium, monkey, monkeyrunner</a:t>
-            </a:r>
-            <a:r>
-              <a:rPr lang="zh-CN" altLang="en-US" dirty="0"/>
-              <a:t> </a:t>
-            </a:r>
-            <a:r>
-              <a:rPr lang="en-US" altLang="zh-CN" dirty="0" smtClean="0"/>
-              <a:t>and so on.</a:t>
-            </a:r>
-            <a:endParaRPr lang="zh-CN" altLang="en-US" dirty="0"/>
-          </a:p>
-        </p:txBody>
-      </p:sp>
-    </p:spTree>
-    <p:extLst>
-      <p:ext uri="{BB962C8B-B14F-4D97-AF65-F5344CB8AC3E}">
-        <p14:creationId xmlns:p14="http://schemas.microsoft.com/office/powerpoint/2010/main" val="1305800053"/>
-      </p:ext>
-    </p:extLst>
-  </p:cSld>
-  <p:clrMapOvr>
-    <a:masterClrMapping/>
-  </p:clrMapOvr>
-  <p:timing>
-    <p:tnLst>
-      <p:par>
-        <p:cTn id="1" dur="indefinite" restart="never" nodeType="tmRoot"/>
-      </p:par>
-    </p:tnLst>
-  </p:timing>
-</p:sld>
-</file>
-
-<file path=ppt/slides/slide4.xml><?xml version="1.0" encoding="utf-8"?>
-<p:sld xmlns:a="http://schemas.openxmlformats.org/drawingml/2006/main" xmlns:r="http://schemas.openxmlformats.org/officeDocument/2006/relationships" xmlns:p="http://schemas.openxmlformats.org/presentationml/2006/main">
-  <p:cSld>
-    <p:spTree>
-      <p:nvGrpSpPr>
-        <p:cNvPr id="1" name=""/>
-        <p:cNvGrpSpPr/>
-        <p:nvPr/>
-      </p:nvGrpSpPr>
-      <p:grpSpPr>
-        <a:xfrm>
-          <a:off x="0" y="0"/>
-          <a:ext cx="0" cy="0"/>
-          <a:chOff x="0" y="0"/>
-          <a:chExt cx="0" cy="0"/>
-        </a:xfrm>
-      </p:grpSpPr>
-      <p:sp>
-        <p:nvSpPr>
-          <p:cNvPr id="2" name="标题 1"/>
-          <p:cNvSpPr>
-            <a:spLocks noGrp="1"/>
-          </p:cNvSpPr>
-          <p:nvPr>
-            <p:ph type="title"/>
-          </p:nvPr>
-        </p:nvSpPr>
-        <p:spPr>
-          <a:xfrm>
-            <a:off x="1471112" y="0"/>
-            <a:ext cx="7086600" cy="1828800"/>
-          </a:xfrm>
-        </p:spPr>
-        <p:txBody>
-          <a:bodyPr/>
-          <a:lstStyle/>
-          <a:p>
-            <a:r>
-              <a:rPr lang="en-US" altLang="zh-CN" dirty="0" smtClean="0"/>
-              <a:t>Robot Framework</a:t>
-            </a:r>
-            <a:br>
-              <a:rPr lang="en-US" altLang="zh-CN" dirty="0" smtClean="0"/>
-            </a:br>
-            <a:endParaRPr lang="zh-CN" altLang="en-US" dirty="0"/>
-          </a:p>
-        </p:txBody>
-      </p:sp>
-      <p:sp>
-        <p:nvSpPr>
-          <p:cNvPr id="3" name="文本占位符 2"/>
-          <p:cNvSpPr>
-            <a:spLocks noGrp="1"/>
-          </p:cNvSpPr>
-          <p:nvPr>
-            <p:ph type="body" idx="1"/>
-          </p:nvPr>
-        </p:nvSpPr>
-        <p:spPr>
-          <a:xfrm>
-            <a:off x="1471112" y="1772816"/>
-            <a:ext cx="7200800" cy="4536504"/>
-          </a:xfrm>
-        </p:spPr>
-        <p:txBody>
-          <a:bodyPr>
-            <a:normAutofit/>
-          </a:bodyPr>
-          <a:lstStyle/>
-          <a:p>
-            <a:r>
-              <a:rPr lang="en-US" altLang="zh-CN" dirty="0" smtClean="0"/>
-              <a:t>1</a:t>
-            </a:r>
-            <a:r>
-              <a:rPr lang="zh-CN" altLang="en-US" dirty="0" smtClean="0"/>
-              <a:t>、</a:t>
-            </a:r>
-            <a:r>
-              <a:rPr lang="en-US" altLang="zh-CN" dirty="0" smtClean="0"/>
-              <a:t>Robot Framework: </a:t>
-            </a:r>
-            <a:r>
-              <a:rPr lang="en-US" altLang="zh-CN" b="1" dirty="0" smtClean="0"/>
-              <a:t>python</a:t>
-            </a:r>
-            <a:r>
-              <a:rPr lang="zh-CN" altLang="en-US" b="1" dirty="0" smtClean="0"/>
-              <a:t>编写的功能自动化测试框架。具备良好的可扩展性，支持关键字驱动，可以同时测试多种类型的客户端或者接口，可以进行分布式测试执行。主要用于轮次很多的验收测试和验收测试驱动开发</a:t>
-            </a:r>
-            <a:r>
-              <a:rPr lang="zh-CN" altLang="en-US" dirty="0" smtClean="0"/>
-              <a:t> 。</a:t>
-            </a:r>
-            <a:endParaRPr lang="en-US" altLang="zh-CN" dirty="0" smtClean="0"/>
-          </a:p>
-          <a:p>
-            <a:r>
-              <a:rPr lang="en-US" altLang="zh-CN" dirty="0" smtClean="0"/>
-              <a:t>2</a:t>
-            </a:r>
-            <a:r>
-              <a:rPr lang="zh-CN" altLang="en-US" dirty="0" smtClean="0"/>
-              <a:t>、语</a:t>
-            </a:r>
-            <a:r>
-              <a:rPr lang="zh-CN" altLang="en-US" dirty="0"/>
-              <a:t>法</a:t>
-            </a:r>
-            <a:r>
-              <a:rPr lang="zh-CN" altLang="en-US" dirty="0" smtClean="0"/>
-              <a:t>：</a:t>
-            </a:r>
-            <a:endParaRPr lang="en-US" altLang="zh-CN" dirty="0" smtClean="0"/>
-          </a:p>
-          <a:p>
-            <a:pPr marL="416052" indent="-342900">
-              <a:buFont typeface="Arial" panose="020B0604020202020204" pitchFamily="34" charset="0"/>
-              <a:buChar char="•"/>
-            </a:pPr>
-            <a:r>
-              <a:rPr lang="zh-CN" altLang="en-US" dirty="0" smtClean="0"/>
-              <a:t>易</a:t>
-            </a:r>
-            <a:r>
-              <a:rPr lang="zh-CN" altLang="en-US" dirty="0"/>
-              <a:t>于使用的表</a:t>
-            </a:r>
-            <a:r>
-              <a:rPr lang="zh-CN" altLang="en-US" dirty="0" smtClean="0"/>
-              <a:t>格测</a:t>
-            </a:r>
-            <a:r>
-              <a:rPr lang="zh-CN" altLang="en-US" dirty="0"/>
-              <a:t>试数</a:t>
-            </a:r>
-            <a:r>
-              <a:rPr lang="zh-CN" altLang="en-US" dirty="0" smtClean="0"/>
-              <a:t>据</a:t>
-            </a:r>
-            <a:endParaRPr lang="en-US" altLang="zh-CN" dirty="0" smtClean="0"/>
-          </a:p>
-          <a:p>
-            <a:pPr marL="416052" indent="-342900">
-              <a:buFont typeface="Arial" panose="020B0604020202020204" pitchFamily="34" charset="0"/>
-              <a:buChar char="•"/>
-            </a:pPr>
-            <a:r>
-              <a:rPr lang="zh-CN" altLang="en-US" dirty="0" smtClean="0"/>
-              <a:t>关键字驱动，</a:t>
-            </a:r>
-            <a:r>
-              <a:rPr lang="zh-CN" altLang="zh-CN" dirty="0"/>
-              <a:t>数据库驱动和行为驱动</a:t>
-            </a:r>
-            <a:endParaRPr lang="en-US" altLang="zh-CN" dirty="0" smtClean="0"/>
-          </a:p>
-          <a:p>
-            <a:pPr marL="416052" indent="-342900">
-              <a:buFont typeface="Arial" panose="020B0604020202020204" pitchFamily="34" charset="0"/>
-              <a:buChar char="•"/>
-            </a:pPr>
-            <a:r>
-              <a:rPr lang="zh-CN" altLang="en-US" dirty="0"/>
-              <a:t>可扩</a:t>
-            </a:r>
-            <a:r>
-              <a:rPr lang="zh-CN" altLang="en-US" dirty="0" smtClean="0"/>
-              <a:t>展的测试库（</a:t>
-            </a:r>
-            <a:r>
-              <a:rPr lang="en-US" altLang="zh-CN" dirty="0" smtClean="0"/>
-              <a:t>Python</a:t>
-            </a:r>
-            <a:r>
-              <a:rPr lang="zh-CN" altLang="en-US" dirty="0" smtClean="0"/>
-              <a:t>，</a:t>
-            </a:r>
-            <a:r>
-              <a:rPr lang="en-US" altLang="zh-CN" dirty="0" smtClean="0"/>
-              <a:t>Java</a:t>
-            </a:r>
-            <a:r>
-              <a:rPr lang="zh-CN" altLang="en-US" dirty="0" smtClean="0"/>
-              <a:t>）</a:t>
-            </a:r>
-            <a:endParaRPr lang="en-US" altLang="zh-CN" dirty="0" smtClean="0"/>
-          </a:p>
-          <a:p>
-            <a:r>
-              <a:rPr lang="en-US" altLang="zh-CN" dirty="0" smtClean="0"/>
-              <a:t>3</a:t>
-            </a:r>
-            <a:r>
-              <a:rPr lang="zh-CN" altLang="en-US" dirty="0" smtClean="0"/>
-              <a:t>、测试用例使用文本文件保存，使用制表符分割数据。可以方便的使用任何文本编辑器或者</a:t>
-            </a:r>
-            <a:r>
-              <a:rPr lang="en-US" altLang="zh-CN" dirty="0" smtClean="0"/>
-              <a:t>excel</a:t>
-            </a:r>
-            <a:r>
-              <a:rPr lang="zh-CN" altLang="en-US" dirty="0" smtClean="0"/>
-              <a:t>编辑测试用例，也可以使用</a:t>
-            </a:r>
-            <a:r>
-              <a:rPr lang="en-US" altLang="zh-CN" dirty="0" smtClean="0"/>
-              <a:t>html</a:t>
-            </a:r>
-            <a:r>
-              <a:rPr lang="zh-CN" altLang="en-US" dirty="0" smtClean="0"/>
-              <a:t>格式创建用例。</a:t>
-            </a:r>
-          </a:p>
-          <a:p>
-            <a:r>
-              <a:rPr lang="zh-CN" altLang="en-US" dirty="0" smtClean="0"/>
-              <a:t>更多语法可以参考</a:t>
-            </a:r>
-            <a:r>
-              <a:rPr lang="en-US" altLang="zh-CN" dirty="0" smtClean="0"/>
-              <a:t>RF </a:t>
-            </a:r>
-            <a:r>
-              <a:rPr lang="zh-CN" altLang="en-US" dirty="0" smtClean="0"/>
-              <a:t>介绍</a:t>
-            </a:r>
-            <a:endParaRPr lang="en-US" altLang="zh-CN" dirty="0" smtClean="0"/>
-          </a:p>
-          <a:p>
-            <a:endParaRPr lang="zh-CN" altLang="en-US" dirty="0" smtClean="0"/>
-          </a:p>
-          <a:p>
-            <a:endParaRPr lang="zh-CN" altLang="en-US" dirty="0"/>
-          </a:p>
-        </p:txBody>
-      </p:sp>
-    </p:spTree>
-    <p:extLst>
-      <p:ext uri="{BB962C8B-B14F-4D97-AF65-F5344CB8AC3E}">
-        <p14:creationId xmlns:p14="http://schemas.microsoft.com/office/powerpoint/2010/main" val="3411093328"/>
-      </p:ext>
-    </p:extLst>
-  </p:cSld>
-  <p:clrMapOvr>
-    <a:masterClrMapping/>
-  </p:clrMapOvr>
-  <p:timing>
-    <p:tnLst>
-      <p:par>
-        <p:cTn id="1" dur="indefinite" restart="never" nodeType="tmRoot"/>
-      </p:par>
-    </p:tnLst>
-  </p:timing>
-</p:sld>
-</file>
-
-<file path=ppt/slides/slide5.xml><?xml version="1.0" encoding="utf-8"?>
-<p:sld xmlns:a="http://schemas.openxmlformats.org/drawingml/2006/main" xmlns:r="http://schemas.openxmlformats.org/officeDocument/2006/relationships" xmlns:p="http://schemas.openxmlformats.org/presentationml/2006/main">
-  <p:cSld>
-    <p:spTree>
-      <p:nvGrpSpPr>
-        <p:cNvPr id="1" name=""/>
-        <p:cNvGrpSpPr/>
-        <p:nvPr/>
-      </p:nvGrpSpPr>
-      <p:grpSpPr>
-        <a:xfrm>
-          <a:off x="0" y="0"/>
-          <a:ext cx="0" cy="0"/>
-          <a:chOff x="0" y="0"/>
-          <a:chExt cx="0" cy="0"/>
-        </a:xfrm>
-      </p:grpSpPr>
-      <p:sp>
-        <p:nvSpPr>
-          <p:cNvPr id="2" name="标题 1"/>
-          <p:cNvSpPr>
-            <a:spLocks noGrp="1"/>
-          </p:cNvSpPr>
-          <p:nvPr>
-            <p:ph type="title"/>
-          </p:nvPr>
-        </p:nvSpPr>
-        <p:spPr>
-          <a:xfrm>
-            <a:off x="1600200" y="188640"/>
-            <a:ext cx="7086600" cy="1169640"/>
-          </a:xfrm>
-        </p:spPr>
-        <p:txBody>
-          <a:bodyPr/>
-          <a:lstStyle/>
-          <a:p>
-            <a:r>
-              <a:rPr lang="en-US" altLang="zh-CN" dirty="0" smtClean="0"/>
-              <a:t>Robot Framework</a:t>
-            </a:r>
-            <a:endParaRPr lang="zh-CN" altLang="en-US" dirty="0"/>
-          </a:p>
-        </p:txBody>
-      </p:sp>
-      <p:sp>
-        <p:nvSpPr>
-          <p:cNvPr id="3" name="文本占位符 2"/>
-          <p:cNvSpPr>
-            <a:spLocks noGrp="1"/>
-          </p:cNvSpPr>
-          <p:nvPr>
-            <p:ph type="body" idx="1"/>
-          </p:nvPr>
-        </p:nvSpPr>
-        <p:spPr>
-          <a:xfrm>
-            <a:off x="1600200" y="1916832"/>
-            <a:ext cx="7086600" cy="3528392"/>
-          </a:xfrm>
-        </p:spPr>
-        <p:txBody>
-          <a:bodyPr>
-            <a:normAutofit/>
-          </a:bodyPr>
-          <a:lstStyle/>
-          <a:p>
-            <a:pPr marL="416052" indent="-342900">
-              <a:lnSpc>
-                <a:spcPct val="90000"/>
-              </a:lnSpc>
-              <a:buFont typeface="Arial" panose="020B0604020202020204" pitchFamily="34" charset="0"/>
-              <a:buChar char="•"/>
-            </a:pPr>
-            <a:r>
-              <a:rPr lang="zh-CN" altLang="en-US" dirty="0" smtClean="0"/>
-              <a:t>提供了命令行接口和</a:t>
-            </a:r>
-            <a:r>
-              <a:rPr lang="en-US" altLang="zh-CN" dirty="0" smtClean="0"/>
-              <a:t>xml</a:t>
-            </a:r>
-            <a:r>
-              <a:rPr lang="zh-CN" altLang="en-US" dirty="0" smtClean="0"/>
-              <a:t>格式的输出。可以与版本管理工具结合，进行持续集成。</a:t>
-            </a:r>
-          </a:p>
-          <a:p>
-            <a:pPr marL="416052" indent="-342900">
-              <a:lnSpc>
-                <a:spcPct val="90000"/>
-              </a:lnSpc>
-              <a:buFont typeface="Arial" panose="020B0604020202020204" pitchFamily="34" charset="0"/>
-              <a:buChar char="•"/>
-            </a:pPr>
-            <a:r>
-              <a:rPr lang="en-US" altLang="zh-CN" dirty="0" smtClean="0"/>
-              <a:t>Robot framework</a:t>
-            </a:r>
-            <a:r>
-              <a:rPr lang="zh-CN" altLang="en-US" dirty="0" smtClean="0"/>
-              <a:t>是通过测试库识别被对象、操纵被测对象，有很多自带的或者第三方的开源测试库。</a:t>
-            </a:r>
-            <a:endParaRPr lang="en-US" altLang="zh-CN" dirty="0" smtClean="0"/>
-          </a:p>
-          <a:p>
-            <a:pPr marL="416052" indent="-342900">
-              <a:lnSpc>
-                <a:spcPct val="90000"/>
-              </a:lnSpc>
-              <a:buFont typeface="Arial" panose="020B0604020202020204" pitchFamily="34" charset="0"/>
-              <a:buChar char="•"/>
-            </a:pPr>
-            <a:r>
-              <a:rPr lang="zh-CN" altLang="en-US" dirty="0" smtClean="0"/>
-              <a:t>如：”</a:t>
-            </a:r>
-            <a:r>
-              <a:rPr lang="en-US" altLang="zh-CN" dirty="0" smtClean="0"/>
-              <a:t>selenium2Library“ </a:t>
-            </a:r>
-            <a:r>
-              <a:rPr lang="zh-CN" altLang="en-US" dirty="0" smtClean="0"/>
-              <a:t>库测试</a:t>
-            </a:r>
-            <a:r>
-              <a:rPr lang="en-US" altLang="zh-CN" dirty="0" smtClean="0"/>
-              <a:t>web</a:t>
-            </a:r>
-            <a:r>
-              <a:rPr lang="zh-CN" altLang="en-US" dirty="0" smtClean="0"/>
-              <a:t>客户端。此外还可以测试</a:t>
-            </a:r>
-            <a:r>
-              <a:rPr lang="en-US" altLang="zh-CN" dirty="0" smtClean="0"/>
-              <a:t>java</a:t>
-            </a:r>
-            <a:r>
-              <a:rPr lang="zh-CN" altLang="en-US" dirty="0" smtClean="0"/>
-              <a:t>客户端、</a:t>
-            </a:r>
-            <a:r>
-              <a:rPr lang="en-US" altLang="zh-CN" dirty="0" smtClean="0"/>
-              <a:t>win32</a:t>
-            </a:r>
-            <a:r>
-              <a:rPr lang="zh-CN" altLang="en-US" dirty="0" smtClean="0"/>
-              <a:t>客户端、</a:t>
-            </a:r>
-            <a:r>
-              <a:rPr lang="en-US" altLang="zh-CN" dirty="0" smtClean="0"/>
-              <a:t>SSH</a:t>
-            </a:r>
-            <a:r>
-              <a:rPr lang="zh-CN" altLang="en-US" dirty="0" smtClean="0"/>
-              <a:t>协议的字符终端等</a:t>
-            </a:r>
-            <a:endParaRPr lang="zh-CN" altLang="en-US" dirty="0"/>
-          </a:p>
-        </p:txBody>
-      </p:sp>
-    </p:spTree>
-  </p:cSld>
-  <p:clrMapOvr>
-    <a:masterClrMapping/>
-  </p:clrMapOvr>
-  <p:timing>
-    <p:tnLst>
-      <p:par>
-        <p:cTn id="1" dur="indefinite" restart="never" nodeType="tmRoot"/>
-      </p:par>
-    </p:tnLst>
-  </p:timing>
-</p:sld>
-</file>
-
-<file path=ppt/slides/slide6.xml><?xml version="1.0" encoding="utf-8"?>
-<p:sld xmlns:a="http://schemas.openxmlformats.org/drawingml/2006/main" xmlns:r="http://schemas.openxmlformats.org/officeDocument/2006/relationships" xmlns:p="http://schemas.openxmlformats.org/presentationml/2006/main">
-  <p:cSld>
-    <p:spTree>
-      <p:nvGrpSpPr>
-        <p:cNvPr id="1" name=""/>
-        <p:cNvGrpSpPr/>
-        <p:nvPr/>
-      </p:nvGrpSpPr>
-      <p:grpSpPr>
-        <a:xfrm>
-          <a:off x="0" y="0"/>
-          <a:ext cx="0" cy="0"/>
-          <a:chOff x="0" y="0"/>
-          <a:chExt cx="0" cy="0"/>
-        </a:xfrm>
-      </p:grpSpPr>
-      <p:sp>
-        <p:nvSpPr>
-          <p:cNvPr id="2" name="标题 1"/>
-          <p:cNvSpPr>
-            <a:spLocks noGrp="1"/>
-          </p:cNvSpPr>
-          <p:nvPr>
-            <p:ph type="title"/>
-          </p:nvPr>
-        </p:nvSpPr>
-        <p:spPr/>
-        <p:txBody>
-          <a:bodyPr/>
-          <a:lstStyle/>
-          <a:p>
-            <a:r>
-              <a:rPr lang="en-US" altLang="zh-CN" sz="4400" dirty="0" smtClean="0"/>
-              <a:t>Appium</a:t>
-            </a:r>
-            <a:r>
-              <a:rPr lang="zh-CN" altLang="en-US" sz="4400" dirty="0"/>
-              <a:t>工具介绍</a:t>
-            </a:r>
-            <a:endParaRPr lang="en-US" altLang="zh-CN" sz="4400" dirty="0"/>
-          </a:p>
-        </p:txBody>
-      </p:sp>
-      <p:sp>
-        <p:nvSpPr>
-          <p:cNvPr id="3" name="内容占位符 2"/>
-          <p:cNvSpPr>
-            <a:spLocks noGrp="1"/>
-          </p:cNvSpPr>
-          <p:nvPr>
-            <p:ph idx="1"/>
-          </p:nvPr>
-        </p:nvSpPr>
-        <p:spPr/>
-        <p:txBody>
-          <a:bodyPr>
-            <a:normAutofit lnSpcReduction="10000"/>
-          </a:bodyPr>
-          <a:lstStyle/>
-          <a:p>
-            <a:r>
-              <a:rPr lang="en-US" altLang="zh-CN" dirty="0" smtClean="0">
-                <a:latin typeface="+mn-ea"/>
-              </a:rPr>
-              <a:t>Appium</a:t>
-            </a:r>
-            <a:r>
-              <a:rPr lang="zh-CN" altLang="en-US" dirty="0" smtClean="0">
-                <a:latin typeface="+mn-ea"/>
-              </a:rPr>
-              <a:t>是</a:t>
-            </a:r>
-            <a:r>
-              <a:rPr lang="zh-CN" altLang="en-US" dirty="0">
-                <a:latin typeface="+mn-ea"/>
-              </a:rPr>
-              <a:t>：</a:t>
-            </a:r>
-            <a:r>
-              <a:rPr lang="zh-CN" altLang="en-US" dirty="0" smtClean="0">
-                <a:latin typeface="+mn-ea"/>
-              </a:rPr>
-              <a:t>开源、跨平台，可以用来测试原生及混合的移动端应用。</a:t>
-            </a:r>
-            <a:endParaRPr lang="en-US" altLang="zh-CN" dirty="0" smtClean="0">
-              <a:latin typeface="+mn-ea"/>
-            </a:endParaRPr>
-          </a:p>
-          <a:p>
-            <a:r>
-              <a:rPr lang="zh-CN" altLang="en-US" dirty="0" smtClean="0">
-                <a:latin typeface="+mn-ea"/>
-              </a:rPr>
-              <a:t>支持</a:t>
-            </a:r>
-            <a:r>
-              <a:rPr lang="en-US" altLang="zh-CN" dirty="0" smtClean="0">
-                <a:latin typeface="+mn-ea"/>
-              </a:rPr>
-              <a:t>iOS</a:t>
-            </a:r>
-            <a:r>
-              <a:rPr lang="zh-CN" altLang="en-US" dirty="0" smtClean="0">
-                <a:latin typeface="+mn-ea"/>
-              </a:rPr>
-              <a:t>、</a:t>
-            </a:r>
-            <a:r>
-              <a:rPr lang="en-US" altLang="zh-CN" dirty="0" smtClean="0">
-                <a:latin typeface="+mn-ea"/>
-              </a:rPr>
-              <a:t>Android</a:t>
-            </a:r>
-            <a:r>
-              <a:rPr lang="zh-CN" altLang="en-US" dirty="0" smtClean="0">
-                <a:latin typeface="+mn-ea"/>
-              </a:rPr>
-              <a:t>及</a:t>
-            </a:r>
-            <a:r>
-              <a:rPr lang="en-US" altLang="zh-CN" dirty="0" smtClean="0">
-                <a:latin typeface="+mn-ea"/>
-              </a:rPr>
-              <a:t>FirefoxOS</a:t>
-            </a:r>
-            <a:r>
-              <a:rPr lang="zh-CN" altLang="en-US" dirty="0" smtClean="0">
-                <a:latin typeface="+mn-ea"/>
-              </a:rPr>
-              <a:t>平台测试。</a:t>
-            </a:r>
-            <a:endParaRPr lang="en-US" altLang="zh-CN" dirty="0">
-              <a:latin typeface="+mn-ea"/>
-            </a:endParaRPr>
-          </a:p>
-          <a:p>
-            <a:r>
-              <a:rPr lang="en-US" altLang="zh-CN" dirty="0" smtClean="0">
-                <a:latin typeface="+mn-ea"/>
-              </a:rPr>
-              <a:t>Appium</a:t>
-            </a:r>
-            <a:r>
-              <a:rPr lang="zh-CN" altLang="en-US" dirty="0" smtClean="0">
-                <a:latin typeface="+mn-ea"/>
-              </a:rPr>
-              <a:t>使用</a:t>
-            </a:r>
-            <a:r>
-              <a:rPr lang="en-US" altLang="zh-CN" dirty="0" smtClean="0">
-                <a:latin typeface="+mn-ea"/>
-              </a:rPr>
-              <a:t>WebDriver</a:t>
-            </a:r>
-            <a:r>
-              <a:rPr lang="zh-CN" altLang="en-US" dirty="0" smtClean="0">
-                <a:latin typeface="+mn-ea"/>
-              </a:rPr>
-              <a:t>的</a:t>
-            </a:r>
-            <a:r>
-              <a:rPr lang="en-US" altLang="zh-CN" dirty="0" smtClean="0">
-                <a:latin typeface="+mn-ea"/>
-              </a:rPr>
-              <a:t>json wire</a:t>
-            </a:r>
-            <a:r>
-              <a:rPr lang="zh-CN" altLang="en-US" dirty="0" smtClean="0">
-                <a:latin typeface="+mn-ea"/>
-              </a:rPr>
-              <a:t>协议，来驱动</a:t>
-            </a:r>
-            <a:r>
-              <a:rPr lang="en-US" altLang="zh-CN" dirty="0" smtClean="0">
-                <a:latin typeface="+mn-ea"/>
-              </a:rPr>
-              <a:t>Apple</a:t>
-            </a:r>
-            <a:r>
-              <a:rPr lang="zh-CN" altLang="en-US" dirty="0" smtClean="0">
-                <a:latin typeface="+mn-ea"/>
-              </a:rPr>
-              <a:t>系统的</a:t>
-            </a:r>
-            <a:r>
-              <a:rPr lang="en-US" altLang="zh-CN" dirty="0" smtClean="0">
-                <a:latin typeface="+mn-ea"/>
-              </a:rPr>
-              <a:t>UIAutomation</a:t>
-            </a:r>
-            <a:r>
-              <a:rPr lang="zh-CN" altLang="en-US" dirty="0" smtClean="0">
-                <a:latin typeface="+mn-ea"/>
-              </a:rPr>
-              <a:t>库、</a:t>
-            </a:r>
-            <a:r>
-              <a:rPr lang="en-US" altLang="zh-CN" dirty="0" smtClean="0">
-                <a:latin typeface="+mn-ea"/>
-              </a:rPr>
-              <a:t>Android</a:t>
-            </a:r>
-            <a:r>
-              <a:rPr lang="zh-CN" altLang="en-US" dirty="0" smtClean="0">
-                <a:latin typeface="+mn-ea"/>
-              </a:rPr>
-              <a:t>系统的</a:t>
-            </a:r>
-            <a:r>
-              <a:rPr lang="en-US" altLang="zh-CN" dirty="0" err="1" smtClean="0">
-                <a:latin typeface="+mn-ea"/>
-              </a:rPr>
-              <a:t>UIAutomator</a:t>
-            </a:r>
-            <a:r>
-              <a:rPr lang="zh-CN" altLang="en-US" dirty="0" smtClean="0">
-                <a:latin typeface="+mn-ea"/>
-              </a:rPr>
-              <a:t>框架（</a:t>
-            </a:r>
-            <a:r>
-              <a:rPr lang="en-US" altLang="zh-CN" dirty="0"/>
-              <a:t>Appium</a:t>
-            </a:r>
-            <a:r>
-              <a:rPr lang="zh-CN" altLang="en-US" dirty="0"/>
-              <a:t>在</a:t>
-            </a:r>
-            <a:r>
-              <a:rPr lang="en-US" altLang="zh-CN" dirty="0"/>
-              <a:t>4.1</a:t>
-            </a:r>
-            <a:r>
-              <a:rPr lang="zh-CN" altLang="en-US" dirty="0"/>
-              <a:t>以上</a:t>
-            </a:r>
-            <a:r>
-              <a:rPr lang="zh-CN" altLang="en-US" dirty="0" smtClean="0"/>
-              <a:t>使用</a:t>
-            </a:r>
-            <a:r>
-              <a:rPr lang="en-US" altLang="zh-CN" dirty="0" err="1" smtClean="0"/>
-              <a:t>uiautomator</a:t>
-            </a:r>
-            <a:r>
-              <a:rPr lang="zh-CN" altLang="en-US" dirty="0" smtClean="0"/>
-              <a:t>，</a:t>
-            </a:r>
-            <a:r>
-              <a:rPr lang="en-US" altLang="zh-CN" dirty="0" smtClean="0"/>
-              <a:t>4.1</a:t>
-            </a:r>
-            <a:r>
-              <a:rPr lang="zh-CN" altLang="en-US" dirty="0"/>
-              <a:t>以下使用</a:t>
-            </a:r>
-            <a:r>
-              <a:rPr lang="en-US" altLang="zh-CN" dirty="0" smtClean="0"/>
-              <a:t>selendroid</a:t>
-            </a:r>
-            <a:r>
-              <a:rPr lang="zh-CN" altLang="en-US" dirty="0" smtClean="0">
-                <a:latin typeface="+mn-ea"/>
-              </a:rPr>
-              <a:t>）。</a:t>
-            </a:r>
-            <a:endParaRPr lang="en-US" altLang="zh-CN" dirty="0">
-              <a:latin typeface="+mn-ea"/>
-            </a:endParaRPr>
-          </a:p>
-          <a:p>
-            <a:r>
-              <a:rPr lang="zh-CN" altLang="en-US" dirty="0" smtClean="0"/>
-              <a:t>跨</a:t>
-            </a:r>
-            <a:r>
-              <a:rPr lang="zh-CN" altLang="en-US" dirty="0"/>
-              <a:t>语言，</a:t>
-            </a:r>
-            <a:r>
-              <a:rPr lang="en-US" altLang="zh-CN" dirty="0"/>
-              <a:t>java python ruby nodejs </a:t>
-            </a:r>
-            <a:r>
-              <a:rPr lang="en-US" altLang="zh-CN" dirty="0" smtClean="0"/>
-              <a:t>php</a:t>
-            </a:r>
-          </a:p>
-          <a:p>
-            <a:r>
-              <a:rPr lang="zh-CN" altLang="en-US" dirty="0" smtClean="0"/>
-              <a:t>跨</a:t>
-            </a:r>
-            <a:r>
-              <a:rPr lang="en-US" altLang="zh-CN" dirty="0"/>
-              <a:t>app, </a:t>
-            </a:r>
-            <a:r>
-              <a:rPr lang="zh-CN" altLang="en-US" dirty="0"/>
-              <a:t>可以在多个</a:t>
-            </a:r>
-            <a:r>
-              <a:rPr lang="en-US" altLang="zh-CN" dirty="0"/>
-              <a:t>app</a:t>
-            </a:r>
-            <a:r>
-              <a:rPr lang="zh-CN" altLang="en-US" dirty="0"/>
-              <a:t>之间交</a:t>
-            </a:r>
-            <a:r>
-              <a:rPr lang="zh-CN" altLang="en-US" dirty="0" smtClean="0"/>
-              <a:t>互</a:t>
-            </a:r>
-            <a:endParaRPr lang="en-US" altLang="zh-CN" dirty="0" smtClean="0"/>
-          </a:p>
-          <a:p>
-            <a:r>
-              <a:rPr lang="zh-CN" altLang="en-US" dirty="0" smtClean="0"/>
-              <a:t>不</a:t>
-            </a:r>
-            <a:r>
-              <a:rPr lang="zh-CN" altLang="en-US" dirty="0"/>
-              <a:t>依赖源代</a:t>
-            </a:r>
-            <a:r>
-              <a:rPr lang="zh-CN" altLang="en-US" dirty="0" smtClean="0"/>
-              <a:t>码，不</a:t>
-            </a:r>
-            <a:r>
-              <a:rPr lang="zh-CN" altLang="en-US" dirty="0"/>
-              <a:t>限制测试框架和平台</a:t>
-            </a:r>
-          </a:p>
-          <a:p>
-            <a:endParaRPr lang="en-US" altLang="zh-CN" dirty="0">
-              <a:latin typeface="+mn-ea"/>
-            </a:endParaRPr>
-          </a:p>
-        </p:txBody>
-      </p:sp>
-    </p:spTree>
-  </p:cSld>
-  <p:clrMapOvr>
-    <a:masterClrMapping/>
-  </p:clrMapOvr>
-  <p:timing>
-    <p:tnLst>
-      <p:par>
-        <p:cTn id="1" dur="indefinite" restart="never" nodeType="tmRoot"/>
-      </p:par>
-    </p:tnLst>
-  </p:timing>
-</p:sld>
-</file>
-
-<file path=ppt/slides/slide7.xml><?xml version="1.0" encoding="utf-8"?>
 <p:sld xmlns:a="http://schemas.openxmlformats.org/drawingml/2006/main" xmlns:r="http://schemas.openxmlformats.org/officeDocument/2006/relationships" xmlns:p="http://schemas.openxmlformats.org/presentationml/2006/main">
   <p:cSld>
     <p:spTree>
@@ -5940,7 +3939,7 @@
 </p:sld>
 </file>
 
-<file path=ppt/slides/slide8.xml><?xml version="1.0" encoding="utf-8"?>
+<file path=ppt/slides/slide11.xml><?xml version="1.0" encoding="utf-8"?>
 <p:sld xmlns:a="http://schemas.openxmlformats.org/drawingml/2006/main" xmlns:r="http://schemas.openxmlformats.org/officeDocument/2006/relationships" xmlns:p="http://schemas.openxmlformats.org/presentationml/2006/main">
   <p:cSld>
     <p:spTree>
@@ -6209,6 +4208,2457 @@
 </p:sld>
 </file>
 
+<file path=ppt/slides/slide12.xml><?xml version="1.0" encoding="utf-8"?>
+<p:sld xmlns:a="http://schemas.openxmlformats.org/drawingml/2006/main" xmlns:r="http://schemas.openxmlformats.org/officeDocument/2006/relationships" xmlns:p="http://schemas.openxmlformats.org/presentationml/2006/main">
+  <p:cSld>
+    <p:spTree>
+      <p:nvGrpSpPr>
+        <p:cNvPr id="1" name=""/>
+        <p:cNvGrpSpPr/>
+        <p:nvPr/>
+      </p:nvGrpSpPr>
+      <p:grpSpPr>
+        <a:xfrm>
+          <a:off x="0" y="0"/>
+          <a:ext cx="0" cy="0"/>
+          <a:chOff x="0" y="0"/>
+          <a:chExt cx="0" cy="0"/>
+        </a:xfrm>
+      </p:grpSpPr>
+      <p:sp>
+        <p:nvSpPr>
+          <p:cNvPr id="2" name="标题 1"/>
+          <p:cNvSpPr>
+            <a:spLocks noGrp="1"/>
+          </p:cNvSpPr>
+          <p:nvPr>
+            <p:ph type="title"/>
+          </p:nvPr>
+        </p:nvSpPr>
+        <p:spPr/>
+        <p:txBody>
+          <a:bodyPr/>
+          <a:lstStyle/>
+          <a:p>
+            <a:r>
+              <a:rPr lang="zh-CN" altLang="en-US" dirty="0" smtClean="0"/>
+              <a:t>安装</a:t>
+            </a:r>
+            <a:r>
+              <a:rPr lang="en-US" altLang="zh-CN" dirty="0" smtClean="0"/>
+              <a:t>appium(windows</a:t>
+            </a:r>
+            <a:r>
+              <a:rPr lang="zh-CN" altLang="en-US" dirty="0" smtClean="0"/>
+              <a:t>下</a:t>
+            </a:r>
+            <a:r>
+              <a:rPr lang="en-US" altLang="zh-CN" dirty="0" smtClean="0"/>
+              <a:t>)</a:t>
+            </a:r>
+            <a:endParaRPr lang="zh-CN" altLang="en-US" dirty="0"/>
+          </a:p>
+        </p:txBody>
+      </p:sp>
+      <p:sp>
+        <p:nvSpPr>
+          <p:cNvPr id="3" name="内容占位符 2"/>
+          <p:cNvSpPr>
+            <a:spLocks noGrp="1"/>
+          </p:cNvSpPr>
+          <p:nvPr>
+            <p:ph idx="1"/>
+          </p:nvPr>
+        </p:nvSpPr>
+        <p:spPr/>
+        <p:txBody>
+          <a:bodyPr/>
+          <a:lstStyle/>
+          <a:p>
+            <a:r>
+              <a:rPr lang="zh-CN" altLang="en-US" dirty="0" smtClean="0"/>
+              <a:t>命令行安装</a:t>
+            </a:r>
+            <a:endParaRPr lang="en-US" altLang="zh-CN" dirty="0" smtClean="0"/>
+          </a:p>
+          <a:p>
+            <a:pPr>
+              <a:buNone/>
+            </a:pPr>
+            <a:r>
+              <a:rPr lang="en-US" altLang="zh-CN" dirty="0" smtClean="0"/>
+              <a:t>1.</a:t>
+            </a:r>
+            <a:r>
+              <a:rPr lang="zh-CN" altLang="en-US" dirty="0" smtClean="0"/>
+              <a:t>安装</a:t>
+            </a:r>
+            <a:r>
+              <a:rPr lang="en-US" altLang="zh-CN" dirty="0" smtClean="0"/>
+              <a:t>node(</a:t>
+            </a:r>
+            <a:r>
+              <a:rPr lang="zh-CN" altLang="en-US" dirty="0" smtClean="0"/>
+              <a:t>下载</a:t>
+            </a:r>
+            <a:r>
+              <a:rPr lang="en-US" altLang="zh-CN" dirty="0" smtClean="0"/>
+              <a:t>exe,</a:t>
+            </a:r>
+            <a:r>
+              <a:rPr lang="zh-CN" altLang="en-US" dirty="0" smtClean="0"/>
+              <a:t>双击安装</a:t>
+            </a:r>
+            <a:r>
+              <a:rPr lang="en-US" altLang="zh-CN" dirty="0" smtClean="0"/>
+              <a:t>)</a:t>
+            </a:r>
+          </a:p>
+          <a:p>
+            <a:pPr>
+              <a:buNone/>
+            </a:pPr>
+            <a:r>
+              <a:rPr lang="en-US" altLang="zh-CN" dirty="0" smtClean="0"/>
+              <a:t>2.npm install –g </a:t>
+            </a:r>
+            <a:r>
+              <a:rPr lang="en-US" altLang="zh-CN" dirty="0" err="1" smtClean="0"/>
+              <a:t>appium</a:t>
+            </a:r>
+            <a:r>
+              <a:rPr lang="en-US" altLang="zh-CN" dirty="0" smtClean="0"/>
+              <a:t> (</a:t>
+            </a:r>
+            <a:r>
+              <a:rPr lang="zh-CN" altLang="en-US" dirty="0" smtClean="0"/>
+              <a:t>命令行</a:t>
+            </a:r>
+            <a:r>
+              <a:rPr lang="en-US" altLang="zh-CN" dirty="0" smtClean="0"/>
+              <a:t>)</a:t>
+            </a:r>
+            <a:endParaRPr lang="zh-CN" altLang="en-US" dirty="0" smtClean="0"/>
+          </a:p>
+          <a:p>
+            <a:pPr>
+              <a:buNone/>
+            </a:pPr>
+            <a:r>
+              <a:rPr lang="en-US" altLang="zh-CN" dirty="0" smtClean="0"/>
+              <a:t>3.</a:t>
+            </a:r>
+            <a:r>
+              <a:rPr lang="zh-CN" altLang="en-US" dirty="0" smtClean="0"/>
+              <a:t> </a:t>
+            </a:r>
+            <a:r>
+              <a:rPr lang="en-US" altLang="zh-CN" dirty="0" err="1" smtClean="0"/>
+              <a:t>appium</a:t>
+            </a:r>
+            <a:r>
+              <a:rPr lang="en-US" altLang="zh-CN" dirty="0" smtClean="0"/>
+              <a:t>  (</a:t>
+            </a:r>
+            <a:r>
+              <a:rPr lang="zh-CN" altLang="en-US" dirty="0" smtClean="0"/>
+              <a:t>命令行启动 </a:t>
+            </a:r>
+            <a:r>
+              <a:rPr lang="en-US" altLang="zh-CN" dirty="0" smtClean="0"/>
+              <a:t>)</a:t>
+            </a:r>
+          </a:p>
+          <a:p>
+            <a:r>
+              <a:rPr lang="zh-CN" altLang="en-US" dirty="0" smtClean="0"/>
+              <a:t>下载</a:t>
+            </a:r>
+            <a:r>
+              <a:rPr lang="en-US" altLang="zh-CN" dirty="0" smtClean="0"/>
+              <a:t>AppiumForWindows.zip(</a:t>
+            </a:r>
+            <a:r>
+              <a:rPr lang="zh-CN" altLang="en-US" dirty="0" smtClean="0"/>
+              <a:t>图形界面</a:t>
+            </a:r>
+            <a:r>
+              <a:rPr lang="en-US" altLang="zh-CN" dirty="0" smtClean="0"/>
+              <a:t>)</a:t>
+            </a:r>
+          </a:p>
+          <a:p>
+            <a:pPr>
+              <a:buNone/>
+            </a:pPr>
+            <a:r>
+              <a:rPr lang="zh-CN" altLang="en-US" dirty="0" smtClean="0"/>
+              <a:t>双击</a:t>
+            </a:r>
+            <a:r>
+              <a:rPr lang="en-US" altLang="zh-CN" dirty="0" smtClean="0"/>
+              <a:t>appium.exe</a:t>
+            </a:r>
+            <a:r>
+              <a:rPr lang="zh-CN" altLang="en-US" dirty="0" smtClean="0"/>
+              <a:t>启动</a:t>
+            </a:r>
+            <a:endParaRPr lang="en-US" altLang="zh-CN" dirty="0" smtClean="0"/>
+          </a:p>
+        </p:txBody>
+      </p:sp>
+    </p:spTree>
+  </p:cSld>
+  <p:clrMapOvr>
+    <a:masterClrMapping/>
+  </p:clrMapOvr>
+  <p:timing>
+    <p:tnLst>
+      <p:par>
+        <p:cTn id="1" dur="indefinite" restart="never" nodeType="tmRoot"/>
+      </p:par>
+    </p:tnLst>
+  </p:timing>
+</p:sld>
+</file>
+
+<file path=ppt/slides/slide13.xml><?xml version="1.0" encoding="utf-8"?>
+<p:sld xmlns:a="http://schemas.openxmlformats.org/drawingml/2006/main" xmlns:r="http://schemas.openxmlformats.org/officeDocument/2006/relationships" xmlns:p="http://schemas.openxmlformats.org/presentationml/2006/main">
+  <p:cSld>
+    <p:spTree>
+      <p:nvGrpSpPr>
+        <p:cNvPr id="1" name=""/>
+        <p:cNvGrpSpPr/>
+        <p:nvPr/>
+      </p:nvGrpSpPr>
+      <p:grpSpPr>
+        <a:xfrm>
+          <a:off x="0" y="0"/>
+          <a:ext cx="0" cy="0"/>
+          <a:chOff x="0" y="0"/>
+          <a:chExt cx="0" cy="0"/>
+        </a:xfrm>
+      </p:grpSpPr>
+      <p:sp>
+        <p:nvSpPr>
+          <p:cNvPr id="2" name="标题 1"/>
+          <p:cNvSpPr>
+            <a:spLocks noGrp="1"/>
+          </p:cNvSpPr>
+          <p:nvPr>
+            <p:ph type="title"/>
+          </p:nvPr>
+        </p:nvSpPr>
+        <p:spPr/>
+        <p:txBody>
+          <a:bodyPr/>
+          <a:lstStyle/>
+          <a:p>
+            <a:r>
+              <a:rPr lang="zh-CN" altLang="en-US" dirty="0" smtClean="0"/>
+              <a:t>测试库介绍</a:t>
+            </a:r>
+            <a:endParaRPr lang="zh-CN" altLang="en-US" dirty="0"/>
+          </a:p>
+        </p:txBody>
+      </p:sp>
+      <p:sp>
+        <p:nvSpPr>
+          <p:cNvPr id="3" name="内容占位符 2"/>
+          <p:cNvSpPr>
+            <a:spLocks noGrp="1"/>
+          </p:cNvSpPr>
+          <p:nvPr>
+            <p:ph idx="1"/>
+          </p:nvPr>
+        </p:nvSpPr>
+        <p:spPr/>
+        <p:txBody>
+          <a:bodyPr/>
+          <a:lstStyle/>
+          <a:p>
+            <a:r>
+              <a:rPr lang="zh-CN" altLang="en-US" dirty="0" smtClean="0"/>
+              <a:t>测试人员可以使用</a:t>
+            </a:r>
+            <a:r>
+              <a:rPr lang="en-US" altLang="zh-CN" dirty="0" smtClean="0"/>
+              <a:t>Python</a:t>
+            </a:r>
+            <a:r>
+              <a:rPr lang="zh-CN" altLang="en-US" dirty="0" smtClean="0"/>
+              <a:t>和</a:t>
+            </a:r>
+            <a:r>
+              <a:rPr lang="en-US" altLang="zh-CN" dirty="0" smtClean="0"/>
+              <a:t>Java</a:t>
+            </a:r>
+            <a:r>
+              <a:rPr lang="zh-CN" altLang="en-US" dirty="0" smtClean="0"/>
+              <a:t>创建自己需要的测试库。</a:t>
+            </a:r>
+          </a:p>
+          <a:p>
+            <a:r>
+              <a:rPr lang="zh-CN" altLang="en-US" dirty="0" smtClean="0"/>
+              <a:t>提供了远程测试执行接口。可以进行分布式测试执行。</a:t>
+            </a:r>
+          </a:p>
+          <a:p>
+            <a:r>
+              <a:rPr lang="zh-CN" altLang="en-US" dirty="0" smtClean="0"/>
+              <a:t>它将测试用例、关键字、测试数据等定义都封装到了</a:t>
+            </a:r>
+            <a:r>
+              <a:rPr lang="en-US" altLang="zh-CN" dirty="0" smtClean="0"/>
+              <a:t>HTML</a:t>
+            </a:r>
+            <a:r>
+              <a:rPr lang="zh-CN" altLang="en-US" dirty="0" smtClean="0"/>
+              <a:t>或者</a:t>
+            </a:r>
+            <a:r>
+              <a:rPr lang="en-US" altLang="zh-CN" dirty="0" smtClean="0"/>
+              <a:t>TSV(tab</a:t>
+            </a:r>
+            <a:r>
+              <a:rPr lang="zh-CN" altLang="en-US" dirty="0" smtClean="0"/>
+              <a:t>分隔</a:t>
+            </a:r>
+            <a:r>
+              <a:rPr lang="en-US" altLang="zh-CN" dirty="0" smtClean="0"/>
+              <a:t>)</a:t>
+            </a:r>
+            <a:r>
+              <a:rPr lang="zh-CN" altLang="en-US" dirty="0" smtClean="0"/>
+              <a:t>文件中。 </a:t>
+            </a:r>
+          </a:p>
+          <a:p>
+            <a:endParaRPr lang="zh-CN" altLang="en-US" dirty="0"/>
+          </a:p>
+        </p:txBody>
+      </p:sp>
+    </p:spTree>
+  </p:cSld>
+  <p:clrMapOvr>
+    <a:masterClrMapping/>
+  </p:clrMapOvr>
+  <p:timing>
+    <p:tnLst>
+      <p:par>
+        <p:cTn id="1" dur="indefinite" restart="never" nodeType="tmRoot"/>
+      </p:par>
+    </p:tnLst>
+  </p:timing>
+</p:sld>
+</file>
+
+<file path=ppt/slides/slide14.xml><?xml version="1.0" encoding="utf-8"?>
+<p:sld xmlns:a="http://schemas.openxmlformats.org/drawingml/2006/main" xmlns:r="http://schemas.openxmlformats.org/officeDocument/2006/relationships" xmlns:p="http://schemas.openxmlformats.org/presentationml/2006/main">
+  <p:cSld>
+    <p:spTree>
+      <p:nvGrpSpPr>
+        <p:cNvPr id="1" name=""/>
+        <p:cNvGrpSpPr/>
+        <p:nvPr/>
+      </p:nvGrpSpPr>
+      <p:grpSpPr>
+        <a:xfrm>
+          <a:off x="0" y="0"/>
+          <a:ext cx="0" cy="0"/>
+          <a:chOff x="0" y="0"/>
+          <a:chExt cx="0" cy="0"/>
+        </a:xfrm>
+      </p:grpSpPr>
+      <p:sp>
+        <p:nvSpPr>
+          <p:cNvPr id="2" name="标题 1"/>
+          <p:cNvSpPr>
+            <a:spLocks noGrp="1"/>
+          </p:cNvSpPr>
+          <p:nvPr>
+            <p:ph type="title"/>
+          </p:nvPr>
+        </p:nvSpPr>
+        <p:spPr/>
+        <p:txBody>
+          <a:bodyPr/>
+          <a:lstStyle/>
+          <a:p>
+            <a:r>
+              <a:rPr lang="zh-CN" altLang="en-US" dirty="0" smtClean="0"/>
+              <a:t>测试库类别</a:t>
+            </a:r>
+            <a:endParaRPr lang="zh-CN" altLang="en-US" dirty="0"/>
+          </a:p>
+        </p:txBody>
+      </p:sp>
+      <p:sp>
+        <p:nvSpPr>
+          <p:cNvPr id="4" name="Rectangle 3"/>
+          <p:cNvSpPr>
+            <a:spLocks noGrp="1" noChangeArrowheads="1"/>
+          </p:cNvSpPr>
+          <p:nvPr>
+            <p:ph idx="1"/>
+          </p:nvPr>
+        </p:nvSpPr>
+        <p:spPr>
+          <a:xfrm>
+            <a:off x="457200" y="1600200"/>
+            <a:ext cx="8229600" cy="2476872"/>
+          </a:xfrm>
+        </p:spPr>
+        <p:txBody>
+          <a:bodyPr>
+            <a:normAutofit fontScale="62500" lnSpcReduction="20000"/>
+          </a:bodyPr>
+          <a:lstStyle/>
+          <a:p>
+            <a:pPr>
+              <a:lnSpc>
+                <a:spcPct val="90000"/>
+              </a:lnSpc>
+            </a:pPr>
+            <a:r>
+              <a:rPr lang="zh-CN" altLang="en-US" sz="2800" dirty="0"/>
+              <a:t>测试库</a:t>
+            </a:r>
+          </a:p>
+          <a:p>
+            <a:pPr>
+              <a:lnSpc>
+                <a:spcPct val="90000"/>
+              </a:lnSpc>
+            </a:pPr>
+            <a:r>
+              <a:rPr lang="zh-CN" altLang="en-US" sz="2800" dirty="0"/>
+              <a:t>有</a:t>
+            </a:r>
+            <a:r>
+              <a:rPr lang="en-US" sz="2800" dirty="0"/>
+              <a:t>8</a:t>
+            </a:r>
+            <a:r>
+              <a:rPr lang="zh-CN" altLang="en-US" sz="2800" dirty="0"/>
+              <a:t>个标准库，可以直接导入：</a:t>
+            </a:r>
+          </a:p>
+          <a:p>
+            <a:pPr>
+              <a:lnSpc>
+                <a:spcPct val="90000"/>
+              </a:lnSpc>
+            </a:pPr>
+            <a:r>
+              <a:rPr lang="en-US" sz="2800" dirty="0"/>
+              <a:t>Builtln</a:t>
+            </a:r>
+          </a:p>
+          <a:p>
+            <a:pPr>
+              <a:lnSpc>
+                <a:spcPct val="90000"/>
+              </a:lnSpc>
+            </a:pPr>
+            <a:r>
+              <a:rPr lang="en-US" sz="2800" dirty="0"/>
+              <a:t>operatingSystem</a:t>
+            </a:r>
+          </a:p>
+          <a:p>
+            <a:pPr>
+              <a:lnSpc>
+                <a:spcPct val="90000"/>
+              </a:lnSpc>
+            </a:pPr>
+            <a:r>
+              <a:rPr lang="en-US" sz="2800" dirty="0"/>
+              <a:t>telnet</a:t>
+            </a:r>
+          </a:p>
+          <a:p>
+            <a:pPr>
+              <a:lnSpc>
+                <a:spcPct val="90000"/>
+              </a:lnSpc>
+            </a:pPr>
+            <a:r>
+              <a:rPr lang="en-US" sz="2800" dirty="0"/>
+              <a:t>Collections</a:t>
+            </a:r>
+          </a:p>
+          <a:p>
+            <a:pPr>
+              <a:lnSpc>
+                <a:spcPct val="90000"/>
+              </a:lnSpc>
+            </a:pPr>
+            <a:r>
+              <a:rPr lang="en-US" sz="2800" dirty="0"/>
+              <a:t>String</a:t>
+            </a:r>
+          </a:p>
+          <a:p>
+            <a:pPr>
+              <a:lnSpc>
+                <a:spcPct val="90000"/>
+              </a:lnSpc>
+            </a:pPr>
+            <a:r>
+              <a:rPr lang="en-US" sz="2800" dirty="0"/>
+              <a:t>Dialogs</a:t>
+            </a:r>
+          </a:p>
+          <a:p>
+            <a:pPr>
+              <a:lnSpc>
+                <a:spcPct val="90000"/>
+              </a:lnSpc>
+            </a:pPr>
+            <a:r>
+              <a:rPr lang="en-US" sz="2800" dirty="0"/>
+              <a:t>Remote</a:t>
+            </a:r>
+          </a:p>
+        </p:txBody>
+      </p:sp>
+      <p:sp>
+        <p:nvSpPr>
+          <p:cNvPr id="5" name="矩形 4"/>
+          <p:cNvSpPr/>
+          <p:nvPr/>
+        </p:nvSpPr>
+        <p:spPr>
+          <a:xfrm>
+            <a:off x="755576" y="4005064"/>
+            <a:ext cx="7776864" cy="2031325"/>
+          </a:xfrm>
+          <a:prstGeom prst="rect">
+            <a:avLst/>
+          </a:prstGeom>
+        </p:spPr>
+        <p:txBody>
+          <a:bodyPr wrap="square">
+            <a:spAutoFit/>
+          </a:bodyPr>
+          <a:lstStyle/>
+          <a:p>
+            <a:r>
+              <a:rPr lang="zh-CN" altLang="en-US" dirty="0" smtClean="0"/>
+              <a:t>扩展库，需要下载安装后才能使用。</a:t>
+            </a:r>
+          </a:p>
+          <a:p>
+            <a:r>
+              <a:rPr lang="en-US" altLang="zh-CN" dirty="0" smtClean="0"/>
+              <a:t>Selenium2library</a:t>
+            </a:r>
+            <a:r>
+              <a:rPr lang="zh-CN" altLang="en-US" dirty="0" smtClean="0"/>
+              <a:t>：</a:t>
+            </a:r>
+            <a:r>
+              <a:rPr lang="en-US" altLang="zh-CN" dirty="0" smtClean="0"/>
+              <a:t>web</a:t>
+            </a:r>
+            <a:r>
+              <a:rPr lang="zh-CN" altLang="en-US" dirty="0" smtClean="0"/>
+              <a:t>方面测试的扩展库</a:t>
+            </a:r>
+            <a:endParaRPr lang="en-US" altLang="zh-CN" dirty="0"/>
+          </a:p>
+          <a:p>
+            <a:r>
+              <a:rPr lang="en-US" altLang="zh-CN" dirty="0" err="1" smtClean="0"/>
+              <a:t>AppiumLibrary</a:t>
+            </a:r>
+            <a:r>
+              <a:rPr lang="zh-CN" altLang="en-US" dirty="0"/>
+              <a:t>：</a:t>
+            </a:r>
+            <a:r>
+              <a:rPr lang="zh-CN" altLang="en-US" dirty="0" smtClean="0"/>
+              <a:t>移动互联网应用</a:t>
+            </a:r>
+            <a:endParaRPr lang="en-US" altLang="zh-CN" dirty="0" smtClean="0"/>
+          </a:p>
+          <a:p>
+            <a:endParaRPr lang="en-US" altLang="zh-CN" dirty="0" smtClean="0"/>
+          </a:p>
+          <a:p>
+            <a:r>
+              <a:rPr lang="en-US" altLang="zh-CN" dirty="0"/>
+              <a:t>*</a:t>
+            </a:r>
+            <a:r>
+              <a:rPr lang="zh-CN" altLang="en-US" dirty="0"/>
+              <a:t>自定义测试库：</a:t>
+            </a:r>
+            <a:r>
+              <a:rPr lang="en-US" altLang="zh-CN" dirty="0"/>
+              <a:t>CustomLibrary</a:t>
+            </a:r>
+            <a:endParaRPr lang="zh-CN" altLang="en-US" dirty="0"/>
+          </a:p>
+          <a:p>
+            <a:r>
+              <a:rPr lang="zh-CN" altLang="en-US" dirty="0" smtClean="0"/>
+              <a:t>这个库文件是</a:t>
+            </a:r>
+            <a:r>
+              <a:rPr lang="zh-CN" altLang="en-US" dirty="0"/>
+              <a:t>根据</a:t>
+            </a:r>
+            <a:r>
+              <a:rPr lang="zh-CN" altLang="en-US" dirty="0" smtClean="0"/>
+              <a:t>被测程序的接口函数和测试自动化需求提出来，使用</a:t>
+            </a:r>
+            <a:r>
+              <a:rPr lang="en-US" altLang="zh-CN" dirty="0" smtClean="0"/>
+              <a:t>python</a:t>
+            </a:r>
+            <a:r>
+              <a:rPr lang="zh-CN" altLang="en-US" dirty="0" smtClean="0"/>
+              <a:t>写的一个</a:t>
+            </a:r>
+            <a:r>
+              <a:rPr lang="en-US" altLang="zh-CN" dirty="0" smtClean="0"/>
+              <a:t>library</a:t>
+            </a:r>
+            <a:r>
+              <a:rPr lang="zh-CN" altLang="en-US" dirty="0" smtClean="0"/>
+              <a:t>文件。</a:t>
+            </a:r>
+            <a:endParaRPr lang="en-US" altLang="zh-CN" dirty="0" smtClean="0"/>
+          </a:p>
+        </p:txBody>
+      </p:sp>
+    </p:spTree>
+  </p:cSld>
+  <p:clrMapOvr>
+    <a:masterClrMapping/>
+  </p:clrMapOvr>
+  <p:timing>
+    <p:tnLst>
+      <p:par>
+        <p:cTn id="1" dur="indefinite" restart="never" nodeType="tmRoot"/>
+      </p:par>
+    </p:tnLst>
+  </p:timing>
+</p:sld>
+</file>
+
+<file path=ppt/slides/slide15.xml><?xml version="1.0" encoding="utf-8"?>
+<p:sld xmlns:a="http://schemas.openxmlformats.org/drawingml/2006/main" xmlns:r="http://schemas.openxmlformats.org/officeDocument/2006/relationships" xmlns:p="http://schemas.openxmlformats.org/presentationml/2006/main">
+  <p:cSld>
+    <p:spTree>
+      <p:nvGrpSpPr>
+        <p:cNvPr id="1" name=""/>
+        <p:cNvGrpSpPr/>
+        <p:nvPr/>
+      </p:nvGrpSpPr>
+      <p:grpSpPr>
+        <a:xfrm>
+          <a:off x="0" y="0"/>
+          <a:ext cx="0" cy="0"/>
+          <a:chOff x="0" y="0"/>
+          <a:chExt cx="0" cy="0"/>
+        </a:xfrm>
+      </p:grpSpPr>
+      <p:sp>
+        <p:nvSpPr>
+          <p:cNvPr id="2" name="标题 1"/>
+          <p:cNvSpPr>
+            <a:spLocks noGrp="1"/>
+          </p:cNvSpPr>
+          <p:nvPr>
+            <p:ph type="title"/>
+          </p:nvPr>
+        </p:nvSpPr>
+        <p:spPr/>
+        <p:txBody>
+          <a:bodyPr/>
+          <a:lstStyle/>
+          <a:p>
+            <a:r>
+              <a:rPr lang="zh-CN" altLang="en-US" dirty="0" smtClean="0"/>
+              <a:t>测试用例脚本化</a:t>
+            </a:r>
+            <a:endParaRPr lang="zh-CN" altLang="en-US" dirty="0"/>
+          </a:p>
+        </p:txBody>
+      </p:sp>
+      <p:sp>
+        <p:nvSpPr>
+          <p:cNvPr id="3" name="内容占位符 2"/>
+          <p:cNvSpPr>
+            <a:spLocks noGrp="1"/>
+          </p:cNvSpPr>
+          <p:nvPr>
+            <p:ph idx="1"/>
+          </p:nvPr>
+        </p:nvSpPr>
+        <p:spPr/>
+        <p:txBody>
+          <a:bodyPr/>
+          <a:lstStyle/>
+          <a:p>
+            <a:r>
+              <a:rPr lang="en-US" altLang="zh-CN" dirty="0" smtClean="0"/>
+              <a:t>RIDE</a:t>
+            </a:r>
+            <a:r>
+              <a:rPr lang="zh-CN" altLang="en-US" dirty="0" smtClean="0"/>
+              <a:t>是一款专门用来编辑</a:t>
+            </a:r>
+            <a:r>
+              <a:rPr lang="en-US" altLang="zh-CN" dirty="0" smtClean="0"/>
+              <a:t>Robot Framework</a:t>
+            </a:r>
+            <a:r>
+              <a:rPr lang="zh-CN" altLang="en-US" dirty="0" smtClean="0"/>
+              <a:t>用例的软件，用</a:t>
+            </a:r>
+            <a:r>
+              <a:rPr lang="en-US" altLang="zh-CN" dirty="0" smtClean="0"/>
+              <a:t>Python</a:t>
+            </a:r>
+            <a:r>
+              <a:rPr lang="zh-CN" altLang="en-US" dirty="0" smtClean="0"/>
+              <a:t>编写并且开源。</a:t>
+            </a:r>
+          </a:p>
+          <a:p>
+            <a:endParaRPr lang="zh-CN" altLang="en-US" dirty="0"/>
+          </a:p>
+        </p:txBody>
+      </p:sp>
+    </p:spTree>
+  </p:cSld>
+  <p:clrMapOvr>
+    <a:masterClrMapping/>
+  </p:clrMapOvr>
+  <p:timing>
+    <p:tnLst>
+      <p:par>
+        <p:cTn id="1" dur="indefinite" restart="never" nodeType="tmRoot"/>
+      </p:par>
+    </p:tnLst>
+  </p:timing>
+</p:sld>
+</file>
+
+<file path=ppt/slides/slide16.xml><?xml version="1.0" encoding="utf-8"?>
+<p:sld xmlns:a="http://schemas.openxmlformats.org/drawingml/2006/main" xmlns:r="http://schemas.openxmlformats.org/officeDocument/2006/relationships" xmlns:p="http://schemas.openxmlformats.org/presentationml/2006/main">
+  <p:cSld>
+    <p:spTree>
+      <p:nvGrpSpPr>
+        <p:cNvPr id="1" name=""/>
+        <p:cNvGrpSpPr/>
+        <p:nvPr/>
+      </p:nvGrpSpPr>
+      <p:grpSpPr>
+        <a:xfrm>
+          <a:off x="0" y="0"/>
+          <a:ext cx="0" cy="0"/>
+          <a:chOff x="0" y="0"/>
+          <a:chExt cx="0" cy="0"/>
+        </a:xfrm>
+      </p:grpSpPr>
+      <p:sp>
+        <p:nvSpPr>
+          <p:cNvPr id="2" name="标题 1"/>
+          <p:cNvSpPr>
+            <a:spLocks noGrp="1"/>
+          </p:cNvSpPr>
+          <p:nvPr>
+            <p:ph type="title"/>
+          </p:nvPr>
+        </p:nvSpPr>
+        <p:spPr/>
+        <p:txBody>
+          <a:bodyPr/>
+          <a:lstStyle/>
+          <a:p>
+            <a:r>
+              <a:rPr lang="en-US" altLang="zh-CN" dirty="0" smtClean="0"/>
+              <a:t>Android</a:t>
+            </a:r>
+            <a:r>
+              <a:rPr lang="zh-CN" altLang="en-US" dirty="0" smtClean="0"/>
+              <a:t>元素定位</a:t>
+            </a:r>
+            <a:endParaRPr lang="zh-CN" altLang="en-US" dirty="0"/>
+          </a:p>
+        </p:txBody>
+      </p:sp>
+      <p:sp>
+        <p:nvSpPr>
+          <p:cNvPr id="3" name="内容占位符 2"/>
+          <p:cNvSpPr>
+            <a:spLocks noGrp="1"/>
+          </p:cNvSpPr>
+          <p:nvPr>
+            <p:ph idx="1"/>
+          </p:nvPr>
+        </p:nvSpPr>
+        <p:spPr/>
+        <p:txBody>
+          <a:bodyPr/>
+          <a:lstStyle/>
+          <a:p>
+            <a:r>
+              <a:rPr lang="zh-CN" altLang="en-US" dirty="0" smtClean="0"/>
+              <a:t>双击打开</a:t>
+            </a:r>
+            <a:r>
+              <a:rPr lang="en-US" altLang="zh-CN" dirty="0" smtClean="0"/>
+              <a:t>ANDROID_HOME/tools</a:t>
+            </a:r>
+            <a:r>
+              <a:rPr lang="zh-CN" altLang="en-US" dirty="0" smtClean="0"/>
+              <a:t>下的</a:t>
+            </a:r>
+            <a:r>
+              <a:rPr lang="en-US" altLang="zh-CN" dirty="0" smtClean="0"/>
+              <a:t>uiautomatorviewer.bat</a:t>
+            </a:r>
+          </a:p>
+          <a:p>
+            <a:r>
+              <a:rPr lang="zh-CN" altLang="en-US" dirty="0" smtClean="0"/>
+              <a:t>点击</a:t>
+            </a:r>
+            <a:r>
+              <a:rPr lang="en-US" altLang="zh-CN" dirty="0" smtClean="0"/>
+              <a:t>Device Screenshot</a:t>
+            </a:r>
+            <a:endParaRPr lang="zh-CN" altLang="en-US" dirty="0"/>
+          </a:p>
+        </p:txBody>
+      </p:sp>
+    </p:spTree>
+  </p:cSld>
+  <p:clrMapOvr>
+    <a:masterClrMapping/>
+  </p:clrMapOvr>
+  <p:timing>
+    <p:tnLst>
+      <p:par>
+        <p:cTn id="1" dur="indefinite" restart="never" nodeType="tmRoot"/>
+      </p:par>
+    </p:tnLst>
+  </p:timing>
+</p:sld>
+</file>
+
+<file path=ppt/slides/slide17.xml><?xml version="1.0" encoding="utf-8"?>
+<p:sld xmlns:a="http://schemas.openxmlformats.org/drawingml/2006/main" xmlns:r="http://schemas.openxmlformats.org/officeDocument/2006/relationships" xmlns:p="http://schemas.openxmlformats.org/presentationml/2006/main">
+  <p:cSld>
+    <p:spTree>
+      <p:nvGrpSpPr>
+        <p:cNvPr id="1" name=""/>
+        <p:cNvGrpSpPr/>
+        <p:nvPr/>
+      </p:nvGrpSpPr>
+      <p:grpSpPr>
+        <a:xfrm>
+          <a:off x="0" y="0"/>
+          <a:ext cx="0" cy="0"/>
+          <a:chOff x="0" y="0"/>
+          <a:chExt cx="0" cy="0"/>
+        </a:xfrm>
+      </p:grpSpPr>
+      <p:sp>
+        <p:nvSpPr>
+          <p:cNvPr id="2" name="标题 1"/>
+          <p:cNvSpPr>
+            <a:spLocks noGrp="1"/>
+          </p:cNvSpPr>
+          <p:nvPr>
+            <p:ph type="title"/>
+          </p:nvPr>
+        </p:nvSpPr>
+        <p:spPr/>
+        <p:txBody>
+          <a:bodyPr/>
+          <a:lstStyle/>
+          <a:p>
+            <a:r>
+              <a:rPr lang="en-US" altLang="zh-CN" dirty="0" smtClean="0"/>
+              <a:t>android</a:t>
+            </a:r>
+            <a:r>
+              <a:rPr lang="zh-CN" altLang="en-US" dirty="0" smtClean="0"/>
+              <a:t>元素定位</a:t>
+            </a:r>
+            <a:endParaRPr lang="zh-CN" altLang="en-US" dirty="0"/>
+          </a:p>
+        </p:txBody>
+      </p:sp>
+      <p:sp>
+        <p:nvSpPr>
+          <p:cNvPr id="3" name="内容占位符 2"/>
+          <p:cNvSpPr>
+            <a:spLocks noGrp="1"/>
+          </p:cNvSpPr>
+          <p:nvPr>
+            <p:ph idx="1"/>
+          </p:nvPr>
+        </p:nvSpPr>
+        <p:spPr/>
+        <p:txBody>
+          <a:bodyPr>
+            <a:normAutofit/>
+          </a:bodyPr>
+          <a:lstStyle/>
+          <a:p>
+            <a:r>
+              <a:rPr lang="en-US" altLang="zh-CN" i="1" dirty="0" smtClean="0"/>
+              <a:t>findElementByXPath("//android.widget.TextView[10]")</a:t>
+            </a:r>
+          </a:p>
+          <a:p>
+            <a:pPr>
+              <a:buNone/>
+            </a:pPr>
+            <a:r>
+              <a:rPr lang="en-US" altLang="zh-CN" i="1" dirty="0" smtClean="0"/>
+              <a:t>xpath</a:t>
+            </a:r>
+            <a:r>
+              <a:rPr lang="zh-CN" altLang="en-US" i="1" dirty="0" smtClean="0"/>
+              <a:t>下标从</a:t>
+            </a:r>
+            <a:r>
+              <a:rPr lang="en-US" altLang="zh-CN" i="1" dirty="0" smtClean="0"/>
+              <a:t>1</a:t>
+            </a:r>
+            <a:r>
+              <a:rPr lang="zh-CN" altLang="en-US" i="1" dirty="0" smtClean="0"/>
+              <a:t>开始，使用完整的</a:t>
+            </a:r>
+            <a:r>
+              <a:rPr lang="en-US" altLang="zh-CN" i="1" dirty="0" smtClean="0"/>
+              <a:t>classname</a:t>
+            </a:r>
+          </a:p>
+          <a:p>
+            <a:r>
+              <a:rPr lang="en-US" altLang="zh-CN" i="1" dirty="0" smtClean="0"/>
+              <a:t>findElementById(</a:t>
+            </a:r>
+            <a:r>
+              <a:rPr lang="en-US" altLang="zh-CN" dirty="0" smtClean="0"/>
+              <a:t>"</a:t>
+            </a:r>
+            <a:r>
+              <a:rPr lang="en-US" altLang="zh-CN" i="1" dirty="0" smtClean="0"/>
+              <a:t>com.xwtec.zhy.xwlottery:id/grid_item_tv_red</a:t>
+            </a:r>
+            <a:r>
+              <a:rPr lang="en-US" altLang="zh-CN" dirty="0" smtClean="0"/>
+              <a:t>"</a:t>
+            </a:r>
+            <a:r>
+              <a:rPr lang="en-US" altLang="zh-CN" i="1" dirty="0" smtClean="0"/>
+              <a:t>); </a:t>
+            </a:r>
+          </a:p>
+          <a:p>
+            <a:pPr>
+              <a:buNone/>
+            </a:pPr>
+            <a:r>
+              <a:rPr lang="en-US" altLang="zh-CN" i="1" dirty="0" smtClean="0"/>
+              <a:t>Id</a:t>
+            </a:r>
+            <a:r>
+              <a:rPr lang="zh-CN" altLang="en-US" i="1" dirty="0" smtClean="0"/>
+              <a:t>的方式需要注意，</a:t>
+            </a:r>
+            <a:r>
+              <a:rPr lang="en-US" altLang="zh-CN" i="1" dirty="0" smtClean="0"/>
+              <a:t>android4.3</a:t>
+            </a:r>
+            <a:r>
+              <a:rPr lang="zh-CN" altLang="en-US" i="1" dirty="0" smtClean="0"/>
+              <a:t>以上支持</a:t>
+            </a:r>
+            <a:endParaRPr lang="en-US" altLang="zh-CN" i="1" dirty="0" smtClean="0"/>
+          </a:p>
+          <a:p>
+            <a:r>
+              <a:rPr lang="en-US" altLang="zh-CN" dirty="0" smtClean="0"/>
+              <a:t>findElementsByAndroidUIAutomator("new UiSelector().className(\" android.widget.TextView \").text(\" 24 \") ")</a:t>
+            </a:r>
+          </a:p>
+        </p:txBody>
+      </p:sp>
+    </p:spTree>
+  </p:cSld>
+  <p:clrMapOvr>
+    <a:masterClrMapping/>
+  </p:clrMapOvr>
+  <p:timing>
+    <p:tnLst>
+      <p:par>
+        <p:cTn id="1" dur="indefinite" restart="never" nodeType="tmRoot"/>
+      </p:par>
+    </p:tnLst>
+  </p:timing>
+</p:sld>
+</file>
+
+<file path=ppt/slides/slide18.xml><?xml version="1.0" encoding="utf-8"?>
+<p:sld xmlns:a="http://schemas.openxmlformats.org/drawingml/2006/main" xmlns:r="http://schemas.openxmlformats.org/officeDocument/2006/relationships" xmlns:p="http://schemas.openxmlformats.org/presentationml/2006/main">
+  <p:cSld>
+    <p:spTree>
+      <p:nvGrpSpPr>
+        <p:cNvPr id="1" name=""/>
+        <p:cNvGrpSpPr/>
+        <p:nvPr/>
+      </p:nvGrpSpPr>
+      <p:grpSpPr>
+        <a:xfrm>
+          <a:off x="0" y="0"/>
+          <a:ext cx="0" cy="0"/>
+          <a:chOff x="0" y="0"/>
+          <a:chExt cx="0" cy="0"/>
+        </a:xfrm>
+      </p:grpSpPr>
+      <p:sp>
+        <p:nvSpPr>
+          <p:cNvPr id="2" name="标题 1"/>
+          <p:cNvSpPr>
+            <a:spLocks noGrp="1"/>
+          </p:cNvSpPr>
+          <p:nvPr>
+            <p:ph type="title"/>
+          </p:nvPr>
+        </p:nvSpPr>
+        <p:spPr/>
+        <p:txBody>
+          <a:bodyPr/>
+          <a:lstStyle/>
+          <a:p>
+            <a:r>
+              <a:rPr lang="zh-CN" altLang="en-US" dirty="0" smtClean="0"/>
+              <a:t>相关网站</a:t>
+            </a:r>
+            <a:endParaRPr lang="zh-CN" altLang="en-US" dirty="0"/>
+          </a:p>
+        </p:txBody>
+      </p:sp>
+      <p:sp>
+        <p:nvSpPr>
+          <p:cNvPr id="3" name="内容占位符 2"/>
+          <p:cNvSpPr>
+            <a:spLocks noGrp="1"/>
+          </p:cNvSpPr>
+          <p:nvPr>
+            <p:ph idx="1"/>
+          </p:nvPr>
+        </p:nvSpPr>
+        <p:spPr/>
+        <p:txBody>
+          <a:bodyPr/>
+          <a:lstStyle/>
+          <a:p>
+            <a:r>
+              <a:rPr lang="zh-CN" altLang="en-US" dirty="0" smtClean="0"/>
+              <a:t>官网</a:t>
+            </a:r>
+            <a:endParaRPr lang="en-US" altLang="zh-CN" dirty="0" smtClean="0"/>
+          </a:p>
+          <a:p>
+            <a:pPr marL="137160" indent="0">
+              <a:buNone/>
+            </a:pPr>
+            <a:r>
+              <a:rPr lang="en-US" altLang="zh-CN" dirty="0"/>
+              <a:t>http://robotframework.org/</a:t>
+            </a:r>
+            <a:endParaRPr lang="en-US" altLang="zh-CN" dirty="0" smtClean="0"/>
+          </a:p>
+          <a:p>
+            <a:pPr>
+              <a:buNone/>
+            </a:pPr>
+            <a:r>
+              <a:rPr lang="en-US" altLang="zh-CN" dirty="0" smtClean="0"/>
+              <a:t>http://appium.io/</a:t>
+            </a:r>
+          </a:p>
+          <a:p>
+            <a:pPr>
+              <a:buNone/>
+            </a:pPr>
+            <a:r>
+              <a:rPr lang="en-US" altLang="zh-CN" dirty="0" smtClean="0"/>
+              <a:t>https://github.com/appium</a:t>
+            </a:r>
+          </a:p>
+          <a:p>
+            <a:pPr>
+              <a:buNone/>
+            </a:pPr>
+            <a:r>
+              <a:rPr lang="en-US" altLang="zh-CN" dirty="0" smtClean="0"/>
+              <a:t>http://appium.io/slate/en/v1.2.0/</a:t>
+            </a:r>
+          </a:p>
+          <a:p>
+            <a:r>
+              <a:rPr lang="zh-CN" altLang="en-US" dirty="0" smtClean="0"/>
+              <a:t>论坛</a:t>
+            </a:r>
+            <a:endParaRPr lang="en-US" altLang="zh-CN" dirty="0" smtClean="0"/>
+          </a:p>
+          <a:p>
+            <a:pPr>
+              <a:buNone/>
+            </a:pPr>
+            <a:r>
+              <a:rPr lang="en-US" altLang="zh-CN" dirty="0" smtClean="0"/>
+              <a:t>http://testerhome.com/</a:t>
+            </a:r>
+          </a:p>
+          <a:p>
+            <a:r>
+              <a:rPr lang="en-US" altLang="zh-CN" dirty="0" smtClean="0"/>
+              <a:t>Appium</a:t>
+            </a:r>
+            <a:r>
+              <a:rPr lang="zh-CN" altLang="en-US" dirty="0" smtClean="0"/>
+              <a:t>下载</a:t>
+            </a:r>
+            <a:endParaRPr lang="en-US" altLang="zh-CN" dirty="0" smtClean="0"/>
+          </a:p>
+          <a:p>
+            <a:pPr>
+              <a:buNone/>
+            </a:pPr>
+            <a:r>
+              <a:rPr lang="en-US" altLang="zh-CN" dirty="0" smtClean="0"/>
+              <a:t>http://pan.baidu.com/s/1jGvAISu</a:t>
+            </a:r>
+            <a:endParaRPr lang="zh-CN" altLang="en-US" dirty="0"/>
+          </a:p>
+        </p:txBody>
+      </p:sp>
+    </p:spTree>
+  </p:cSld>
+  <p:clrMapOvr>
+    <a:masterClrMapping/>
+  </p:clrMapOvr>
+  <p:timing>
+    <p:tnLst>
+      <p:par>
+        <p:cTn id="1" dur="indefinite" restart="never" nodeType="tmRoot"/>
+      </p:par>
+    </p:tnLst>
+  </p:timing>
+</p:sld>
+</file>
+
+<file path=ppt/slides/slide19.xml><?xml version="1.0" encoding="utf-8"?>
+<p:sld xmlns:a="http://schemas.openxmlformats.org/drawingml/2006/main" xmlns:r="http://schemas.openxmlformats.org/officeDocument/2006/relationships" xmlns:p="http://schemas.openxmlformats.org/presentationml/2006/main">
+  <p:cSld>
+    <p:spTree>
+      <p:nvGrpSpPr>
+        <p:cNvPr id="1" name=""/>
+        <p:cNvGrpSpPr/>
+        <p:nvPr/>
+      </p:nvGrpSpPr>
+      <p:grpSpPr>
+        <a:xfrm>
+          <a:off x="0" y="0"/>
+          <a:ext cx="0" cy="0"/>
+          <a:chOff x="0" y="0"/>
+          <a:chExt cx="0" cy="0"/>
+        </a:xfrm>
+      </p:grpSpPr>
+      <p:sp>
+        <p:nvSpPr>
+          <p:cNvPr id="2" name="标题 1"/>
+          <p:cNvSpPr>
+            <a:spLocks noGrp="1"/>
+          </p:cNvSpPr>
+          <p:nvPr>
+            <p:ph type="title"/>
+          </p:nvPr>
+        </p:nvSpPr>
+        <p:spPr/>
+        <p:txBody>
+          <a:bodyPr/>
+          <a:lstStyle/>
+          <a:p>
+            <a:r>
+              <a:rPr lang="zh-CN" altLang="en-US" dirty="0"/>
+              <a:t>实例</a:t>
+            </a:r>
+          </a:p>
+        </p:txBody>
+      </p:sp>
+      <p:sp>
+        <p:nvSpPr>
+          <p:cNvPr id="3" name="内容占位符 2"/>
+          <p:cNvSpPr>
+            <a:spLocks noGrp="1"/>
+          </p:cNvSpPr>
+          <p:nvPr>
+            <p:ph idx="1"/>
+          </p:nvPr>
+        </p:nvSpPr>
+        <p:spPr/>
+        <p:txBody>
+          <a:bodyPr/>
+          <a:lstStyle/>
+          <a:p>
+            <a:endParaRPr lang="zh-CN" altLang="en-US"/>
+          </a:p>
+        </p:txBody>
+      </p:sp>
+    </p:spTree>
+    <p:extLst>
+      <p:ext uri="{BB962C8B-B14F-4D97-AF65-F5344CB8AC3E}">
+        <p14:creationId xmlns:p14="http://schemas.microsoft.com/office/powerpoint/2010/main" val="1296070294"/>
+      </p:ext>
+    </p:extLst>
+  </p:cSld>
+  <p:clrMapOvr>
+    <a:masterClrMapping/>
+  </p:clrMapOvr>
+  <p:timing>
+    <p:tnLst>
+      <p:par>
+        <p:cTn id="1" dur="indefinite" restart="never" nodeType="tmRoot"/>
+      </p:par>
+    </p:tnLst>
+  </p:timing>
+</p:sld>
+</file>
+
+<file path=ppt/slides/slide2.xml><?xml version="1.0" encoding="utf-8"?>
+<p:sld xmlns:a="http://schemas.openxmlformats.org/drawingml/2006/main" xmlns:r="http://schemas.openxmlformats.org/officeDocument/2006/relationships" xmlns:p="http://schemas.openxmlformats.org/presentationml/2006/main">
+  <p:cSld>
+    <p:spTree>
+      <p:nvGrpSpPr>
+        <p:cNvPr id="1" name=""/>
+        <p:cNvGrpSpPr/>
+        <p:nvPr/>
+      </p:nvGrpSpPr>
+      <p:grpSpPr>
+        <a:xfrm>
+          <a:off x="0" y="0"/>
+          <a:ext cx="0" cy="0"/>
+          <a:chOff x="0" y="0"/>
+          <a:chExt cx="0" cy="0"/>
+        </a:xfrm>
+      </p:grpSpPr>
+      <p:sp>
+        <p:nvSpPr>
+          <p:cNvPr id="2" name="标题 1"/>
+          <p:cNvSpPr>
+            <a:spLocks noGrp="1"/>
+          </p:cNvSpPr>
+          <p:nvPr>
+            <p:ph type="title"/>
+          </p:nvPr>
+        </p:nvSpPr>
+        <p:spPr>
+          <a:xfrm>
+            <a:off x="1115616" y="24938"/>
+            <a:ext cx="7086600" cy="1828800"/>
+          </a:xfrm>
+        </p:spPr>
+        <p:txBody>
+          <a:bodyPr/>
+          <a:lstStyle/>
+          <a:p>
+            <a:pPr algn="ctr"/>
+            <a:r>
+              <a:rPr lang="zh-CN" altLang="en-US" dirty="0" smtClean="0"/>
+              <a:t>目    录</a:t>
+            </a:r>
+            <a:endParaRPr lang="zh-CN" altLang="en-US" dirty="0"/>
+          </a:p>
+        </p:txBody>
+      </p:sp>
+      <p:sp>
+        <p:nvSpPr>
+          <p:cNvPr id="3" name="文本占位符 2"/>
+          <p:cNvSpPr>
+            <a:spLocks noGrp="1"/>
+          </p:cNvSpPr>
+          <p:nvPr>
+            <p:ph type="body" idx="1"/>
+          </p:nvPr>
+        </p:nvSpPr>
+        <p:spPr>
+          <a:xfrm>
+            <a:off x="1331640" y="2348880"/>
+            <a:ext cx="7086600" cy="3135792"/>
+          </a:xfrm>
+        </p:spPr>
+        <p:txBody>
+          <a:bodyPr>
+            <a:normAutofit/>
+          </a:bodyPr>
+          <a:lstStyle/>
+          <a:p>
+            <a:r>
+              <a:rPr lang="en-US" altLang="zh-CN" sz="2800" dirty="0" smtClean="0"/>
+              <a:t>1</a:t>
+            </a:r>
+            <a:r>
+              <a:rPr lang="zh-CN" altLang="en-US" sz="2800" dirty="0" smtClean="0"/>
+              <a:t>、测试自动化目的（</a:t>
+            </a:r>
+            <a:r>
+              <a:rPr lang="en-US" altLang="zh-CN" sz="2800" dirty="0" smtClean="0"/>
+              <a:t>WHY)</a:t>
+            </a:r>
+          </a:p>
+          <a:p>
+            <a:r>
+              <a:rPr lang="en-US" altLang="zh-CN" sz="2800" dirty="0" smtClean="0"/>
+              <a:t>2</a:t>
+            </a:r>
+            <a:r>
+              <a:rPr lang="zh-CN" altLang="en-US" sz="2800" dirty="0" smtClean="0"/>
+              <a:t>、测试自动化内容（</a:t>
+            </a:r>
+            <a:r>
+              <a:rPr lang="en-US" altLang="zh-CN" sz="2800" dirty="0" smtClean="0"/>
+              <a:t>WHAT)</a:t>
+            </a:r>
+          </a:p>
+          <a:p>
+            <a:r>
+              <a:rPr lang="en-US" altLang="zh-CN" sz="2800" dirty="0" smtClean="0"/>
+              <a:t>3</a:t>
+            </a:r>
+            <a:r>
+              <a:rPr lang="zh-CN" altLang="en-US" sz="2800" dirty="0" smtClean="0"/>
+              <a:t>、测试自动化实施方案（</a:t>
+            </a:r>
+            <a:r>
+              <a:rPr lang="en-US" altLang="zh-CN" sz="2800" dirty="0" smtClean="0"/>
+              <a:t>HOW)</a:t>
+            </a:r>
+          </a:p>
+        </p:txBody>
+      </p:sp>
+    </p:spTree>
+  </p:cSld>
+  <p:clrMapOvr>
+    <a:masterClrMapping/>
+  </p:clrMapOvr>
+  <p:timing>
+    <p:tnLst>
+      <p:par>
+        <p:cTn id="1" dur="indefinite" restart="never" nodeType="tmRoot"/>
+      </p:par>
+    </p:tnLst>
+  </p:timing>
+</p:sld>
+</file>
+
+<file path=ppt/slides/slide3.xml><?xml version="1.0" encoding="utf-8"?>
+<p:sld xmlns:a="http://schemas.openxmlformats.org/drawingml/2006/main" xmlns:r="http://schemas.openxmlformats.org/officeDocument/2006/relationships" xmlns:p="http://schemas.openxmlformats.org/presentationml/2006/main">
+  <p:cSld>
+    <p:spTree>
+      <p:nvGrpSpPr>
+        <p:cNvPr id="1" name=""/>
+        <p:cNvGrpSpPr/>
+        <p:nvPr/>
+      </p:nvGrpSpPr>
+      <p:grpSpPr>
+        <a:xfrm>
+          <a:off x="0" y="0"/>
+          <a:ext cx="0" cy="0"/>
+          <a:chOff x="0" y="0"/>
+          <a:chExt cx="0" cy="0"/>
+        </a:xfrm>
+      </p:grpSpPr>
+      <p:sp>
+        <p:nvSpPr>
+          <p:cNvPr id="2" name="标题 1"/>
+          <p:cNvSpPr>
+            <a:spLocks noGrp="1"/>
+          </p:cNvSpPr>
+          <p:nvPr>
+            <p:ph type="title"/>
+          </p:nvPr>
+        </p:nvSpPr>
+        <p:spPr>
+          <a:xfrm>
+            <a:off x="1600200" y="1268760"/>
+            <a:ext cx="7086600" cy="809600"/>
+          </a:xfrm>
+        </p:spPr>
+        <p:txBody>
+          <a:bodyPr/>
+          <a:lstStyle/>
+          <a:p>
+            <a:r>
+              <a:rPr lang="zh-CN" altLang="en-US" sz="3600" dirty="0"/>
+              <a:t>测试自动化目的（</a:t>
+            </a:r>
+            <a:r>
+              <a:rPr lang="en-US" altLang="zh-CN" sz="3600" dirty="0"/>
+              <a:t>WHY</a:t>
+            </a:r>
+            <a:r>
+              <a:rPr lang="en-US" altLang="zh-CN" sz="3600" dirty="0" smtClean="0"/>
+              <a:t>)</a:t>
+            </a:r>
+            <a:endParaRPr lang="zh-CN" altLang="en-US" sz="3600" dirty="0"/>
+          </a:p>
+        </p:txBody>
+      </p:sp>
+      <p:sp>
+        <p:nvSpPr>
+          <p:cNvPr id="3" name="文本占位符 2"/>
+          <p:cNvSpPr>
+            <a:spLocks noGrp="1"/>
+          </p:cNvSpPr>
+          <p:nvPr>
+            <p:ph type="body" idx="1"/>
+          </p:nvPr>
+        </p:nvSpPr>
+        <p:spPr/>
+        <p:txBody>
+          <a:bodyPr/>
+          <a:lstStyle/>
+          <a:p>
+            <a:r>
+              <a:rPr lang="zh-CN" altLang="en-US" dirty="0" smtClean="0"/>
+              <a:t>保证产品质量</a:t>
+            </a:r>
+            <a:r>
+              <a:rPr lang="en-US" altLang="zh-CN" dirty="0" smtClean="0"/>
+              <a:t>||</a:t>
+            </a:r>
+            <a:r>
+              <a:rPr lang="zh-CN" altLang="en-US" dirty="0" smtClean="0"/>
+              <a:t>深挖</a:t>
+            </a:r>
+            <a:r>
+              <a:rPr lang="en-US" altLang="zh-CN" dirty="0" smtClean="0"/>
+              <a:t>Bug||</a:t>
+            </a:r>
+            <a:r>
+              <a:rPr lang="zh-CN" altLang="en-US" dirty="0" smtClean="0"/>
+              <a:t>提高测试（研发）</a:t>
+            </a:r>
+            <a:r>
+              <a:rPr lang="zh-CN" altLang="en-US" smtClean="0"/>
+              <a:t>效率</a:t>
+            </a:r>
+            <a:endParaRPr lang="zh-CN" altLang="en-US" dirty="0"/>
+          </a:p>
+        </p:txBody>
+      </p:sp>
+    </p:spTree>
+    <p:extLst>
+      <p:ext uri="{BB962C8B-B14F-4D97-AF65-F5344CB8AC3E}">
+        <p14:creationId xmlns:p14="http://schemas.microsoft.com/office/powerpoint/2010/main" val="2225121245"/>
+      </p:ext>
+    </p:extLst>
+  </p:cSld>
+  <p:clrMapOvr>
+    <a:masterClrMapping/>
+  </p:clrMapOvr>
+</p:sld>
+</file>
+
+<file path=ppt/slides/slide4.xml><?xml version="1.0" encoding="utf-8"?>
+<p:sld xmlns:a="http://schemas.openxmlformats.org/drawingml/2006/main" xmlns:r="http://schemas.openxmlformats.org/officeDocument/2006/relationships" xmlns:p="http://schemas.openxmlformats.org/presentationml/2006/main">
+  <p:cSld>
+    <p:spTree>
+      <p:nvGrpSpPr>
+        <p:cNvPr id="1" name=""/>
+        <p:cNvGrpSpPr/>
+        <p:nvPr/>
+      </p:nvGrpSpPr>
+      <p:grpSpPr>
+        <a:xfrm>
+          <a:off x="0" y="0"/>
+          <a:ext cx="0" cy="0"/>
+          <a:chOff x="0" y="0"/>
+          <a:chExt cx="0" cy="0"/>
+        </a:xfrm>
+      </p:grpSpPr>
+      <p:sp>
+        <p:nvSpPr>
+          <p:cNvPr id="2" name="标题 1"/>
+          <p:cNvSpPr>
+            <a:spLocks noGrp="1"/>
+          </p:cNvSpPr>
+          <p:nvPr>
+            <p:ph type="title"/>
+          </p:nvPr>
+        </p:nvSpPr>
+        <p:spPr/>
+        <p:txBody>
+          <a:bodyPr/>
+          <a:lstStyle/>
+          <a:p>
+            <a:r>
+              <a:rPr lang="zh-CN" altLang="en-US" sz="3600" dirty="0"/>
+              <a:t>测试自动化内容（</a:t>
+            </a:r>
+            <a:r>
+              <a:rPr lang="en-US" altLang="zh-CN" sz="3600" dirty="0" smtClean="0"/>
+              <a:t>WHAT</a:t>
+            </a:r>
+            <a:r>
+              <a:rPr lang="zh-CN" altLang="en-US" sz="3600" dirty="0" smtClean="0"/>
+              <a:t>）</a:t>
+            </a:r>
+            <a:endParaRPr lang="zh-CN" altLang="en-US" sz="3600" dirty="0"/>
+          </a:p>
+        </p:txBody>
+      </p:sp>
+      <p:sp>
+        <p:nvSpPr>
+          <p:cNvPr id="3" name="文本占位符 2"/>
+          <p:cNvSpPr>
+            <a:spLocks noGrp="1"/>
+          </p:cNvSpPr>
+          <p:nvPr>
+            <p:ph type="body" idx="1"/>
+          </p:nvPr>
+        </p:nvSpPr>
+        <p:spPr>
+          <a:xfrm>
+            <a:off x="1600200" y="2507786"/>
+            <a:ext cx="7086600" cy="4017558"/>
+          </a:xfrm>
+        </p:spPr>
+        <p:txBody>
+          <a:bodyPr>
+            <a:normAutofit/>
+          </a:bodyPr>
+          <a:lstStyle/>
+          <a:p>
+            <a:r>
+              <a:rPr lang="zh-CN" altLang="en-US" dirty="0" smtClean="0"/>
+              <a:t>找</a:t>
+            </a:r>
+            <a:r>
+              <a:rPr lang="en-US" altLang="zh-CN" dirty="0" smtClean="0"/>
+              <a:t>Bug||</a:t>
+            </a:r>
+            <a:r>
+              <a:rPr lang="zh-CN" altLang="en-US" dirty="0" smtClean="0"/>
+              <a:t>保证质量</a:t>
+            </a:r>
+            <a:r>
+              <a:rPr lang="en-US" altLang="zh-CN" dirty="0" smtClean="0"/>
+              <a:t>||</a:t>
+            </a:r>
+            <a:r>
+              <a:rPr lang="zh-CN" altLang="en-US" dirty="0" smtClean="0"/>
+              <a:t>提高测试效率</a:t>
+            </a:r>
+            <a:endParaRPr lang="en-US" altLang="zh-CN" dirty="0" smtClean="0"/>
+          </a:p>
+          <a:p>
+            <a:r>
+              <a:rPr lang="zh-CN" altLang="en-US" dirty="0"/>
+              <a:t>自动</a:t>
+            </a:r>
+            <a:r>
+              <a:rPr lang="zh-CN" altLang="en-US" dirty="0" smtClean="0"/>
+              <a:t>化框架</a:t>
+            </a:r>
+            <a:endParaRPr lang="en-US" altLang="zh-CN" dirty="0" smtClean="0"/>
+          </a:p>
+          <a:p>
+            <a:r>
+              <a:rPr lang="zh-CN" altLang="en-US" dirty="0"/>
+              <a:t>测</a:t>
+            </a:r>
+            <a:r>
+              <a:rPr lang="zh-CN" altLang="en-US" dirty="0" smtClean="0"/>
+              <a:t>试库</a:t>
+            </a:r>
+            <a:endParaRPr lang="en-US" altLang="zh-CN" dirty="0" smtClean="0"/>
+          </a:p>
+          <a:p>
+            <a:r>
+              <a:rPr lang="zh-CN" altLang="en-US" dirty="0"/>
+              <a:t>测</a:t>
+            </a:r>
+            <a:r>
+              <a:rPr lang="zh-CN" altLang="en-US" dirty="0" smtClean="0"/>
+              <a:t>试工具</a:t>
+            </a:r>
+            <a:endParaRPr lang="en-US" altLang="zh-CN" dirty="0" smtClean="0"/>
+          </a:p>
+          <a:p>
+            <a:r>
+              <a:rPr lang="zh-CN" altLang="en-US" dirty="0"/>
+              <a:t>可测</a:t>
+            </a:r>
+            <a:r>
+              <a:rPr lang="zh-CN" altLang="en-US" dirty="0" smtClean="0"/>
+              <a:t>试性接口</a:t>
+            </a:r>
+            <a:endParaRPr lang="zh-CN" altLang="en-US" dirty="0"/>
+          </a:p>
+        </p:txBody>
+      </p:sp>
+    </p:spTree>
+    <p:extLst>
+      <p:ext uri="{BB962C8B-B14F-4D97-AF65-F5344CB8AC3E}">
+        <p14:creationId xmlns:p14="http://schemas.microsoft.com/office/powerpoint/2010/main" val="2092331748"/>
+      </p:ext>
+    </p:extLst>
+  </p:cSld>
+  <p:clrMapOvr>
+    <a:masterClrMapping/>
+  </p:clrMapOvr>
+</p:sld>
+</file>
+
+<file path=ppt/slides/slide5.xml><?xml version="1.0" encoding="utf-8"?>
+<p:sld xmlns:a="http://schemas.openxmlformats.org/drawingml/2006/main" xmlns:r="http://schemas.openxmlformats.org/officeDocument/2006/relationships" xmlns:p="http://schemas.openxmlformats.org/presentationml/2006/main">
+  <p:cSld>
+    <p:spTree>
+      <p:nvGrpSpPr>
+        <p:cNvPr id="1" name=""/>
+        <p:cNvGrpSpPr/>
+        <p:nvPr/>
+      </p:nvGrpSpPr>
+      <p:grpSpPr>
+        <a:xfrm>
+          <a:off x="0" y="0"/>
+          <a:ext cx="0" cy="0"/>
+          <a:chOff x="0" y="0"/>
+          <a:chExt cx="0" cy="0"/>
+        </a:xfrm>
+      </p:grpSpPr>
+      <p:sp>
+        <p:nvSpPr>
+          <p:cNvPr id="2" name="标题 1"/>
+          <p:cNvSpPr>
+            <a:spLocks noGrp="1"/>
+          </p:cNvSpPr>
+          <p:nvPr>
+            <p:ph type="title"/>
+          </p:nvPr>
+        </p:nvSpPr>
+        <p:spPr>
+          <a:xfrm>
+            <a:off x="1600200" y="609600"/>
+            <a:ext cx="7086600" cy="1307232"/>
+          </a:xfrm>
+        </p:spPr>
+        <p:txBody>
+          <a:bodyPr/>
+          <a:lstStyle/>
+          <a:p>
+            <a:r>
+              <a:rPr lang="zh-CN" altLang="en-US" sz="3600" dirty="0"/>
+              <a:t>测试自动化实施方案（</a:t>
+            </a:r>
+            <a:r>
+              <a:rPr lang="en-US" altLang="zh-CN" sz="3600" dirty="0"/>
+              <a:t>HOW</a:t>
+            </a:r>
+            <a:r>
+              <a:rPr lang="en-US" altLang="zh-CN" sz="3600" dirty="0" smtClean="0"/>
+              <a:t>)</a:t>
+            </a:r>
+            <a:endParaRPr lang="zh-CN" altLang="en-US" sz="3600" dirty="0"/>
+          </a:p>
+        </p:txBody>
+      </p:sp>
+      <p:sp>
+        <p:nvSpPr>
+          <p:cNvPr id="3" name="文本占位符 2"/>
+          <p:cNvSpPr>
+            <a:spLocks noGrp="1"/>
+          </p:cNvSpPr>
+          <p:nvPr>
+            <p:ph type="body" idx="1"/>
+          </p:nvPr>
+        </p:nvSpPr>
+        <p:spPr>
+          <a:xfrm>
+            <a:off x="1600200" y="2507786"/>
+            <a:ext cx="7086600" cy="3945550"/>
+          </a:xfrm>
+        </p:spPr>
+        <p:txBody>
+          <a:bodyPr>
+            <a:normAutofit/>
+          </a:bodyPr>
+          <a:lstStyle/>
+          <a:p>
+            <a:r>
+              <a:rPr lang="en-US" altLang="zh-CN" dirty="0" smtClean="0"/>
+              <a:t>1</a:t>
+            </a:r>
+            <a:r>
+              <a:rPr lang="zh-CN" altLang="en-US" dirty="0" smtClean="0"/>
+              <a:t>、自</a:t>
+            </a:r>
+            <a:r>
+              <a:rPr lang="zh-CN" altLang="en-US" dirty="0"/>
+              <a:t>动化框架介绍</a:t>
+            </a:r>
+            <a:endParaRPr lang="en-US" altLang="zh-CN" dirty="0"/>
+          </a:p>
+          <a:p>
+            <a:r>
+              <a:rPr lang="en-US" altLang="zh-CN" dirty="0" smtClean="0"/>
+              <a:t>2</a:t>
+            </a:r>
+            <a:r>
+              <a:rPr lang="zh-CN" altLang="en-US" dirty="0" smtClean="0"/>
+              <a:t>、</a:t>
+            </a:r>
+            <a:r>
+              <a:rPr lang="en-US" altLang="zh-CN" dirty="0" smtClean="0"/>
+              <a:t>RF</a:t>
+            </a:r>
+            <a:r>
+              <a:rPr lang="zh-CN" altLang="en-US" dirty="0"/>
+              <a:t>与</a:t>
+            </a:r>
+            <a:r>
+              <a:rPr lang="en-US" altLang="zh-CN" dirty="0"/>
+              <a:t>Appium</a:t>
+            </a:r>
+            <a:r>
+              <a:rPr lang="zh-CN" altLang="en-US" dirty="0"/>
+              <a:t>工具介绍</a:t>
+            </a:r>
+            <a:endParaRPr lang="en-US" altLang="zh-CN" dirty="0"/>
+          </a:p>
+          <a:p>
+            <a:r>
+              <a:rPr lang="en-US" altLang="zh-CN" dirty="0" smtClean="0"/>
+              <a:t>3</a:t>
+            </a:r>
+            <a:r>
+              <a:rPr lang="zh-CN" altLang="en-US" dirty="0" smtClean="0"/>
+              <a:t>、</a:t>
+            </a:r>
+            <a:r>
+              <a:rPr lang="en-US" altLang="zh-CN" dirty="0" smtClean="0"/>
+              <a:t>RF</a:t>
+            </a:r>
+            <a:r>
+              <a:rPr lang="zh-CN" altLang="en-US" dirty="0"/>
+              <a:t>与</a:t>
+            </a:r>
+            <a:r>
+              <a:rPr lang="en-US" altLang="zh-CN" dirty="0"/>
+              <a:t>Appium</a:t>
+            </a:r>
+            <a:r>
+              <a:rPr lang="zh-CN" altLang="en-US" dirty="0"/>
+              <a:t>安装</a:t>
+            </a:r>
+            <a:endParaRPr lang="en-US" altLang="zh-CN" dirty="0"/>
+          </a:p>
+          <a:p>
+            <a:r>
+              <a:rPr lang="en-US" altLang="zh-CN" dirty="0" smtClean="0"/>
+              <a:t>4</a:t>
+            </a:r>
+            <a:r>
+              <a:rPr lang="zh-CN" altLang="en-US" dirty="0" smtClean="0"/>
+              <a:t>、测</a:t>
+            </a:r>
+            <a:r>
+              <a:rPr lang="zh-CN" altLang="en-US" dirty="0"/>
+              <a:t>试库介绍</a:t>
+            </a:r>
+            <a:endParaRPr lang="en-US" altLang="zh-CN" dirty="0"/>
+          </a:p>
+          <a:p>
+            <a:r>
+              <a:rPr lang="en-US" altLang="zh-CN" dirty="0" smtClean="0"/>
+              <a:t>5</a:t>
+            </a:r>
+            <a:r>
+              <a:rPr lang="zh-CN" altLang="en-US" dirty="0" smtClean="0"/>
+              <a:t>、测</a:t>
+            </a:r>
+            <a:r>
+              <a:rPr lang="zh-CN" altLang="en-US" dirty="0"/>
+              <a:t>试脚本实例讲解</a:t>
+            </a:r>
+          </a:p>
+          <a:p>
+            <a:endParaRPr lang="zh-CN" altLang="en-US" dirty="0"/>
+          </a:p>
+        </p:txBody>
+      </p:sp>
+    </p:spTree>
+    <p:extLst>
+      <p:ext uri="{BB962C8B-B14F-4D97-AF65-F5344CB8AC3E}">
+        <p14:creationId xmlns:p14="http://schemas.microsoft.com/office/powerpoint/2010/main" val="3897344169"/>
+      </p:ext>
+    </p:extLst>
+  </p:cSld>
+  <p:clrMapOvr>
+    <a:masterClrMapping/>
+  </p:clrMapOvr>
+</p:sld>
+</file>
+
+<file path=ppt/slides/slide6.xml><?xml version="1.0" encoding="utf-8"?>
+<p:sld xmlns:a="http://schemas.openxmlformats.org/drawingml/2006/main" xmlns:r="http://schemas.openxmlformats.org/officeDocument/2006/relationships" xmlns:p="http://schemas.openxmlformats.org/presentationml/2006/main">
+  <p:cSld>
+    <p:spTree>
+      <p:nvGrpSpPr>
+        <p:cNvPr id="1" name=""/>
+        <p:cNvGrpSpPr/>
+        <p:nvPr/>
+      </p:nvGrpSpPr>
+      <p:grpSpPr>
+        <a:xfrm>
+          <a:off x="0" y="0"/>
+          <a:ext cx="0" cy="0"/>
+          <a:chOff x="0" y="0"/>
+          <a:chExt cx="0" cy="0"/>
+        </a:xfrm>
+      </p:grpSpPr>
+      <p:sp>
+        <p:nvSpPr>
+          <p:cNvPr id="5" name="标题 4"/>
+          <p:cNvSpPr>
+            <a:spLocks noGrp="1"/>
+          </p:cNvSpPr>
+          <p:nvPr>
+            <p:ph type="title"/>
+          </p:nvPr>
+        </p:nvSpPr>
+        <p:spPr>
+          <a:xfrm>
+            <a:off x="1907704" y="1226641"/>
+            <a:ext cx="5486400" cy="522288"/>
+          </a:xfrm>
+        </p:spPr>
+        <p:txBody>
+          <a:bodyPr>
+            <a:noAutofit/>
+          </a:bodyPr>
+          <a:lstStyle/>
+          <a:p>
+            <a:r>
+              <a:rPr lang="zh-CN" altLang="en-US" sz="4800" dirty="0"/>
+              <a:t>自动化框架介</a:t>
+            </a:r>
+            <a:r>
+              <a:rPr lang="zh-CN" altLang="en-US" sz="4800" dirty="0" smtClean="0"/>
+              <a:t>绍</a:t>
+            </a:r>
+            <a:r>
+              <a:rPr lang="en-US" altLang="zh-CN" sz="4800" dirty="0"/>
+              <a:t/>
+            </a:r>
+            <a:br>
+              <a:rPr lang="en-US" altLang="zh-CN" sz="4800" dirty="0"/>
+            </a:br>
+            <a:r>
+              <a:rPr lang="en-US" altLang="zh-CN" sz="4800" dirty="0" smtClean="0"/>
+              <a:t> </a:t>
+            </a:r>
+            <a:r>
+              <a:rPr lang="en-US" altLang="zh-CN" dirty="0" smtClean="0"/>
+              <a:t>Main</a:t>
+            </a:r>
+            <a:r>
+              <a:rPr lang="en-US" altLang="zh-CN" sz="4800" dirty="0" smtClean="0"/>
+              <a:t> </a:t>
+            </a:r>
+            <a:r>
+              <a:rPr lang="en-US" altLang="zh-CN" dirty="0" smtClean="0"/>
+              <a:t>Architecture</a:t>
+            </a:r>
+            <a:endParaRPr lang="zh-CN" altLang="en-US" dirty="0"/>
+          </a:p>
+        </p:txBody>
+      </p:sp>
+      <p:pic>
+        <p:nvPicPr>
+          <p:cNvPr id="18" name="图片 17"/>
+          <p:cNvPicPr>
+            <a:picLocks noChangeAspect="1"/>
+          </p:cNvPicPr>
+          <p:nvPr/>
+        </p:nvPicPr>
+        <p:blipFill>
+          <a:blip r:embed="rId2">
+            <a:extLst>
+              <a:ext uri="{28A0092B-C50C-407E-A947-70E740481C1C}">
+                <a14:useLocalDpi xmlns:a14="http://schemas.microsoft.com/office/drawing/2010/main" val="0"/>
+              </a:ext>
+            </a:extLst>
+          </a:blip>
+          <a:stretch>
+            <a:fillRect/>
+          </a:stretch>
+        </p:blipFill>
+        <p:spPr>
+          <a:xfrm>
+            <a:off x="1264411" y="1988840"/>
+            <a:ext cx="6772986" cy="3792537"/>
+          </a:xfrm>
+          <a:prstGeom prst="rect">
+            <a:avLst/>
+          </a:prstGeom>
+        </p:spPr>
+      </p:pic>
+      <p:sp>
+        <p:nvSpPr>
+          <p:cNvPr id="19" name="文本框 18"/>
+          <p:cNvSpPr txBox="1"/>
+          <p:nvPr/>
+        </p:nvSpPr>
+        <p:spPr>
+          <a:xfrm>
+            <a:off x="1264411" y="6021288"/>
+            <a:ext cx="5904656" cy="646331"/>
+          </a:xfrm>
+          <a:prstGeom prst="rect">
+            <a:avLst/>
+          </a:prstGeom>
+          <a:noFill/>
+        </p:spPr>
+        <p:txBody>
+          <a:bodyPr wrap="square" rtlCol="0">
+            <a:spAutoFit/>
+          </a:bodyPr>
+          <a:lstStyle/>
+          <a:p>
+            <a:r>
+              <a:rPr lang="en-US" altLang="zh-CN" dirty="0" smtClean="0"/>
+              <a:t>Test Libraries: appiumLibrary, CustomLibrary.</a:t>
+            </a:r>
+          </a:p>
+          <a:p>
+            <a:r>
+              <a:rPr lang="en-US" altLang="zh-CN" dirty="0" smtClean="0"/>
+              <a:t>Test Tools: </a:t>
+            </a:r>
+            <a:r>
+              <a:rPr lang="en-US" altLang="zh-CN" dirty="0" err="1" smtClean="0"/>
+              <a:t>appium</a:t>
+            </a:r>
+            <a:r>
+              <a:rPr lang="en-US" altLang="zh-CN" dirty="0" smtClean="0"/>
+              <a:t>, monkey, monkeyrunner</a:t>
+            </a:r>
+            <a:r>
+              <a:rPr lang="zh-CN" altLang="en-US" dirty="0"/>
+              <a:t> </a:t>
+            </a:r>
+            <a:r>
+              <a:rPr lang="en-US" altLang="zh-CN" dirty="0" smtClean="0"/>
+              <a:t>and so on.</a:t>
+            </a:r>
+            <a:endParaRPr lang="zh-CN" altLang="en-US" dirty="0"/>
+          </a:p>
+        </p:txBody>
+      </p:sp>
+    </p:spTree>
+    <p:extLst>
+      <p:ext uri="{BB962C8B-B14F-4D97-AF65-F5344CB8AC3E}">
+        <p14:creationId xmlns:p14="http://schemas.microsoft.com/office/powerpoint/2010/main" val="1305800053"/>
+      </p:ext>
+    </p:extLst>
+  </p:cSld>
+  <p:clrMapOvr>
+    <a:masterClrMapping/>
+  </p:clrMapOvr>
+  <p:timing>
+    <p:tnLst>
+      <p:par>
+        <p:cTn id="1" dur="indefinite" restart="never" nodeType="tmRoot"/>
+      </p:par>
+    </p:tnLst>
+  </p:timing>
+</p:sld>
+</file>
+
+<file path=ppt/slides/slide7.xml><?xml version="1.0" encoding="utf-8"?>
+<p:sld xmlns:a="http://schemas.openxmlformats.org/drawingml/2006/main" xmlns:r="http://schemas.openxmlformats.org/officeDocument/2006/relationships" xmlns:p="http://schemas.openxmlformats.org/presentationml/2006/main">
+  <p:cSld>
+    <p:spTree>
+      <p:nvGrpSpPr>
+        <p:cNvPr id="1" name=""/>
+        <p:cNvGrpSpPr/>
+        <p:nvPr/>
+      </p:nvGrpSpPr>
+      <p:grpSpPr>
+        <a:xfrm>
+          <a:off x="0" y="0"/>
+          <a:ext cx="0" cy="0"/>
+          <a:chOff x="0" y="0"/>
+          <a:chExt cx="0" cy="0"/>
+        </a:xfrm>
+      </p:grpSpPr>
+      <p:sp>
+        <p:nvSpPr>
+          <p:cNvPr id="2" name="标题 1"/>
+          <p:cNvSpPr>
+            <a:spLocks noGrp="1"/>
+          </p:cNvSpPr>
+          <p:nvPr>
+            <p:ph type="title"/>
+          </p:nvPr>
+        </p:nvSpPr>
+        <p:spPr>
+          <a:xfrm>
+            <a:off x="1471112" y="0"/>
+            <a:ext cx="7086600" cy="1828800"/>
+          </a:xfrm>
+        </p:spPr>
+        <p:txBody>
+          <a:bodyPr/>
+          <a:lstStyle/>
+          <a:p>
+            <a:r>
+              <a:rPr lang="en-US" altLang="zh-CN" dirty="0" smtClean="0"/>
+              <a:t>Robot Framework</a:t>
+            </a:r>
+            <a:br>
+              <a:rPr lang="en-US" altLang="zh-CN" dirty="0" smtClean="0"/>
+            </a:br>
+            <a:endParaRPr lang="zh-CN" altLang="en-US" dirty="0"/>
+          </a:p>
+        </p:txBody>
+      </p:sp>
+      <p:sp>
+        <p:nvSpPr>
+          <p:cNvPr id="3" name="文本占位符 2"/>
+          <p:cNvSpPr>
+            <a:spLocks noGrp="1"/>
+          </p:cNvSpPr>
+          <p:nvPr>
+            <p:ph type="body" idx="1"/>
+          </p:nvPr>
+        </p:nvSpPr>
+        <p:spPr>
+          <a:xfrm>
+            <a:off x="1471112" y="1772816"/>
+            <a:ext cx="7200800" cy="4536504"/>
+          </a:xfrm>
+        </p:spPr>
+        <p:txBody>
+          <a:bodyPr>
+            <a:normAutofit/>
+          </a:bodyPr>
+          <a:lstStyle/>
+          <a:p>
+            <a:r>
+              <a:rPr lang="en-US" altLang="zh-CN" dirty="0" smtClean="0"/>
+              <a:t>1</a:t>
+            </a:r>
+            <a:r>
+              <a:rPr lang="zh-CN" altLang="en-US" dirty="0" smtClean="0"/>
+              <a:t>、</a:t>
+            </a:r>
+            <a:r>
+              <a:rPr lang="en-US" altLang="zh-CN" dirty="0" smtClean="0"/>
+              <a:t>Robot Framework: </a:t>
+            </a:r>
+            <a:r>
+              <a:rPr lang="en-US" altLang="zh-CN" b="1" dirty="0" smtClean="0"/>
+              <a:t>python</a:t>
+            </a:r>
+            <a:r>
+              <a:rPr lang="zh-CN" altLang="en-US" b="1" dirty="0" smtClean="0"/>
+              <a:t>编写的功能自动化测试框架。具备良好的可扩展性，支持关键字驱动，可以同时测试多种类型的客户端或者接口，可以进行</a:t>
+            </a:r>
+            <a:r>
+              <a:rPr lang="zh-CN" altLang="en-US" b="1" dirty="0" smtClean="0">
+                <a:solidFill>
+                  <a:srgbClr val="FF0000"/>
+                </a:solidFill>
+              </a:rPr>
+              <a:t>分布式测试</a:t>
+            </a:r>
+            <a:r>
+              <a:rPr lang="zh-CN" altLang="en-US" b="1" dirty="0" smtClean="0"/>
+              <a:t>执行。主要用于轮次很多的验收测试和验收测试驱动开发</a:t>
+            </a:r>
+            <a:r>
+              <a:rPr lang="zh-CN" altLang="en-US" dirty="0" smtClean="0"/>
+              <a:t> 。</a:t>
+            </a:r>
+            <a:endParaRPr lang="en-US" altLang="zh-CN" dirty="0" smtClean="0"/>
+          </a:p>
+          <a:p>
+            <a:r>
+              <a:rPr lang="en-US" altLang="zh-CN" dirty="0" smtClean="0"/>
+              <a:t>2</a:t>
+            </a:r>
+            <a:r>
+              <a:rPr lang="zh-CN" altLang="en-US" dirty="0" smtClean="0"/>
+              <a:t>、语法</a:t>
+            </a:r>
+            <a:r>
+              <a:rPr lang="zh-CN" altLang="en-US" dirty="0"/>
+              <a:t>简单</a:t>
+            </a:r>
+            <a:r>
+              <a:rPr lang="zh-CN" altLang="en-US" dirty="0" smtClean="0"/>
+              <a:t>：</a:t>
+            </a:r>
+            <a:endParaRPr lang="en-US" altLang="zh-CN" dirty="0" smtClean="0"/>
+          </a:p>
+          <a:p>
+            <a:pPr marL="416052" indent="-342900">
+              <a:buFont typeface="Arial" panose="020B0604020202020204" pitchFamily="34" charset="0"/>
+              <a:buChar char="•"/>
+            </a:pPr>
+            <a:r>
+              <a:rPr lang="zh-CN" altLang="en-US" dirty="0" smtClean="0"/>
+              <a:t>易</a:t>
+            </a:r>
+            <a:r>
+              <a:rPr lang="zh-CN" altLang="en-US" dirty="0"/>
+              <a:t>于使用的表</a:t>
+            </a:r>
+            <a:r>
+              <a:rPr lang="zh-CN" altLang="en-US" dirty="0" smtClean="0"/>
+              <a:t>格测</a:t>
+            </a:r>
+            <a:r>
+              <a:rPr lang="zh-CN" altLang="en-US" dirty="0"/>
+              <a:t>试数</a:t>
+            </a:r>
+            <a:r>
+              <a:rPr lang="zh-CN" altLang="en-US" dirty="0" smtClean="0"/>
+              <a:t>据</a:t>
+            </a:r>
+            <a:endParaRPr lang="en-US" altLang="zh-CN" dirty="0" smtClean="0"/>
+          </a:p>
+          <a:p>
+            <a:pPr marL="416052" indent="-342900">
+              <a:buFont typeface="Arial" panose="020B0604020202020204" pitchFamily="34" charset="0"/>
+              <a:buChar char="•"/>
+            </a:pPr>
+            <a:r>
+              <a:rPr lang="zh-CN" altLang="en-US" dirty="0" smtClean="0"/>
+              <a:t>关键字驱动，</a:t>
+            </a:r>
+            <a:r>
+              <a:rPr lang="zh-CN" altLang="zh-CN" dirty="0"/>
+              <a:t>数据库驱动和行为驱动</a:t>
+            </a:r>
+            <a:endParaRPr lang="en-US" altLang="zh-CN" dirty="0" smtClean="0"/>
+          </a:p>
+          <a:p>
+            <a:pPr marL="416052" indent="-342900">
+              <a:buFont typeface="Arial" panose="020B0604020202020204" pitchFamily="34" charset="0"/>
+              <a:buChar char="•"/>
+            </a:pPr>
+            <a:r>
+              <a:rPr lang="zh-CN" altLang="en-US" dirty="0"/>
+              <a:t>可扩</a:t>
+            </a:r>
+            <a:r>
+              <a:rPr lang="zh-CN" altLang="en-US" dirty="0" smtClean="0"/>
+              <a:t>展的测试库（</a:t>
+            </a:r>
+            <a:r>
+              <a:rPr lang="en-US" altLang="zh-CN" dirty="0" smtClean="0"/>
+              <a:t>Python</a:t>
+            </a:r>
+            <a:r>
+              <a:rPr lang="zh-CN" altLang="en-US" dirty="0" smtClean="0"/>
+              <a:t>，</a:t>
+            </a:r>
+            <a:r>
+              <a:rPr lang="en-US" altLang="zh-CN" dirty="0" smtClean="0"/>
+              <a:t>Java</a:t>
+            </a:r>
+            <a:r>
+              <a:rPr lang="zh-CN" altLang="en-US" dirty="0" smtClean="0"/>
+              <a:t>）</a:t>
+            </a:r>
+            <a:endParaRPr lang="en-US" altLang="zh-CN" dirty="0" smtClean="0"/>
+          </a:p>
+          <a:p>
+            <a:r>
+              <a:rPr lang="en-US" altLang="zh-CN" dirty="0" smtClean="0"/>
+              <a:t>3</a:t>
+            </a:r>
+            <a:r>
+              <a:rPr lang="zh-CN" altLang="en-US" dirty="0" smtClean="0"/>
+              <a:t>、测试用例使用文本文件保存，使用制表符分割数据。可以方便的使用任何文本编辑器或者</a:t>
+            </a:r>
+            <a:r>
+              <a:rPr lang="en-US" altLang="zh-CN" dirty="0" smtClean="0"/>
+              <a:t>excel</a:t>
+            </a:r>
+            <a:r>
+              <a:rPr lang="zh-CN" altLang="en-US" dirty="0" smtClean="0"/>
+              <a:t>编辑测试用例，也可以使用</a:t>
+            </a:r>
+            <a:r>
+              <a:rPr lang="en-US" altLang="zh-CN" dirty="0" smtClean="0"/>
+              <a:t>html</a:t>
+            </a:r>
+            <a:r>
+              <a:rPr lang="zh-CN" altLang="en-US" dirty="0" smtClean="0"/>
+              <a:t>格式创建用例。</a:t>
+            </a:r>
+          </a:p>
+          <a:p>
+            <a:r>
+              <a:rPr lang="zh-CN" altLang="en-US" dirty="0" smtClean="0"/>
+              <a:t>更多语法可以参考</a:t>
+            </a:r>
+            <a:r>
+              <a:rPr lang="en-US" altLang="zh-CN" dirty="0" smtClean="0"/>
+              <a:t>RF </a:t>
+            </a:r>
+            <a:r>
+              <a:rPr lang="zh-CN" altLang="en-US" dirty="0" smtClean="0"/>
+              <a:t>介绍</a:t>
+            </a:r>
+            <a:endParaRPr lang="en-US" altLang="zh-CN" dirty="0" smtClean="0"/>
+          </a:p>
+          <a:p>
+            <a:endParaRPr lang="zh-CN" altLang="en-US" dirty="0" smtClean="0"/>
+          </a:p>
+          <a:p>
+            <a:endParaRPr lang="zh-CN" altLang="en-US" dirty="0"/>
+          </a:p>
+        </p:txBody>
+      </p:sp>
+    </p:spTree>
+    <p:extLst>
+      <p:ext uri="{BB962C8B-B14F-4D97-AF65-F5344CB8AC3E}">
+        <p14:creationId xmlns:p14="http://schemas.microsoft.com/office/powerpoint/2010/main" val="3411093328"/>
+      </p:ext>
+    </p:extLst>
+  </p:cSld>
+  <p:clrMapOvr>
+    <a:masterClrMapping/>
+  </p:clrMapOvr>
+  <p:timing>
+    <p:tnLst>
+      <p:par>
+        <p:cTn id="1" dur="indefinite" restart="never" nodeType="tmRoot"/>
+      </p:par>
+    </p:tnLst>
+  </p:timing>
+</p:sld>
+</file>
+
+<file path=ppt/slides/slide8.xml><?xml version="1.0" encoding="utf-8"?>
+<p:sld xmlns:a="http://schemas.openxmlformats.org/drawingml/2006/main" xmlns:r="http://schemas.openxmlformats.org/officeDocument/2006/relationships" xmlns:p="http://schemas.openxmlformats.org/presentationml/2006/main">
+  <p:cSld>
+    <p:spTree>
+      <p:nvGrpSpPr>
+        <p:cNvPr id="1" name=""/>
+        <p:cNvGrpSpPr/>
+        <p:nvPr/>
+      </p:nvGrpSpPr>
+      <p:grpSpPr>
+        <a:xfrm>
+          <a:off x="0" y="0"/>
+          <a:ext cx="0" cy="0"/>
+          <a:chOff x="0" y="0"/>
+          <a:chExt cx="0" cy="0"/>
+        </a:xfrm>
+      </p:grpSpPr>
+      <p:sp>
+        <p:nvSpPr>
+          <p:cNvPr id="2" name="标题 1"/>
+          <p:cNvSpPr>
+            <a:spLocks noGrp="1"/>
+          </p:cNvSpPr>
+          <p:nvPr>
+            <p:ph type="title"/>
+          </p:nvPr>
+        </p:nvSpPr>
+        <p:spPr>
+          <a:xfrm>
+            <a:off x="1600200" y="188640"/>
+            <a:ext cx="7086600" cy="1169640"/>
+          </a:xfrm>
+        </p:spPr>
+        <p:txBody>
+          <a:bodyPr/>
+          <a:lstStyle/>
+          <a:p>
+            <a:r>
+              <a:rPr lang="en-US" altLang="zh-CN" dirty="0" smtClean="0"/>
+              <a:t>Robot Framework</a:t>
+            </a:r>
+            <a:endParaRPr lang="zh-CN" altLang="en-US" dirty="0"/>
+          </a:p>
+        </p:txBody>
+      </p:sp>
+      <p:sp>
+        <p:nvSpPr>
+          <p:cNvPr id="3" name="文本占位符 2"/>
+          <p:cNvSpPr>
+            <a:spLocks noGrp="1"/>
+          </p:cNvSpPr>
+          <p:nvPr>
+            <p:ph type="body" idx="1"/>
+          </p:nvPr>
+        </p:nvSpPr>
+        <p:spPr>
+          <a:xfrm>
+            <a:off x="1600200" y="1916832"/>
+            <a:ext cx="7086600" cy="3528392"/>
+          </a:xfrm>
+        </p:spPr>
+        <p:txBody>
+          <a:bodyPr>
+            <a:normAutofit/>
+          </a:bodyPr>
+          <a:lstStyle/>
+          <a:p>
+            <a:pPr marL="416052" indent="-342900">
+              <a:lnSpc>
+                <a:spcPct val="90000"/>
+              </a:lnSpc>
+              <a:buFont typeface="Arial" panose="020B0604020202020204" pitchFamily="34" charset="0"/>
+              <a:buChar char="•"/>
+            </a:pPr>
+            <a:r>
+              <a:rPr lang="zh-CN" altLang="en-US" dirty="0" smtClean="0"/>
+              <a:t>提供了</a:t>
+            </a:r>
+            <a:r>
+              <a:rPr lang="zh-CN" altLang="en-US" dirty="0" smtClean="0">
+                <a:solidFill>
+                  <a:srgbClr val="FF0000"/>
+                </a:solidFill>
+              </a:rPr>
+              <a:t>命令行接口和</a:t>
+            </a:r>
+            <a:r>
+              <a:rPr lang="en-US" altLang="zh-CN" dirty="0" smtClean="0">
+                <a:solidFill>
+                  <a:srgbClr val="FF0000"/>
+                </a:solidFill>
+              </a:rPr>
+              <a:t>xml</a:t>
+            </a:r>
+            <a:r>
+              <a:rPr lang="zh-CN" altLang="en-US" dirty="0" smtClean="0">
+                <a:solidFill>
+                  <a:srgbClr val="FF0000"/>
+                </a:solidFill>
+              </a:rPr>
+              <a:t>格式</a:t>
+            </a:r>
+            <a:r>
+              <a:rPr lang="zh-CN" altLang="en-US" dirty="0" smtClean="0"/>
+              <a:t>的输出。可以与版本管理工具结合，进行持续集成。</a:t>
+            </a:r>
+          </a:p>
+          <a:p>
+            <a:pPr marL="416052" indent="-342900">
+              <a:lnSpc>
+                <a:spcPct val="90000"/>
+              </a:lnSpc>
+              <a:buFont typeface="Arial" panose="020B0604020202020204" pitchFamily="34" charset="0"/>
+              <a:buChar char="•"/>
+            </a:pPr>
+            <a:r>
+              <a:rPr lang="en-US" altLang="zh-CN" dirty="0" smtClean="0"/>
+              <a:t>Robot framework</a:t>
+            </a:r>
+            <a:r>
+              <a:rPr lang="zh-CN" altLang="en-US" dirty="0" smtClean="0"/>
+              <a:t>是通过测试库识别被测对象、操纵被测对象，有很多自带的或者第三方的开源测试库。</a:t>
+            </a:r>
+            <a:endParaRPr lang="en-US" altLang="zh-CN" dirty="0" smtClean="0"/>
+          </a:p>
+          <a:p>
+            <a:pPr marL="416052" indent="-342900">
+              <a:lnSpc>
+                <a:spcPct val="90000"/>
+              </a:lnSpc>
+              <a:buFont typeface="Arial" panose="020B0604020202020204" pitchFamily="34" charset="0"/>
+              <a:buChar char="•"/>
+            </a:pPr>
+            <a:r>
+              <a:rPr lang="zh-CN" altLang="en-US" dirty="0" smtClean="0"/>
+              <a:t>如：”</a:t>
+            </a:r>
+            <a:r>
+              <a:rPr lang="en-US" altLang="zh-CN" dirty="0" smtClean="0"/>
+              <a:t>selenium2Library“ </a:t>
+            </a:r>
+            <a:r>
+              <a:rPr lang="zh-CN" altLang="en-US" dirty="0" smtClean="0"/>
+              <a:t>库测试</a:t>
+            </a:r>
+            <a:r>
+              <a:rPr lang="en-US" altLang="zh-CN" dirty="0" smtClean="0"/>
+              <a:t>web</a:t>
+            </a:r>
+            <a:r>
+              <a:rPr lang="zh-CN" altLang="en-US" dirty="0" smtClean="0"/>
+              <a:t>客户端。此外还可以测试</a:t>
+            </a:r>
+            <a:r>
+              <a:rPr lang="en-US" altLang="zh-CN" dirty="0" smtClean="0"/>
+              <a:t>java</a:t>
+            </a:r>
+            <a:r>
+              <a:rPr lang="zh-CN" altLang="en-US" dirty="0" smtClean="0"/>
+              <a:t>客户端、</a:t>
+            </a:r>
+            <a:r>
+              <a:rPr lang="en-US" altLang="zh-CN" dirty="0" smtClean="0"/>
+              <a:t>win32</a:t>
+            </a:r>
+            <a:r>
+              <a:rPr lang="zh-CN" altLang="en-US" dirty="0" smtClean="0"/>
+              <a:t>客户端、</a:t>
+            </a:r>
+            <a:r>
+              <a:rPr lang="en-US" altLang="zh-CN" dirty="0" smtClean="0"/>
+              <a:t>SSH</a:t>
+            </a:r>
+            <a:r>
+              <a:rPr lang="zh-CN" altLang="en-US" dirty="0" smtClean="0"/>
+              <a:t>协议的字符终端等</a:t>
+            </a:r>
+            <a:endParaRPr lang="zh-CN" altLang="en-US" dirty="0"/>
+          </a:p>
+        </p:txBody>
+      </p:sp>
+    </p:spTree>
+  </p:cSld>
+  <p:clrMapOvr>
+    <a:masterClrMapping/>
+  </p:clrMapOvr>
+  <p:timing>
+    <p:tnLst>
+      <p:par>
+        <p:cTn id="1" dur="indefinite" restart="never" nodeType="tmRoot"/>
+      </p:par>
+    </p:tnLst>
+  </p:timing>
+</p:sld>
+</file>
+
 <file path=ppt/slides/slide9.xml><?xml version="1.0" encoding="utf-8"?>
 <p:sld xmlns:a="http://schemas.openxmlformats.org/drawingml/2006/main" xmlns:r="http://schemas.openxmlformats.org/officeDocument/2006/relationships" xmlns:p="http://schemas.openxmlformats.org/presentationml/2006/main">
   <p:cSld>
@@ -6242,22 +6692,14 @@
           <a:lstStyle/>
           <a:p>
             <a:r>
-              <a:rPr lang="zh-CN" altLang="en-US" dirty="0" smtClean="0"/>
-              <a:t>安装</a:t>
-            </a:r>
-            <a:r>
-              <a:rPr lang="en-US" altLang="zh-CN" dirty="0" smtClean="0"/>
-              <a:t>appium(windows</a:t>
-            </a:r>
-            <a:r>
-              <a:rPr lang="zh-CN" altLang="en-US" dirty="0" smtClean="0"/>
-              <a:t>下</a:t>
-            </a:r>
-            <a:r>
-              <a:rPr lang="en-US" altLang="zh-CN" dirty="0" smtClean="0"/>
-              <a:t>)</a:t>
-            </a:r>
-            <a:endParaRPr lang="zh-CN" altLang="en-US" dirty="0"/>
+              <a:rPr lang="en-US" altLang="zh-CN" sz="4400" dirty="0" smtClean="0"/>
+              <a:t>Appium</a:t>
+            </a:r>
+            <a:r>
+              <a:rPr lang="zh-CN" altLang="en-US" sz="4400" dirty="0"/>
+              <a:t>工具介绍</a:t>
+            </a:r>
+            <a:endParaRPr lang="en-US" altLang="zh-CN" sz="4400" dirty="0"/>
           </a:p>
         </p:txBody>
       </p:sp>
@@ -6273,126 +6715,288 @@
         </p:nvSpPr>
         <p:spPr/>
         <p:txBody>
-          <a:bodyPr/>
-          <a:lstStyle/>
-          <a:p>
-            <a:r>
-              <a:rPr lang="zh-CN" altLang="en-US" dirty="0" smtClean="0"/>
-              <a:t>命令行安装</a:t>
+          <a:bodyPr>
+            <a:normAutofit lnSpcReduction="10000"/>
+          </a:bodyPr>
+          <a:lstStyle/>
+          <a:p>
+            <a:r>
+              <a:rPr lang="en-US" altLang="zh-CN" dirty="0" smtClean="0">
+                <a:latin typeface="+mn-ea"/>
+              </a:rPr>
+              <a:t>Appium</a:t>
+            </a:r>
+            <a:r>
+              <a:rPr lang="zh-CN" altLang="en-US" dirty="0" smtClean="0">
+                <a:latin typeface="+mn-ea"/>
+              </a:rPr>
+              <a:t>是</a:t>
+            </a:r>
+            <a:r>
+              <a:rPr lang="zh-CN" altLang="en-US" dirty="0">
+                <a:latin typeface="+mn-ea"/>
+              </a:rPr>
+              <a:t>：</a:t>
+            </a:r>
+            <a:r>
+              <a:rPr lang="zh-CN" altLang="en-US" dirty="0" smtClean="0">
+                <a:latin typeface="+mn-ea"/>
+              </a:rPr>
+              <a:t>开源、跨平台，可以用来测试原生及混合的移动端应用。</a:t>
+            </a:r>
+            <a:endParaRPr lang="en-US" altLang="zh-CN" dirty="0" smtClean="0">
+              <a:latin typeface="+mn-ea"/>
+            </a:endParaRPr>
+          </a:p>
+          <a:p>
+            <a:r>
+              <a:rPr lang="zh-CN" altLang="en-US" dirty="0" smtClean="0">
+                <a:latin typeface="+mn-ea"/>
+              </a:rPr>
+              <a:t>支持</a:t>
+            </a:r>
+            <a:r>
+              <a:rPr lang="en-US" altLang="zh-CN" dirty="0" smtClean="0">
+                <a:latin typeface="+mn-ea"/>
+              </a:rPr>
+              <a:t>iOS</a:t>
+            </a:r>
+            <a:r>
+              <a:rPr lang="zh-CN" altLang="en-US" dirty="0" smtClean="0">
+                <a:latin typeface="+mn-ea"/>
+              </a:rPr>
+              <a:t>、</a:t>
+            </a:r>
+            <a:r>
+              <a:rPr lang="en-US" altLang="zh-CN" dirty="0" smtClean="0">
+                <a:latin typeface="+mn-ea"/>
+              </a:rPr>
+              <a:t>Android</a:t>
+            </a:r>
+            <a:r>
+              <a:rPr lang="zh-CN" altLang="en-US" dirty="0" smtClean="0">
+                <a:latin typeface="+mn-ea"/>
+              </a:rPr>
+              <a:t>及</a:t>
+            </a:r>
+            <a:r>
+              <a:rPr lang="en-US" altLang="zh-CN" dirty="0" smtClean="0">
+                <a:latin typeface="+mn-ea"/>
+              </a:rPr>
+              <a:t>FirefoxOS</a:t>
+            </a:r>
+            <a:r>
+              <a:rPr lang="zh-CN" altLang="en-US" dirty="0" smtClean="0">
+                <a:latin typeface="+mn-ea"/>
+              </a:rPr>
+              <a:t>平台测试。</a:t>
+            </a:r>
+            <a:endParaRPr lang="en-US" altLang="zh-CN" dirty="0">
+              <a:latin typeface="+mn-ea"/>
+            </a:endParaRPr>
+          </a:p>
+          <a:p>
+            <a:r>
+              <a:rPr lang="en-US" altLang="zh-CN" dirty="0" smtClean="0">
+                <a:latin typeface="+mn-ea"/>
+              </a:rPr>
+              <a:t>Appium</a:t>
+            </a:r>
+            <a:r>
+              <a:rPr lang="zh-CN" altLang="en-US" dirty="0" smtClean="0">
+                <a:latin typeface="+mn-ea"/>
+              </a:rPr>
+              <a:t>使用</a:t>
+            </a:r>
+            <a:r>
+              <a:rPr lang="en-US" altLang="zh-CN" dirty="0" smtClean="0">
+                <a:latin typeface="+mn-ea"/>
+              </a:rPr>
+              <a:t>WebDriver</a:t>
+            </a:r>
+            <a:r>
+              <a:rPr lang="zh-CN" altLang="en-US" dirty="0" smtClean="0">
+                <a:latin typeface="+mn-ea"/>
+              </a:rPr>
+              <a:t>的</a:t>
+            </a:r>
+            <a:r>
+              <a:rPr lang="en-US" altLang="zh-CN" dirty="0" smtClean="0">
+                <a:latin typeface="+mn-ea"/>
+              </a:rPr>
+              <a:t>json wire</a:t>
+            </a:r>
+            <a:r>
+              <a:rPr lang="zh-CN" altLang="en-US" dirty="0" smtClean="0">
+                <a:latin typeface="+mn-ea"/>
+              </a:rPr>
+              <a:t>协议，来驱动</a:t>
+            </a:r>
+            <a:r>
+              <a:rPr lang="en-US" altLang="zh-CN" dirty="0" smtClean="0">
+                <a:latin typeface="+mn-ea"/>
+              </a:rPr>
+              <a:t>Apple</a:t>
+            </a:r>
+            <a:r>
+              <a:rPr lang="zh-CN" altLang="en-US" dirty="0" smtClean="0">
+                <a:latin typeface="+mn-ea"/>
+              </a:rPr>
+              <a:t>系统的</a:t>
+            </a:r>
+            <a:r>
+              <a:rPr lang="en-US" altLang="zh-CN" dirty="0" smtClean="0">
+                <a:latin typeface="+mn-ea"/>
+              </a:rPr>
+              <a:t>UIAutomation</a:t>
+            </a:r>
+            <a:r>
+              <a:rPr lang="zh-CN" altLang="en-US" dirty="0" smtClean="0">
+                <a:latin typeface="+mn-ea"/>
+              </a:rPr>
+              <a:t>库、</a:t>
+            </a:r>
+            <a:r>
+              <a:rPr lang="en-US" altLang="zh-CN" dirty="0" smtClean="0">
+                <a:latin typeface="+mn-ea"/>
+              </a:rPr>
+              <a:t>Android</a:t>
+            </a:r>
+            <a:r>
+              <a:rPr lang="zh-CN" altLang="en-US" dirty="0" smtClean="0">
+                <a:latin typeface="+mn-ea"/>
+              </a:rPr>
+              <a:t>系统的</a:t>
+            </a:r>
+            <a:r>
+              <a:rPr lang="en-US" altLang="zh-CN" dirty="0" err="1" smtClean="0">
+                <a:latin typeface="+mn-ea"/>
+              </a:rPr>
+              <a:t>Uiautomator</a:t>
+            </a:r>
+            <a:r>
+              <a:rPr lang="zh-CN" altLang="en-US" dirty="0" smtClean="0">
+                <a:latin typeface="+mn-ea"/>
+              </a:rPr>
+              <a:t>框架（</a:t>
+            </a:r>
+            <a:r>
+              <a:rPr lang="en-US" altLang="zh-CN" dirty="0"/>
+              <a:t>Appium</a:t>
+            </a:r>
+            <a:r>
+              <a:rPr lang="zh-CN" altLang="en-US" dirty="0"/>
+              <a:t>在</a:t>
+            </a:r>
+            <a:r>
+              <a:rPr lang="en-US" altLang="zh-CN" dirty="0"/>
+              <a:t>4.1</a:t>
+            </a:r>
+            <a:r>
+              <a:rPr lang="zh-CN" altLang="en-US" dirty="0"/>
+              <a:t>以上</a:t>
+            </a:r>
+            <a:r>
+              <a:rPr lang="zh-CN" altLang="en-US" dirty="0" smtClean="0"/>
+              <a:t>使用</a:t>
+            </a:r>
+            <a:r>
+              <a:rPr lang="en-US" altLang="zh-CN" dirty="0" err="1" smtClean="0"/>
+              <a:t>uiautomator</a:t>
+            </a:r>
+            <a:r>
+              <a:rPr lang="zh-CN" altLang="en-US" dirty="0" smtClean="0"/>
+              <a:t>，</a:t>
+            </a:r>
+            <a:r>
+              <a:rPr lang="en-US" altLang="zh-CN" dirty="0" smtClean="0"/>
+              <a:t>4.1</a:t>
+            </a:r>
+            <a:r>
+              <a:rPr lang="zh-CN" altLang="en-US" dirty="0"/>
+              <a:t>以下使用</a:t>
+            </a:r>
+            <a:r>
+              <a:rPr lang="en-US" altLang="zh-CN" dirty="0" smtClean="0"/>
+              <a:t>selendroid</a:t>
+            </a:r>
+            <a:r>
+              <a:rPr lang="zh-CN" altLang="en-US" dirty="0" smtClean="0">
+                <a:latin typeface="+mn-ea"/>
+              </a:rPr>
+              <a:t>）。</a:t>
+            </a:r>
+            <a:endParaRPr lang="en-US" altLang="zh-CN" dirty="0">
+              <a:latin typeface="+mn-ea"/>
+            </a:endParaRPr>
+          </a:p>
+          <a:p>
+            <a:r>
+              <a:rPr lang="zh-CN" altLang="en-US" dirty="0" smtClean="0"/>
+              <a:t>跨</a:t>
+            </a:r>
+            <a:r>
+              <a:rPr lang="zh-CN" altLang="en-US" dirty="0"/>
+              <a:t>语言，</a:t>
+            </a:r>
+            <a:r>
+              <a:rPr lang="en-US" altLang="zh-CN" dirty="0"/>
+              <a:t>java python ruby nodejs </a:t>
+            </a:r>
+            <a:r>
+              <a:rPr lang="en-US" altLang="zh-CN" dirty="0" smtClean="0"/>
+              <a:t>php</a:t>
+            </a:r>
+          </a:p>
+          <a:p>
+            <a:r>
+              <a:rPr lang="zh-CN" altLang="en-US" dirty="0" smtClean="0"/>
+              <a:t>跨</a:t>
+            </a:r>
+            <a:r>
+              <a:rPr lang="en-US" altLang="zh-CN" dirty="0"/>
+              <a:t>app, </a:t>
+            </a:r>
+            <a:r>
+              <a:rPr lang="zh-CN" altLang="en-US" dirty="0"/>
+              <a:t>可以在多个</a:t>
+            </a:r>
+            <a:r>
+              <a:rPr lang="en-US" altLang="zh-CN" dirty="0"/>
+              <a:t>app</a:t>
+            </a:r>
+            <a:r>
+              <a:rPr lang="zh-CN" altLang="en-US" dirty="0"/>
+              <a:t>之间交</a:t>
+            </a:r>
+            <a:r>
+              <a:rPr lang="zh-CN" altLang="en-US" dirty="0" smtClean="0"/>
+              <a:t>互</a:t>
             </a:r>
             <a:endParaRPr lang="en-US" altLang="zh-CN" dirty="0" smtClean="0"/>
           </a:p>
           <a:p>
-            <a:pPr>
-              <a:buNone/>
-            </a:pPr>
-            <a:r>
-              <a:rPr lang="en-US" altLang="zh-CN" dirty="0" smtClean="0"/>
-              <a:t>1.</a:t>
-            </a:r>
-            <a:r>
-              <a:rPr lang="zh-CN" altLang="en-US" dirty="0" smtClean="0"/>
-              <a:t>安装</a:t>
-            </a:r>
-            <a:r>
-              <a:rPr lang="en-US" altLang="zh-CN" dirty="0" smtClean="0"/>
-              <a:t>node(</a:t>
-            </a:r>
-            <a:r>
-              <a:rPr lang="zh-CN" altLang="en-US" dirty="0" smtClean="0"/>
-              <a:t>下载</a:t>
-            </a:r>
-            <a:r>
-              <a:rPr lang="en-US" altLang="zh-CN" dirty="0" smtClean="0"/>
-              <a:t>exe,</a:t>
-            </a:r>
-            <a:r>
-              <a:rPr lang="zh-CN" altLang="en-US" dirty="0" smtClean="0"/>
-              <a:t>双击安装</a:t>
-            </a:r>
-            <a:r>
-              <a:rPr lang="en-US" altLang="zh-CN" dirty="0" smtClean="0"/>
-              <a:t>)</a:t>
-            </a:r>
-          </a:p>
-          <a:p>
-            <a:pPr>
-              <a:buNone/>
-            </a:pPr>
-            <a:r>
-              <a:rPr lang="en-US" altLang="zh-CN" dirty="0" smtClean="0"/>
-              <a:t>2.npm install –g appium (</a:t>
-            </a:r>
-            <a:r>
-              <a:rPr lang="zh-CN" altLang="en-US" dirty="0" smtClean="0"/>
-              <a:t>命令行</a:t>
-            </a:r>
-            <a:r>
-              <a:rPr lang="en-US" altLang="zh-CN" dirty="0" smtClean="0"/>
-              <a:t>)</a:t>
-            </a:r>
-            <a:endParaRPr lang="zh-CN" altLang="en-US" dirty="0" smtClean="0"/>
-          </a:p>
-          <a:p>
-            <a:pPr>
-              <a:buNone/>
-            </a:pPr>
-            <a:r>
-              <a:rPr lang="en-US" altLang="zh-CN" dirty="0" smtClean="0"/>
-              <a:t>3.</a:t>
-            </a:r>
-            <a:r>
-              <a:rPr lang="zh-CN" altLang="en-US" dirty="0" smtClean="0"/>
-              <a:t> </a:t>
-            </a:r>
-            <a:r>
-              <a:rPr lang="en-US" altLang="zh-CN" dirty="0" smtClean="0"/>
-              <a:t>appium  (</a:t>
-            </a:r>
-            <a:r>
-              <a:rPr lang="zh-CN" altLang="en-US" dirty="0" smtClean="0"/>
-              <a:t>命令行启动 </a:t>
-            </a:r>
-            <a:r>
-              <a:rPr lang="en-US" altLang="zh-CN" dirty="0" smtClean="0"/>
-              <a:t>)</a:t>
-            </a:r>
-          </a:p>
-          <a:p>
-            <a:r>
-              <a:rPr lang="zh-CN" altLang="en-US" dirty="0" smtClean="0"/>
-              <a:t>下载</a:t>
-            </a:r>
-            <a:r>
-              <a:rPr lang="en-US" altLang="zh-CN" dirty="0" smtClean="0"/>
-              <a:t>AppiumForWindows.zip(</a:t>
-            </a:r>
-            <a:r>
-              <a:rPr lang="zh-CN" altLang="en-US" dirty="0" smtClean="0"/>
-              <a:t>图形界面</a:t>
-            </a:r>
-            <a:r>
-              <a:rPr lang="en-US" altLang="zh-CN" dirty="0" smtClean="0"/>
-              <a:t>)</a:t>
-            </a:r>
-          </a:p>
-          <a:p>
-            <a:pPr>
-              <a:buNone/>
-            </a:pPr>
-            <a:r>
-              <a:rPr lang="zh-CN" altLang="en-US" dirty="0" smtClean="0"/>
-              <a:t>双击</a:t>
-            </a:r>
-            <a:r>
-              <a:rPr lang="en-US" altLang="zh-CN" dirty="0" smtClean="0"/>
-              <a:t>appium.exe</a:t>
-            </a:r>
-            <a:r>
-              <a:rPr lang="zh-CN" altLang="en-US" dirty="0" smtClean="0"/>
-              <a:t>启动</a:t>
-            </a:r>
-            <a:endParaRPr lang="en-US" altLang="zh-CN" dirty="0" smtClean="0"/>
+            <a:r>
+              <a:rPr lang="zh-CN" altLang="en-US" dirty="0" smtClean="0"/>
+              <a:t>不</a:t>
+            </a:r>
+            <a:r>
+              <a:rPr lang="zh-CN" altLang="en-US" dirty="0"/>
+              <a:t>依赖源代</a:t>
+            </a:r>
+            <a:r>
+              <a:rPr lang="zh-CN" altLang="en-US" dirty="0" smtClean="0"/>
+              <a:t>码，不</a:t>
+            </a:r>
+            <a:r>
+              <a:rPr lang="zh-CN" altLang="en-US" dirty="0"/>
+              <a:t>限制测试框架和平台</a:t>
+            </a:r>
+          </a:p>
+          <a:p>
+            <a:endParaRPr lang="en-US" altLang="zh-CN" dirty="0">
+              <a:latin typeface="+mn-ea"/>
+            </a:endParaRPr>
           </a:p>
         </p:txBody>
       </p:sp>
@@ -6419,7 +7023,7 @@
         <a:sysClr val="windowText" lastClr="000000"/>
       </a:dk1>
       <a:lt1>
-        <a:sysClr val="window" lastClr="CCE8CF"/>
+        <a:sysClr val="window" lastClr="C7EDCC"/>
       </a:lt1>
       <a:dk2>
         <a:srgbClr val="69676D"/>
@@ -6706,7 +7310,7 @@
         <a:sysClr val="windowText" lastClr="000000"/>
       </a:dk1>
       <a:lt1>
-        <a:sysClr val="window" lastClr="CCE8CF"/>
+        <a:sysClr val="window" lastClr="C7EDCC"/>
       </a:lt1>
       <a:dk2>
         <a:srgbClr val="1F497D"/>

--- a/自动化安装包/移动互联网事业部测试自动化实施方案介绍_张修海.pptx
+++ b/自动化安装包/移动互联网事业部测试自动化实施方案介绍_张修海.pptx
@@ -227,7 +227,7 @@
             <a:fld id="{1ABDA899-DA1E-4A5B-8256-113826469DC4}" type="datetimeFigureOut">
               <a:rPr lang="zh-CN" altLang="en-US" smtClean="0"/>
               <a:pPr/>
-              <a:t>2016/3/24</a:t>
+              <a:t>2016/4/21</a:t>
             </a:fld>
             <a:endParaRPr lang="zh-CN" altLang="en-US"/>
           </a:p>
@@ -782,7 +782,7 @@
             <a:fld id="{530820CF-B880-4189-942D-D702A7CBA730}" type="datetimeFigureOut">
               <a:rPr lang="zh-CN" altLang="en-US" smtClean="0"/>
               <a:pPr/>
-              <a:t>2016/3/24</a:t>
+              <a:t>2016/4/21</a:t>
             </a:fld>
             <a:endParaRPr lang="zh-CN" altLang="en-US"/>
           </a:p>
@@ -1010,7 +1010,7 @@
             <a:fld id="{530820CF-B880-4189-942D-D702A7CBA730}" type="datetimeFigureOut">
               <a:rPr lang="zh-CN" altLang="en-US" smtClean="0"/>
               <a:pPr/>
-              <a:t>2016/3/24</a:t>
+              <a:t>2016/4/21</a:t>
             </a:fld>
             <a:endParaRPr lang="zh-CN" altLang="en-US"/>
           </a:p>
@@ -1187,7 +1187,7 @@
             <a:fld id="{530820CF-B880-4189-942D-D702A7CBA730}" type="datetimeFigureOut">
               <a:rPr lang="zh-CN" altLang="en-US" smtClean="0"/>
               <a:pPr/>
-              <a:t>2016/3/24</a:t>
+              <a:t>2016/4/21</a:t>
             </a:fld>
             <a:endParaRPr lang="zh-CN" altLang="en-US"/>
           </a:p>
@@ -1354,7 +1354,7 @@
             <a:fld id="{530820CF-B880-4189-942D-D702A7CBA730}" type="datetimeFigureOut">
               <a:rPr lang="zh-CN" altLang="en-US" smtClean="0"/>
               <a:pPr/>
-              <a:t>2016/3/24</a:t>
+              <a:t>2016/4/21</a:t>
             </a:fld>
             <a:endParaRPr lang="zh-CN" altLang="en-US"/>
           </a:p>
@@ -1600,7 +1600,7 @@
             <a:fld id="{530820CF-B880-4189-942D-D702A7CBA730}" type="datetimeFigureOut">
               <a:rPr lang="zh-CN" altLang="en-US" smtClean="0"/>
               <a:pPr/>
-              <a:t>2016/3/24</a:t>
+              <a:t>2016/4/21</a:t>
             </a:fld>
             <a:endParaRPr lang="zh-CN" altLang="en-US"/>
           </a:p>
@@ -1866,7 +1866,7 @@
             <a:fld id="{530820CF-B880-4189-942D-D702A7CBA730}" type="datetimeFigureOut">
               <a:rPr lang="zh-CN" altLang="en-US" smtClean="0"/>
               <a:pPr/>
-              <a:t>2016/3/24</a:t>
+              <a:t>2016/4/21</a:t>
             </a:fld>
             <a:endParaRPr lang="zh-CN" altLang="en-US"/>
           </a:p>
@@ -2242,7 +2242,7 @@
             <a:fld id="{530820CF-B880-4189-942D-D702A7CBA730}" type="datetimeFigureOut">
               <a:rPr lang="zh-CN" altLang="en-US" smtClean="0"/>
               <a:pPr/>
-              <a:t>2016/3/24</a:t>
+              <a:t>2016/4/21</a:t>
             </a:fld>
             <a:endParaRPr lang="zh-CN" altLang="en-US"/>
           </a:p>
@@ -2357,7 +2357,7 @@
             <a:fld id="{530820CF-B880-4189-942D-D702A7CBA730}" type="datetimeFigureOut">
               <a:rPr lang="zh-CN" altLang="en-US" smtClean="0"/>
               <a:pPr/>
-              <a:t>2016/3/24</a:t>
+              <a:t>2016/4/21</a:t>
             </a:fld>
             <a:endParaRPr lang="zh-CN" altLang="en-US"/>
           </a:p>
@@ -2449,7 +2449,7 @@
             <a:fld id="{530820CF-B880-4189-942D-D702A7CBA730}" type="datetimeFigureOut">
               <a:rPr lang="zh-CN" altLang="en-US" smtClean="0"/>
               <a:pPr/>
-              <a:t>2016/3/24</a:t>
+              <a:t>2016/4/21</a:t>
             </a:fld>
             <a:endParaRPr lang="zh-CN" altLang="en-US"/>
           </a:p>
@@ -2709,7 +2709,7 @@
             <a:fld id="{530820CF-B880-4189-942D-D702A7CBA730}" type="datetimeFigureOut">
               <a:rPr lang="zh-CN" altLang="en-US" smtClean="0"/>
               <a:pPr/>
-              <a:t>2016/3/24</a:t>
+              <a:t>2016/4/21</a:t>
             </a:fld>
             <a:endParaRPr lang="zh-CN" altLang="en-US"/>
           </a:p>
@@ -2975,7 +2975,7 @@
             <a:fld id="{530820CF-B880-4189-942D-D702A7CBA730}" type="datetimeFigureOut">
               <a:rPr lang="zh-CN" altLang="en-US" smtClean="0"/>
               <a:pPr/>
-              <a:t>2016/3/24</a:t>
+              <a:t>2016/4/21</a:t>
             </a:fld>
             <a:endParaRPr lang="zh-CN" altLang="en-US"/>
           </a:p>
@@ -3194,7 +3194,7 @@
             <a:fld id="{530820CF-B880-4189-942D-D702A7CBA730}" type="datetimeFigureOut">
               <a:rPr lang="zh-CN" altLang="en-US" smtClean="0"/>
               <a:pPr/>
-              <a:t>2016/3/24</a:t>
+              <a:t>2016/4/21</a:t>
             </a:fld>
             <a:endParaRPr lang="zh-CN" altLang="en-US"/>
           </a:p>
@@ -3670,12 +3670,14 @@
         </p:nvSpPr>
         <p:spPr>
           <a:xfrm>
-            <a:off x="539552" y="836712"/>
-            <a:ext cx="8229600" cy="1828800"/>
+            <a:off x="467544" y="908720"/>
+            <a:ext cx="8229600" cy="1468760"/>
           </a:xfrm>
         </p:spPr>
         <p:txBody>
-          <a:bodyPr/>
+          <a:bodyPr>
+            <a:normAutofit/>
+          </a:bodyPr>
           <a:lstStyle/>
           <a:p>
             <a:pPr algn="ctr"/>
@@ -3709,39 +3711,7 @@
                   </a:outerShdw>
                 </a:effectLst>
               </a:rPr>
-              <a:t>自</a:t>
-            </a:r>
-            <a:r>
-              <a:rPr lang="zh-CN" altLang="en-US" b="0" cap="none" dirty="0" smtClean="0">
-                <a:ln w="0"/>
-                <a:solidFill>
-                  <a:schemeClr val="accent1"/>
-                </a:solidFill>
-                <a:effectLst>
-                  <a:outerShdw blurRad="38100" dist="25400" dir="5400000" algn="ctr" rotWithShape="0">
-                    <a:srgbClr val="6E747A">
-                      <a:alpha val="43000"/>
-                    </a:srgbClr>
-                  </a:outerShdw>
-                </a:effectLst>
-              </a:rPr>
-              <a:t>动</a:t>
-            </a:r>
-            <a:r>
-              <a:rPr lang="zh-CN" altLang="en-US" b="0" cap="none" dirty="0" smtClean="0">
-                <a:ln w="0"/>
-                <a:solidFill>
-                  <a:schemeClr val="accent1"/>
-                </a:solidFill>
-                <a:effectLst>
-                  <a:outerShdw blurRad="38100" dist="25400" dir="5400000" algn="ctr" rotWithShape="0">
-                    <a:srgbClr val="6E747A">
-                      <a:alpha val="43000"/>
-                    </a:srgbClr>
-                  </a:outerShdw>
-                </a:effectLst>
-              </a:rPr>
-              <a:t>化讲解</a:t>
+              <a:t>自动化讲解</a:t>
             </a:r>
             <a:endParaRPr lang="zh-CN" altLang="en-US" b="0" cap="none" dirty="0">
               <a:ln w="0"/>
@@ -3767,7 +3737,7 @@
         </p:nvSpPr>
         <p:spPr>
           <a:xfrm>
-            <a:off x="6372200" y="6093296"/>
+            <a:off x="6372200" y="6021288"/>
             <a:ext cx="1271502" cy="369332"/>
           </a:xfrm>
           <a:prstGeom prst="rect">
@@ -3784,7 +3754,7 @@
             <a:fld id="{B37D8F23-327E-46DC-A199-86A8645481D3}" type="datetime1">
               <a:rPr lang="zh-CN" altLang="en-US" smtClean="0"/>
               <a:pPr/>
-              <a:t>2016/3/24</a:t>
+              <a:t>2016/4/21</a:t>
             </a:fld>
             <a:endParaRPr lang="zh-CN" altLang="en-US" dirty="0"/>
           </a:p>
@@ -3798,7 +3768,7 @@
         </p:nvSpPr>
         <p:spPr>
           <a:xfrm>
-            <a:off x="4716016" y="3856184"/>
+            <a:off x="5058016" y="3789040"/>
             <a:ext cx="1314184" cy="523220"/>
           </a:xfrm>
           <a:prstGeom prst="rect">
@@ -3862,7 +3832,12 @@
             <p:ph type="title"/>
           </p:nvPr>
         </p:nvSpPr>
-        <p:spPr/>
+        <p:spPr>
+          <a:xfrm>
+            <a:off x="1043608" y="332656"/>
+            <a:ext cx="7209519" cy="998984"/>
+          </a:xfrm>
+        </p:spPr>
         <p:txBody>
           <a:bodyPr/>
           <a:lstStyle/>
@@ -3908,8 +3883,8 @@
         </p:blipFill>
         <p:spPr bwMode="auto">
           <a:xfrm>
-            <a:off x="1500166" y="2000240"/>
-            <a:ext cx="5829300" cy="3076575"/>
+            <a:off x="1043608" y="1988840"/>
+            <a:ext cx="7209519" cy="3805024"/>
           </a:xfrm>
           <a:prstGeom prst="rect">
             <a:avLst/>
@@ -3966,10 +3941,15 @@
             <p:ph type="title"/>
           </p:nvPr>
         </p:nvSpPr>
-        <p:spPr/>
+        <p:spPr>
+          <a:xfrm>
+            <a:off x="755576" y="270546"/>
+            <a:ext cx="7601498" cy="1143000"/>
+          </a:xfrm>
+        </p:spPr>
         <p:txBody>
           <a:bodyPr>
-            <a:normAutofit fontScale="90000"/>
+            <a:normAutofit/>
           </a:bodyPr>
           <a:lstStyle/>
           <a:p>
@@ -3987,174 +3967,219 @@
             </a:r>
             <a:r>
               <a:rPr lang="zh-CN" altLang="en-US" sz="4400" dirty="0"/>
+              <a:t>安</a:t>
+            </a:r>
+            <a:r>
+              <a:rPr lang="zh-CN" altLang="en-US" sz="4400" dirty="0" smtClean="0"/>
+              <a:t>装</a:t>
+            </a:r>
+            <a:r>
+              <a:rPr lang="en-US" altLang="zh-CN" dirty="0" smtClean="0"/>
+              <a:t>(</a:t>
+            </a:r>
+            <a:r>
+              <a:rPr lang="en-US" altLang="zh-CN" dirty="0" smtClean="0"/>
+              <a:t>windows</a:t>
+            </a:r>
+            <a:r>
+              <a:rPr lang="zh-CN" altLang="en-US" dirty="0" smtClean="0"/>
+              <a:t>下</a:t>
+            </a:r>
+            <a:r>
+              <a:rPr lang="en-US" altLang="zh-CN" dirty="0" smtClean="0"/>
+              <a:t>)</a:t>
+            </a:r>
+            <a:endParaRPr lang="zh-CN" altLang="en-US" dirty="0"/>
+          </a:p>
+        </p:txBody>
+      </p:sp>
+      <p:sp>
+        <p:nvSpPr>
+          <p:cNvPr id="3" name="内容占位符 2"/>
+          <p:cNvSpPr>
+            <a:spLocks noGrp="1"/>
+          </p:cNvSpPr>
+          <p:nvPr>
+            <p:ph idx="1"/>
+          </p:nvPr>
+        </p:nvSpPr>
+        <p:spPr>
+          <a:xfrm>
+            <a:off x="755576" y="1628800"/>
+            <a:ext cx="7529490" cy="4735405"/>
+          </a:xfrm>
+        </p:spPr>
+        <p:txBody>
+          <a:bodyPr>
+            <a:normAutofit/>
+          </a:bodyPr>
+          <a:lstStyle/>
+          <a:p>
+            <a:r>
+              <a:rPr lang="zh-CN" altLang="en-US" sz="2400" dirty="0" smtClean="0"/>
               <a:t>安装</a:t>
             </a:r>
             <a:r>
-              <a:rPr lang="en-US" altLang="zh-CN" sz="4400" dirty="0"/>
-              <a:t/>
-            </a:r>
-            <a:br>
-              <a:rPr lang="en-US" altLang="zh-CN" sz="4400" dirty="0"/>
-            </a:br>
-            <a:r>
-              <a:rPr lang="en-US" altLang="zh-CN" dirty="0" smtClean="0"/>
-              <a:t>(windows</a:t>
-            </a:r>
-            <a:r>
-              <a:rPr lang="zh-CN" altLang="en-US" dirty="0" smtClean="0"/>
-              <a:t>下</a:t>
-            </a:r>
-            <a:r>
-              <a:rPr lang="en-US" altLang="zh-CN" dirty="0" smtClean="0"/>
-              <a:t>)</a:t>
-            </a:r>
-            <a:endParaRPr lang="zh-CN" altLang="en-US" dirty="0"/>
-          </a:p>
-        </p:txBody>
-      </p:sp>
-      <p:sp>
-        <p:nvSpPr>
-          <p:cNvPr id="3" name="内容占位符 2"/>
-          <p:cNvSpPr>
-            <a:spLocks noGrp="1"/>
-          </p:cNvSpPr>
-          <p:nvPr>
-            <p:ph idx="1"/>
-          </p:nvPr>
-        </p:nvSpPr>
-        <p:spPr/>
-        <p:txBody>
-          <a:bodyPr>
-            <a:normAutofit lnSpcReduction="10000"/>
-          </a:bodyPr>
-          <a:lstStyle/>
-          <a:p>
-            <a:r>
-              <a:rPr lang="zh-CN" altLang="en-US" dirty="0" smtClean="0"/>
+              <a:rPr lang="en-US" altLang="zh-CN" sz="2400" dirty="0" smtClean="0"/>
+              <a:t>Android-</a:t>
+            </a:r>
+            <a:r>
+              <a:rPr lang="en-US" altLang="zh-CN" sz="2400" dirty="0" err="1" smtClean="0"/>
+              <a:t>sdk</a:t>
+            </a:r>
+            <a:r>
+              <a:rPr lang="en-US" altLang="zh-CN" sz="2400" dirty="0" smtClean="0"/>
+              <a:t> </a:t>
+            </a:r>
+            <a:endParaRPr lang="en-US" altLang="zh-CN" sz="2400" dirty="0" smtClean="0"/>
+          </a:p>
+          <a:p>
+            <a:pPr marL="457200" lvl="1" indent="0">
+              <a:buNone/>
+            </a:pPr>
+            <a:r>
+              <a:rPr lang="en-US" altLang="zh-CN" sz="2000" dirty="0" smtClean="0"/>
+              <a:t>1</a:t>
+            </a:r>
+            <a:r>
+              <a:rPr lang="en-US" altLang="zh-CN" sz="2000" dirty="0" smtClean="0"/>
+              <a:t>.</a:t>
+            </a:r>
+            <a:r>
+              <a:rPr lang="zh-CN" altLang="en-US" sz="2000" dirty="0" smtClean="0"/>
               <a:t>安装</a:t>
             </a:r>
             <a:r>
-              <a:rPr lang="en-US" altLang="zh-CN" dirty="0" smtClean="0"/>
-              <a:t>Android-sdk </a:t>
-            </a:r>
+              <a:rPr lang="en-US" altLang="zh-CN" sz="2000" dirty="0" smtClean="0"/>
+              <a:t>sdk</a:t>
+            </a:r>
+            <a:r>
+              <a:rPr lang="zh-CN" altLang="en-US" sz="2000" dirty="0" smtClean="0"/>
+              <a:t>相关工</a:t>
+            </a:r>
+            <a:r>
+              <a:rPr lang="zh-CN" altLang="en-US" sz="2000" dirty="0" smtClean="0"/>
+              <a:t>具</a:t>
+            </a:r>
+            <a:endParaRPr lang="en-US" altLang="zh-CN" sz="2000" dirty="0"/>
+          </a:p>
+          <a:p>
+            <a:pPr marL="457200" lvl="1" indent="0">
+              <a:buNone/>
+            </a:pPr>
+            <a:r>
+              <a:rPr lang="en-US" altLang="zh-CN" sz="2000" dirty="0" smtClean="0"/>
+              <a:t>2</a:t>
+            </a:r>
+            <a:r>
+              <a:rPr lang="en-US" altLang="zh-CN" sz="2000" dirty="0" smtClean="0"/>
+              <a:t>.</a:t>
+            </a:r>
+            <a:r>
+              <a:rPr lang="zh-CN" altLang="en-US" sz="2000" dirty="0" smtClean="0"/>
+              <a:t>创建</a:t>
+            </a:r>
+            <a:r>
+              <a:rPr lang="en-US" altLang="zh-CN" sz="2000" dirty="0" smtClean="0"/>
+              <a:t>Android Virtual </a:t>
+            </a:r>
+            <a:r>
+              <a:rPr lang="en-US" altLang="zh-CN" sz="2000" dirty="0" smtClean="0"/>
+              <a:t>Devices</a:t>
+            </a:r>
+          </a:p>
+          <a:p>
+            <a:pPr marL="457200" lvl="1" indent="0">
+              <a:buNone/>
+            </a:pPr>
+            <a:r>
+              <a:rPr lang="en-US" altLang="zh-CN" sz="2000" dirty="0" smtClean="0"/>
+              <a:t>3</a:t>
+            </a:r>
+            <a:r>
+              <a:rPr lang="en-US" altLang="zh-CN" sz="2000" dirty="0" smtClean="0"/>
+              <a:t>.</a:t>
+            </a:r>
+            <a:r>
+              <a:rPr lang="zh-CN" altLang="en-US" sz="2000" dirty="0" smtClean="0"/>
+              <a:t>配置</a:t>
+            </a:r>
+            <a:r>
+              <a:rPr lang="en-US" altLang="zh-CN" sz="2000" dirty="0" smtClean="0"/>
+              <a:t>ANDROID_HOME</a:t>
+            </a:r>
+            <a:r>
+              <a:rPr lang="zh-CN" altLang="en-US" sz="2000" dirty="0" smtClean="0"/>
+              <a:t>、将</a:t>
+            </a:r>
+            <a:r>
+              <a:rPr lang="en-US" altLang="zh-CN" sz="2000" dirty="0" smtClean="0"/>
+              <a:t>tools</a:t>
+            </a:r>
+            <a:r>
+              <a:rPr lang="zh-CN" altLang="en-US" sz="2000" dirty="0" smtClean="0"/>
+              <a:t>和</a:t>
+            </a:r>
+            <a:r>
+              <a:rPr lang="en-US" altLang="zh-CN" sz="2000" dirty="0" smtClean="0"/>
+              <a:t>platform-tools</a:t>
+            </a:r>
+          </a:p>
+          <a:p>
+            <a:pPr lvl="1">
+              <a:buNone/>
+            </a:pPr>
+            <a:r>
+              <a:rPr lang="zh-CN" altLang="en-US" sz="2000" dirty="0" smtClean="0"/>
+              <a:t>添加到</a:t>
+            </a:r>
+            <a:r>
+              <a:rPr lang="en-US" altLang="zh-CN" sz="2000" dirty="0" smtClean="0"/>
+              <a:t>path</a:t>
+            </a:r>
+            <a:endParaRPr lang="en-US" altLang="zh-CN" sz="2000" dirty="0" smtClean="0"/>
           </a:p>
           <a:p>
             <a:pPr>
               <a:buNone/>
             </a:pPr>
-            <a:r>
-              <a:rPr lang="en-US" altLang="zh-CN" dirty="0" smtClean="0"/>
-              <a:t>1.</a:t>
-            </a:r>
-            <a:r>
-              <a:rPr lang="zh-CN" altLang="en-US" dirty="0" smtClean="0"/>
-              <a:t>安装</a:t>
-            </a:r>
-            <a:r>
-              <a:rPr lang="en-US" altLang="zh-CN" dirty="0" smtClean="0"/>
-              <a:t>sdk</a:t>
-            </a:r>
-            <a:r>
-              <a:rPr lang="zh-CN" altLang="en-US" dirty="0" smtClean="0"/>
-              <a:t>相关工具</a:t>
-            </a:r>
-            <a:endParaRPr lang="en-US" altLang="zh-CN" dirty="0" smtClean="0"/>
-          </a:p>
-          <a:p>
-            <a:pPr>
+            <a:endParaRPr lang="en-US" altLang="zh-CN" sz="2400" dirty="0" smtClean="0"/>
+          </a:p>
+          <a:p>
+            <a:pPr marL="137160" indent="0">
               <a:buNone/>
             </a:pPr>
-            <a:r>
-              <a:rPr lang="en-US" altLang="zh-CN" dirty="0" smtClean="0"/>
-              <a:t>2.</a:t>
-            </a:r>
-            <a:r>
-              <a:rPr lang="zh-CN" altLang="en-US" dirty="0" smtClean="0"/>
-              <a:t>创建</a:t>
-            </a:r>
-            <a:r>
-              <a:rPr lang="en-US" altLang="zh-CN" dirty="0" smtClean="0"/>
-              <a:t>Android Virtual Devices</a:t>
-            </a:r>
-          </a:p>
-          <a:p>
-            <a:pPr>
-              <a:buNone/>
-            </a:pPr>
-            <a:r>
-              <a:rPr lang="en-US" altLang="zh-CN" dirty="0" smtClean="0"/>
-              <a:t>3.</a:t>
-            </a:r>
-            <a:r>
-              <a:rPr lang="zh-CN" altLang="en-US" dirty="0" smtClean="0"/>
-              <a:t>配置</a:t>
-            </a:r>
-            <a:r>
-              <a:rPr lang="en-US" altLang="zh-CN" dirty="0" smtClean="0"/>
-              <a:t>ANDROID_HOME</a:t>
-            </a:r>
-            <a:r>
-              <a:rPr lang="zh-CN" altLang="en-US" dirty="0" smtClean="0"/>
-              <a:t>、将</a:t>
-            </a:r>
-            <a:r>
-              <a:rPr lang="en-US" altLang="zh-CN" dirty="0" smtClean="0"/>
-              <a:t>tools</a:t>
-            </a:r>
-            <a:r>
-              <a:rPr lang="zh-CN" altLang="en-US" dirty="0" smtClean="0"/>
-              <a:t>和</a:t>
-            </a:r>
-            <a:r>
-              <a:rPr lang="en-US" altLang="zh-CN" dirty="0" smtClean="0"/>
-              <a:t>platform-tools</a:t>
-            </a:r>
-            <a:r>
-              <a:rPr lang="zh-CN" altLang="en-US" dirty="0" smtClean="0"/>
-              <a:t>添加到</a:t>
-            </a:r>
-            <a:r>
-              <a:rPr lang="en-US" altLang="zh-CN" dirty="0" smtClean="0"/>
-              <a:t>path</a:t>
-            </a:r>
-          </a:p>
-          <a:p>
-            <a:pPr>
-              <a:buNone/>
-            </a:pPr>
-            <a:endParaRPr lang="en-US" altLang="zh-CN" dirty="0" smtClean="0"/>
-          </a:p>
-          <a:p>
-            <a:pPr>
-              <a:buNone/>
-            </a:pPr>
-            <a:endParaRPr lang="en-US" altLang="zh-CN" dirty="0" smtClean="0"/>
-          </a:p>
-          <a:p>
-            <a:r>
-              <a:rPr lang="zh-CN" altLang="en-US" dirty="0" smtClean="0"/>
+            <a:endParaRPr lang="en-US" altLang="zh-CN" sz="2400" dirty="0" smtClean="0"/>
+          </a:p>
+          <a:p>
+            <a:r>
+              <a:rPr lang="zh-CN" altLang="en-US" sz="2400" dirty="0" smtClean="0"/>
+              <a:t>安</a:t>
+            </a:r>
+            <a:r>
+              <a:rPr lang="zh-CN" altLang="en-US" sz="2400" dirty="0" smtClean="0"/>
+              <a:t>装</a:t>
+            </a:r>
+            <a:r>
+              <a:rPr lang="en-US" altLang="zh-CN" sz="2400" dirty="0" smtClean="0"/>
+              <a:t>jdk(</a:t>
+            </a:r>
+            <a:r>
+              <a:rPr lang="zh-CN" altLang="en-US" sz="2400" dirty="0" smtClean="0"/>
+              <a:t>配置对应环境变量</a:t>
+            </a:r>
+            <a:r>
+              <a:rPr lang="en-US" altLang="zh-CN" sz="2400" dirty="0" smtClean="0"/>
+              <a:t>)</a:t>
+            </a:r>
+          </a:p>
+          <a:p>
+            <a:r>
+              <a:rPr lang="zh-CN" altLang="en-US" sz="2400" dirty="0" smtClean="0"/>
               <a:t>安装</a:t>
             </a:r>
             <a:r>
-              <a:rPr lang="en-US" altLang="zh-CN" dirty="0" smtClean="0"/>
-              <a:t>jdk(</a:t>
-            </a:r>
-            <a:r>
-              <a:rPr lang="zh-CN" altLang="en-US" dirty="0" smtClean="0"/>
-              <a:t>配置对应环境变量</a:t>
-            </a:r>
-            <a:r>
-              <a:rPr lang="en-US" altLang="zh-CN" dirty="0" smtClean="0"/>
-              <a:t>)</a:t>
-            </a:r>
-          </a:p>
-          <a:p>
-            <a:r>
-              <a:rPr lang="zh-CN" altLang="en-US" dirty="0" smtClean="0"/>
-              <a:t>安装</a:t>
-            </a:r>
-            <a:r>
-              <a:rPr lang="en-US" altLang="zh-CN" dirty="0" smtClean="0"/>
+              <a:rPr lang="en-US" altLang="zh-CN" sz="2400" dirty="0" smtClean="0"/>
               <a:t>eclipse</a:t>
             </a:r>
           </a:p>
@@ -4185,7 +4210,7 @@
         </p:blipFill>
         <p:spPr>
           <a:xfrm>
-            <a:off x="642910" y="4000504"/>
+            <a:off x="1619672" y="3645024"/>
             <a:ext cx="4276725" cy="504825"/>
           </a:xfrm>
           <a:prstGeom prst="rect">
@@ -4323,12 +4348,16 @@
               <a:t>2.npm install –g </a:t>
             </a:r>
             <a:r>
-              <a:rPr lang="en-US" altLang="zh-CN" dirty="0" err="1" smtClean="0"/>
-              <a:t>appium</a:t>
-            </a:r>
-            <a:r>
-              <a:rPr lang="en-US" altLang="zh-CN" dirty="0" smtClean="0"/>
-              <a:t> (</a:t>
+              <a:rPr lang="en-US" altLang="zh-CN" dirty="0"/>
+              <a:t>A</a:t>
+            </a:r>
+            <a:r>
+              <a:rPr lang="en-US" altLang="zh-CN" dirty="0" smtClean="0"/>
+              <a:t>ppium </a:t>
+            </a:r>
+            <a:r>
+              <a:rPr lang="en-US" altLang="zh-CN" dirty="0" smtClean="0"/>
+              <a:t>(</a:t>
             </a:r>
             <a:r>
               <a:rPr lang="zh-CN" altLang="en-US" dirty="0" smtClean="0"/>
@@ -4353,12 +4382,16 @@
               <a:t> </a:t>
             </a:r>
             <a:r>
-              <a:rPr lang="en-US" altLang="zh-CN" dirty="0" err="1" smtClean="0"/>
-              <a:t>appium</a:t>
-            </a:r>
-            <a:r>
-              <a:rPr lang="en-US" altLang="zh-CN" dirty="0" smtClean="0"/>
-              <a:t>  (</a:t>
+              <a:rPr lang="en-US" altLang="zh-CN" dirty="0"/>
+              <a:t>A</a:t>
+            </a:r>
+            <a:r>
+              <a:rPr lang="en-US" altLang="zh-CN" dirty="0" smtClean="0"/>
+              <a:t>ppium  </a:t>
+            </a:r>
+            <a:r>
+              <a:rPr lang="en-US" altLang="zh-CN" dirty="0" smtClean="0"/>
+              <a:t>(</a:t>
             </a:r>
             <a:r>
               <a:rPr lang="zh-CN" altLang="en-US" dirty="0" smtClean="0"/>
@@ -4771,7 +4804,7 @@
           </a:p>
           <a:p>
             <a:r>
-              <a:rPr lang="en-US" altLang="zh-CN" dirty="0" err="1" smtClean="0"/>
+              <a:rPr lang="en-US" altLang="zh-CN" dirty="0" smtClean="0"/>
               <a:t>AppiumLibrary</a:t>
             </a:r>
             <a:r>
@@ -4789,12 +4822,12 @@
           </a:p>
           <a:p>
             <a:r>
-              <a:rPr lang="en-US" altLang="zh-CN" dirty="0"/>
-              <a:t>*</a:t>
+              <a:rPr lang="zh-CN" altLang="en-US" dirty="0" smtClean="0"/>
+              <a:t>自</a:t>
             </a:r>
             <a:r>
               <a:rPr lang="zh-CN" altLang="en-US" dirty="0"/>
-              <a:t>自定义测试库：</a:t>
+              <a:t>定义测试库：</a:t>
             </a:r>
             <a:r>
               <a:rPr lang="en-US" altLang="zh-CN" dirty="0"/>
@@ -6047,8 +6080,8 @@
         </p:nvSpPr>
         <p:spPr>
           <a:xfrm>
-            <a:off x="1907704" y="1226641"/>
-            <a:ext cx="5486400" cy="522288"/>
+            <a:off x="1763688" y="476672"/>
+            <a:ext cx="5544616" cy="576064"/>
           </a:xfrm>
         </p:spPr>
         <p:txBody>
@@ -6064,29 +6097,6 @@
             <a:r>
               <a:rPr lang="zh-CN" altLang="en-US" sz="4800" dirty="0" smtClean="0"/>
               <a:t>绍</a:t>
-            </a:r>
-            <a:r>
-              <a:rPr lang="en-US" altLang="zh-CN" sz="4800" dirty="0"/>
-              <a:t/>
-            </a:r>
-            <a:br>
-              <a:rPr lang="en-US" altLang="zh-CN" sz="4800" dirty="0"/>
-            </a:br>
-            <a:r>
-              <a:rPr lang="en-US" altLang="zh-CN" sz="4800" dirty="0" smtClean="0"/>
-              <a:t> </a:t>
-            </a:r>
-            <a:r>
-              <a:rPr lang="en-US" altLang="zh-CN" dirty="0" smtClean="0"/>
-              <a:t>Main</a:t>
-            </a:r>
-            <a:r>
-              <a:rPr lang="en-US" altLang="zh-CN" sz="4800" dirty="0" smtClean="0"/>
-              <a:t> </a:t>
-            </a:r>
-            <a:r>
-              <a:rPr lang="en-US" altLang="zh-CN" dirty="0" smtClean="0"/>
-              <a:t>Architecture</a:t>
             </a:r>
             <a:endParaRPr lang="zh-CN" altLang="en-US" dirty="0"/>
           </a:p>
@@ -6114,7 +6124,7 @@
         </p:blipFill>
         <p:spPr>
           <a:xfrm>
-            <a:off x="1264411" y="1988840"/>
+            <a:off x="1264411" y="1556792"/>
             <a:ext cx="6772986" cy="3792537"/>
           </a:xfrm>
           <a:prstGeom prst="rect">
@@ -6130,7 +6140,7 @@
         </p:nvSpPr>
         <p:spPr>
           <a:xfrm>
-            <a:off x="1264411" y="6021288"/>
+            <a:off x="1583668" y="5733256"/>
             <a:ext cx="5904656" cy="646331"/>
           </a:xfrm>
           <a:prstGeom prst="rect">
@@ -6146,7 +6156,15 @@
           <a:p>
             <a:r>
               <a:rPr lang="en-US" altLang="zh-CN" dirty="0" smtClean="0"/>
-              <a:t>Test Libraries: appiumLibrary, CustomLibrary.</a:t>
+              <a:t>Test Libraries: </a:t>
+            </a:r>
+            <a:r>
+              <a:rPr lang="en-US" altLang="zh-CN" dirty="0" err="1" smtClean="0"/>
+              <a:t>appiumLibrary</a:t>
+            </a:r>
+            <a:r>
+              <a:rPr lang="en-US" altLang="zh-CN" dirty="0" smtClean="0"/>
+              <a:t>, CustomLibrary.</a:t>
             </a:r>
           </a:p>
           <a:p>
@@ -6155,8 +6173,12 @@
               <a:t>Test Tools: </a:t>
             </a:r>
             <a:r>
-              <a:rPr lang="en-US" altLang="zh-CN" dirty="0" err="1" smtClean="0"/>
-              <a:t>appium</a:t>
+              <a:rPr lang="en-US" altLang="zh-CN" dirty="0"/>
+              <a:t>A</a:t>
+            </a:r>
+            <a:r>
+              <a:rPr lang="en-US" altLang="zh-CN" dirty="0" smtClean="0"/>
+              <a:t>ppium</a:t>
             </a:r>
             <a:r>
               <a:rPr lang="en-US" altLang="zh-CN" dirty="0" smtClean="0"/>
@@ -6223,21 +6245,23 @@
         </p:nvSpPr>
         <p:spPr>
           <a:xfrm>
-            <a:off x="1471112" y="0"/>
-            <a:ext cx="7086600" cy="1828800"/>
+            <a:off x="1403648" y="332656"/>
+            <a:ext cx="7086600" cy="764704"/>
           </a:xfrm>
         </p:spPr>
         <p:txBody>
           <a:bodyPr/>
           <a:lstStyle/>
           <a:p>
-            <a:r>
-              <a:rPr lang="en-US" altLang="zh-CN" dirty="0" smtClean="0"/>
-              <a:t>Robot Framework</a:t>
-            </a:r>
-            <a:br>
-              <a:rPr lang="en-US" altLang="zh-CN" dirty="0" smtClean="0"/>
-            </a:br>
+            <a:pPr algn="ctr"/>
+            <a:r>
+              <a:rPr lang="en-US" altLang="zh-CN" dirty="0" smtClean="0"/>
+              <a:t>Robot </a:t>
+            </a:r>
+            <a:r>
+              <a:rPr lang="en-US" altLang="zh-CN" dirty="0" smtClean="0"/>
+              <a:t>Framework</a:t>
+            </a:r>
             <a:endParaRPr lang="zh-CN" altLang="en-US" dirty="0"/>
           </a:p>
         </p:txBody>
@@ -6254,7 +6278,7 @@
         </p:nvSpPr>
         <p:spPr>
           <a:xfrm>
-            <a:off x="1471112" y="1772816"/>
+            <a:off x="1475656" y="1412776"/>
             <a:ext cx="7200800" cy="4536504"/>
           </a:xfrm>
         </p:spPr>
@@ -6492,14 +6516,15 @@
         </p:nvSpPr>
         <p:spPr>
           <a:xfrm>
-            <a:off x="1600200" y="188640"/>
-            <a:ext cx="7086600" cy="1169640"/>
+            <a:off x="1043608" y="764704"/>
+            <a:ext cx="7086600" cy="665584"/>
           </a:xfrm>
         </p:spPr>
         <p:txBody>
           <a:bodyPr/>
           <a:lstStyle/>
           <a:p>
+            <a:pPr algn="ctr"/>
             <a:r>
               <a:rPr lang="en-US" altLang="zh-CN" dirty="0" smtClean="0"/>
               <a:t>Robot Framework</a:t>
@@ -6520,7 +6545,7 @@
         </p:nvSpPr>
         <p:spPr>
           <a:xfrm>
-            <a:off x="1600200" y="1916832"/>
+            <a:off x="1043608" y="1988840"/>
             <a:ext cx="7086600" cy="3528392"/>
           </a:xfrm>
         </p:spPr>
@@ -6869,7 +6894,7 @@
               <a:t>系统的</a:t>
             </a:r>
             <a:r>
-              <a:rPr lang="en-US" altLang="zh-CN" dirty="0" err="1" smtClean="0">
+              <a:rPr lang="en-US" altLang="zh-CN" dirty="0" smtClean="0">
                 <a:latin typeface="+mn-ea"/>
               </a:rPr>
               <a:t>Uiautomator</a:t>
